--- a/figures/Tree.pptx
+++ b/figures/Tree.pptx
@@ -13,6 +13,7 @@
     <p:sldId id="261" r:id="rId10"/>
     <p:sldId id="263" r:id="rId11"/>
     <p:sldId id="262" r:id="rId12"/>
+    <p:sldId id="264" r:id="rId13"/>
   </p:sldIdLst>
   <p:sldSz cx="12192000" cy="6858000"/>
   <p:notesSz cx="6858000" cy="9144000"/>
@@ -133,7 +134,7 @@
 <file path=ppt/revisionInfo.xml><?xml version="1.0" encoding="utf-8"?>
 <p1510:revInfo xmlns:a="http://schemas.openxmlformats.org/drawingml/2006/main" xmlns:r="http://schemas.openxmlformats.org/officeDocument/2006/relationships" xmlns:p1510="http://schemas.microsoft.com/office/powerpoint/2015/10/main">
   <p1510:revLst>
-    <p1510:client id="{EF0640D9-2E2E-4987-8E32-D77700C7C8B4}" v="1831" dt="2020-11-14T09:53:53.699"/>
+    <p1510:client id="{EF0640D9-2E2E-4987-8E32-D77700C7C8B4}" v="1900" dt="2020-11-15T13:35:31.144"/>
   </p1510:revLst>
 </p1510:revInfo>
 </file>
@@ -142,13 +143,13 @@
 <pc:chgInfo xmlns:a="http://schemas.openxmlformats.org/drawingml/2006/main" xmlns:r="http://schemas.openxmlformats.org/officeDocument/2006/relationships" xmlns:ac="http://schemas.microsoft.com/office/drawing/2013/main/command" xmlns:pc="http://schemas.microsoft.com/office/powerpoint/2013/main/command">
   <pc:docChgLst>
     <pc:chgData name="子堯 林" userId="e016bb37-1c06-4e3b-830b-ac9b1feb09b3" providerId="ADAL" clId="{EF0640D9-2E2E-4987-8E32-D77700C7C8B4}"/>
-    <pc:docChg chg="undo custSel modSld">
-      <pc:chgData name="子堯 林" userId="e016bb37-1c06-4e3b-830b-ac9b1feb09b3" providerId="ADAL" clId="{EF0640D9-2E2E-4987-8E32-D77700C7C8B4}" dt="2020-11-14T09:53:53.699" v="189" actId="1076"/>
+    <pc:docChg chg="undo custSel addSld delSld modSld">
+      <pc:chgData name="子堯 林" userId="e016bb37-1c06-4e3b-830b-ac9b1feb09b3" providerId="ADAL" clId="{EF0640D9-2E2E-4987-8E32-D77700C7C8B4}" dt="2020-11-15T13:35:31.144" v="258" actId="1076"/>
       <pc:docMkLst>
         <pc:docMk/>
       </pc:docMkLst>
       <pc:sldChg chg="addSp delSp modSp">
-        <pc:chgData name="子堯 林" userId="e016bb37-1c06-4e3b-830b-ac9b1feb09b3" providerId="ADAL" clId="{EF0640D9-2E2E-4987-8E32-D77700C7C8B4}" dt="2020-11-14T06:59:35.319" v="177" actId="20577"/>
+        <pc:chgData name="子堯 林" userId="e016bb37-1c06-4e3b-830b-ac9b1feb09b3" providerId="ADAL" clId="{EF0640D9-2E2E-4987-8E32-D77700C7C8B4}" dt="2020-11-15T13:25:45.614" v="243" actId="14100"/>
         <pc:sldMkLst>
           <pc:docMk/>
           <pc:sldMk cId="3520666477" sldId="256"/>
@@ -162,7 +163,15 @@
           </ac:spMkLst>
         </pc:spChg>
         <pc:spChg chg="mod">
-          <ac:chgData name="子堯 林" userId="e016bb37-1c06-4e3b-830b-ac9b1feb09b3" providerId="ADAL" clId="{EF0640D9-2E2E-4987-8E32-D77700C7C8B4}" dt="2020-11-14T06:59:35.319" v="177" actId="20577"/>
+          <ac:chgData name="子堯 林" userId="e016bb37-1c06-4e3b-830b-ac9b1feb09b3" providerId="ADAL" clId="{EF0640D9-2E2E-4987-8E32-D77700C7C8B4}" dt="2020-11-15T13:25:28.586" v="239" actId="14100"/>
+          <ac:spMkLst>
+            <pc:docMk/>
+            <pc:sldMk cId="3520666477" sldId="256"/>
+            <ac:spMk id="21" creationId="{DD862D91-E29A-4969-9278-B64E8033E387}"/>
+          </ac:spMkLst>
+        </pc:spChg>
+        <pc:spChg chg="mod">
+          <ac:chgData name="子堯 林" userId="e016bb37-1c06-4e3b-830b-ac9b1feb09b3" providerId="ADAL" clId="{EF0640D9-2E2E-4987-8E32-D77700C7C8B4}" dt="2020-11-15T13:16:53.034" v="193" actId="1076"/>
           <ac:spMkLst>
             <pc:docMk/>
             <pc:sldMk cId="3520666477" sldId="256"/>
@@ -177,6 +186,14 @@
             <ac:spMk id="47" creationId="{CBAAEBBF-BC73-4069-A10E-6AE96481014E}"/>
           </ac:spMkLst>
         </pc:spChg>
+        <pc:spChg chg="add del">
+          <ac:chgData name="子堯 林" userId="e016bb37-1c06-4e3b-830b-ac9b1feb09b3" providerId="ADAL" clId="{EF0640D9-2E2E-4987-8E32-D77700C7C8B4}" dt="2020-11-15T13:24:33.460" v="228"/>
+          <ac:spMkLst>
+            <pc:docMk/>
+            <pc:sldMk cId="3520666477" sldId="256"/>
+            <ac:spMk id="47" creationId="{FA644A54-016B-4412-8D4C-59445EB50252}"/>
+          </ac:spMkLst>
+        </pc:spChg>
         <pc:spChg chg="add mod">
           <ac:chgData name="子堯 林" userId="e016bb37-1c06-4e3b-830b-ac9b1feb09b3" providerId="ADAL" clId="{EF0640D9-2E2E-4987-8E32-D77700C7C8B4}" dt="2020-11-14T06:56:17.403" v="91" actId="571"/>
           <ac:spMkLst>
@@ -193,12 +210,28 @@
             <ac:spMk id="50" creationId="{893DB068-7628-4ED5-98CF-C22794B4104D}"/>
           </ac:spMkLst>
         </pc:spChg>
+        <pc:spChg chg="mod">
+          <ac:chgData name="子堯 林" userId="e016bb37-1c06-4e3b-830b-ac9b1feb09b3" providerId="ADAL" clId="{EF0640D9-2E2E-4987-8E32-D77700C7C8B4}" dt="2020-11-15T13:24:52.199" v="232" actId="14100"/>
+          <ac:spMkLst>
+            <pc:docMk/>
+            <pc:sldMk cId="3520666477" sldId="256"/>
+            <ac:spMk id="51" creationId="{7590C2CF-4435-47B4-9EFD-B6C2508CAE83}"/>
+          </ac:spMkLst>
+        </pc:spChg>
         <pc:spChg chg="add del">
           <ac:chgData name="子堯 林" userId="e016bb37-1c06-4e3b-830b-ac9b1feb09b3" providerId="ADAL" clId="{EF0640D9-2E2E-4987-8E32-D77700C7C8B4}" dt="2020-11-14T06:58:15.934" v="167"/>
           <ac:spMkLst>
             <pc:docMk/>
             <pc:sldMk cId="3520666477" sldId="256"/>
             <ac:spMk id="53" creationId="{7087670C-D7A4-441C-94D3-97B841876875}"/>
+          </ac:spMkLst>
+        </pc:spChg>
+        <pc:spChg chg="add del mod">
+          <ac:chgData name="子堯 林" userId="e016bb37-1c06-4e3b-830b-ac9b1feb09b3" providerId="ADAL" clId="{EF0640D9-2E2E-4987-8E32-D77700C7C8B4}" dt="2020-11-15T13:24:58.473" v="233" actId="478"/>
+          <ac:spMkLst>
+            <pc:docMk/>
+            <pc:sldMk cId="3520666477" sldId="256"/>
+            <ac:spMk id="53" creationId="{ED07660D-C0E5-46B3-8B03-78F122F7802A}"/>
           </ac:spMkLst>
         </pc:spChg>
         <pc:spChg chg="add mod">
@@ -207,6 +240,22 @@
             <pc:docMk/>
             <pc:sldMk cId="3520666477" sldId="256"/>
             <ac:spMk id="54" creationId="{71CB22AD-9C92-4937-94F2-58F58687314C}"/>
+          </ac:spMkLst>
+        </pc:spChg>
+        <pc:spChg chg="add del mod">
+          <ac:chgData name="子堯 林" userId="e016bb37-1c06-4e3b-830b-ac9b1feb09b3" providerId="ADAL" clId="{EF0640D9-2E2E-4987-8E32-D77700C7C8B4}" dt="2020-11-15T13:25:31.060" v="240" actId="478"/>
+          <ac:spMkLst>
+            <pc:docMk/>
+            <pc:sldMk cId="3520666477" sldId="256"/>
+            <ac:spMk id="55" creationId="{F145EC72-6A4A-4FE5-B956-4BFCC1E6F500}"/>
+          </ac:spMkLst>
+        </pc:spChg>
+        <pc:spChg chg="mod">
+          <ac:chgData name="子堯 林" userId="e016bb37-1c06-4e3b-830b-ac9b1feb09b3" providerId="ADAL" clId="{EF0640D9-2E2E-4987-8E32-D77700C7C8B4}" dt="2020-11-15T13:25:45.614" v="243" actId="14100"/>
+          <ac:spMkLst>
+            <pc:docMk/>
+            <pc:sldMk cId="3520666477" sldId="256"/>
+            <ac:spMk id="96" creationId="{3CA06ADD-F036-4306-BD4C-173CB78FC801}"/>
           </ac:spMkLst>
         </pc:spChg>
         <pc:spChg chg="mod">
@@ -235,7 +284,7 @@
         </pc:cxnChg>
       </pc:sldChg>
       <pc:sldChg chg="addSp delSp modSp">
-        <pc:chgData name="子堯 林" userId="e016bb37-1c06-4e3b-830b-ac9b1feb09b3" providerId="ADAL" clId="{EF0640D9-2E2E-4987-8E32-D77700C7C8B4}" dt="2020-11-14T07:00:10.511" v="185" actId="732"/>
+        <pc:chgData name="子堯 林" userId="e016bb37-1c06-4e3b-830b-ac9b1feb09b3" providerId="ADAL" clId="{EF0640D9-2E2E-4987-8E32-D77700C7C8B4}" dt="2020-11-15T13:26:20.926" v="253" actId="732"/>
         <pc:sldMkLst>
           <pc:docMk/>
           <pc:sldMk cId="3195845532" sldId="257"/>
@@ -249,6 +298,14 @@
           </ac:spMkLst>
         </pc:spChg>
         <pc:spChg chg="add del">
+          <ac:chgData name="子堯 林" userId="e016bb37-1c06-4e3b-830b-ac9b1feb09b3" providerId="ADAL" clId="{EF0640D9-2E2E-4987-8E32-D77700C7C8B4}" dt="2020-11-15T13:17:12.556" v="198" actId="478"/>
+          <ac:spMkLst>
+            <pc:docMk/>
+            <pc:sldMk cId="3195845532" sldId="257"/>
+            <ac:spMk id="4" creationId="{2D0D662A-4ED5-4A79-B616-5B6B87B16AE2}"/>
+          </ac:spMkLst>
+        </pc:spChg>
+        <pc:spChg chg="add del">
           <ac:chgData name="子堯 林" userId="e016bb37-1c06-4e3b-830b-ac9b1feb09b3" providerId="ADAL" clId="{EF0640D9-2E2E-4987-8E32-D77700C7C8B4}" dt="2020-11-14T06:59:57.708" v="183"/>
           <ac:spMkLst>
             <pc:docMk/>
@@ -265,11 +322,11 @@
           </ac:spMkLst>
         </pc:spChg>
         <pc:spChg chg="add del">
-          <ac:chgData name="子堯 林" userId="e016bb37-1c06-4e3b-830b-ac9b1feb09b3" providerId="ADAL" clId="{EF0640D9-2E2E-4987-8E32-D77700C7C8B4}" dt="2020-11-14T06:59:57.708" v="183"/>
+          <ac:chgData name="子堯 林" userId="e016bb37-1c06-4e3b-830b-ac9b1feb09b3" providerId="ADAL" clId="{EF0640D9-2E2E-4987-8E32-D77700C7C8B4}" dt="2020-11-15T13:17:12.556" v="198" actId="478"/>
           <ac:spMkLst>
             <pc:docMk/>
             <pc:sldMk cId="3195845532" sldId="257"/>
-            <ac:spMk id="6" creationId="{DC5A8C0E-A096-4DF4-A005-F464185C0F3D}"/>
+            <ac:spMk id="5" creationId="{BFB72F0B-1A29-45E7-9041-83EC7A493FED}"/>
           </ac:spMkLst>
         </pc:spChg>
         <pc:spChg chg="add del">
@@ -277,7 +334,39 @@
           <ac:spMkLst>
             <pc:docMk/>
             <pc:sldMk cId="3195845532" sldId="257"/>
+            <ac:spMk id="6" creationId="{DC5A8C0E-A096-4DF4-A005-F464185C0F3D}"/>
+          </ac:spMkLst>
+        </pc:spChg>
+        <pc:spChg chg="add del">
+          <ac:chgData name="子堯 林" userId="e016bb37-1c06-4e3b-830b-ac9b1feb09b3" providerId="ADAL" clId="{EF0640D9-2E2E-4987-8E32-D77700C7C8B4}" dt="2020-11-15T13:17:12.556" v="198" actId="478"/>
+          <ac:spMkLst>
+            <pc:docMk/>
+            <pc:sldMk cId="3195845532" sldId="257"/>
+            <ac:spMk id="6" creationId="{E1BE4539-6CCB-4FC8-9AB0-8522FBF7A45C}"/>
+          </ac:spMkLst>
+        </pc:spChg>
+        <pc:spChg chg="add del">
+          <ac:chgData name="子堯 林" userId="e016bb37-1c06-4e3b-830b-ac9b1feb09b3" providerId="ADAL" clId="{EF0640D9-2E2E-4987-8E32-D77700C7C8B4}" dt="2020-11-15T13:17:12.556" v="198" actId="478"/>
+          <ac:spMkLst>
+            <pc:docMk/>
+            <pc:sldMk cId="3195845532" sldId="257"/>
+            <ac:spMk id="7" creationId="{AF6A39A8-6624-40CF-8002-E3BD2A3FDDF6}"/>
+          </ac:spMkLst>
+        </pc:spChg>
+        <pc:spChg chg="add del">
+          <ac:chgData name="子堯 林" userId="e016bb37-1c06-4e3b-830b-ac9b1feb09b3" providerId="ADAL" clId="{EF0640D9-2E2E-4987-8E32-D77700C7C8B4}" dt="2020-11-14T06:59:57.708" v="183"/>
+          <ac:spMkLst>
+            <pc:docMk/>
+            <pc:sldMk cId="3195845532" sldId="257"/>
             <ac:spMk id="7" creationId="{E39F528B-183D-4D0C-88F8-48B89E5041DF}"/>
+          </ac:spMkLst>
+        </pc:spChg>
+        <pc:spChg chg="add del">
+          <ac:chgData name="子堯 林" userId="e016bb37-1c06-4e3b-830b-ac9b1feb09b3" providerId="ADAL" clId="{EF0640D9-2E2E-4987-8E32-D77700C7C8B4}" dt="2020-11-15T13:17:12.556" v="198" actId="478"/>
+          <ac:spMkLst>
+            <pc:docMk/>
+            <pc:sldMk cId="3195845532" sldId="257"/>
+            <ac:spMk id="9" creationId="{73483E6E-F5B8-43B8-9B01-76D371B46CAE}"/>
           </ac:spMkLst>
         </pc:spChg>
         <pc:spChg chg="add del">
@@ -297,11 +386,35 @@
           </ac:spMkLst>
         </pc:spChg>
         <pc:spChg chg="add del">
+          <ac:chgData name="子堯 林" userId="e016bb37-1c06-4e3b-830b-ac9b1feb09b3" providerId="ADAL" clId="{EF0640D9-2E2E-4987-8E32-D77700C7C8B4}" dt="2020-11-15T13:17:12.556" v="198" actId="478"/>
+          <ac:spMkLst>
+            <pc:docMk/>
+            <pc:sldMk cId="3195845532" sldId="257"/>
+            <ac:spMk id="10" creationId="{814D8E09-F8DE-4FA6-98B5-55414148CF6B}"/>
+          </ac:spMkLst>
+        </pc:spChg>
+        <pc:spChg chg="add del">
+          <ac:chgData name="子堯 林" userId="e016bb37-1c06-4e3b-830b-ac9b1feb09b3" providerId="ADAL" clId="{EF0640D9-2E2E-4987-8E32-D77700C7C8B4}" dt="2020-11-15T13:17:12.556" v="198" actId="478"/>
+          <ac:spMkLst>
+            <pc:docMk/>
+            <pc:sldMk cId="3195845532" sldId="257"/>
+            <ac:spMk id="11" creationId="{A3906250-1BAE-4CCE-AF35-79DC75A77467}"/>
+          </ac:spMkLst>
+        </pc:spChg>
+        <pc:spChg chg="add del">
           <ac:chgData name="子堯 林" userId="e016bb37-1c06-4e3b-830b-ac9b1feb09b3" providerId="ADAL" clId="{EF0640D9-2E2E-4987-8E32-D77700C7C8B4}" dt="2020-11-14T06:59:57.708" v="183"/>
           <ac:spMkLst>
             <pc:docMk/>
             <pc:sldMk cId="3195845532" sldId="257"/>
             <ac:spMk id="11" creationId="{AC237E31-058A-44CE-B0C0-25F23DD1BA90}"/>
+          </ac:spMkLst>
+        </pc:spChg>
+        <pc:spChg chg="add del">
+          <ac:chgData name="子堯 林" userId="e016bb37-1c06-4e3b-830b-ac9b1feb09b3" providerId="ADAL" clId="{EF0640D9-2E2E-4987-8E32-D77700C7C8B4}" dt="2020-11-15T13:17:12.556" v="198" actId="478"/>
+          <ac:spMkLst>
+            <pc:docMk/>
+            <pc:sldMk cId="3195845532" sldId="257"/>
+            <ac:spMk id="12" creationId="{2B77CDBC-5D7A-4510-9543-AD4A5EEF37D1}"/>
           </ac:spMkLst>
         </pc:spChg>
         <pc:spChg chg="add del">
@@ -321,11 +434,19 @@
           </ac:spMkLst>
         </pc:spChg>
         <pc:spChg chg="add del">
-          <ac:chgData name="子堯 林" userId="e016bb37-1c06-4e3b-830b-ac9b1feb09b3" providerId="ADAL" clId="{EF0640D9-2E2E-4987-8E32-D77700C7C8B4}" dt="2020-11-14T06:59:57.708" v="183"/>
+          <ac:chgData name="子堯 林" userId="e016bb37-1c06-4e3b-830b-ac9b1feb09b3" providerId="ADAL" clId="{EF0640D9-2E2E-4987-8E32-D77700C7C8B4}" dt="2020-11-15T13:17:12.556" v="198" actId="478"/>
           <ac:spMkLst>
             <pc:docMk/>
             <pc:sldMk cId="3195845532" sldId="257"/>
-            <ac:spMk id="19" creationId="{C8CF3418-1115-4E86-8F92-F4DFDDB64989}"/>
+            <ac:spMk id="18" creationId="{E48FCCC4-DFFC-4BD6-BAE4-A259BADA5751}"/>
+          </ac:spMkLst>
+        </pc:spChg>
+        <pc:spChg chg="add del">
+          <ac:chgData name="子堯 林" userId="e016bb37-1c06-4e3b-830b-ac9b1feb09b3" providerId="ADAL" clId="{EF0640D9-2E2E-4987-8E32-D77700C7C8B4}" dt="2020-11-15T13:17:12.556" v="198" actId="478"/>
+          <ac:spMkLst>
+            <pc:docMk/>
+            <pc:sldMk cId="3195845532" sldId="257"/>
+            <ac:spMk id="19" creationId="{B64D1EF9-0A58-483A-B8C1-899589DD54AD}"/>
           </ac:spMkLst>
         </pc:spChg>
         <pc:spChg chg="add del">
@@ -333,7 +454,15 @@
           <ac:spMkLst>
             <pc:docMk/>
             <pc:sldMk cId="3195845532" sldId="257"/>
-            <ac:spMk id="20" creationId="{F0B39B7D-3AFD-41E9-807F-6543246B28A0}"/>
+            <ac:spMk id="19" creationId="{C8CF3418-1115-4E86-8F92-F4DFDDB64989}"/>
+          </ac:spMkLst>
+        </pc:spChg>
+        <pc:spChg chg="add del">
+          <ac:chgData name="子堯 林" userId="e016bb37-1c06-4e3b-830b-ac9b1feb09b3" providerId="ADAL" clId="{EF0640D9-2E2E-4987-8E32-D77700C7C8B4}" dt="2020-11-15T13:17:12.556" v="198" actId="478"/>
+          <ac:spMkLst>
+            <pc:docMk/>
+            <pc:sldMk cId="3195845532" sldId="257"/>
+            <ac:spMk id="20" creationId="{A5E397D5-8829-4FE4-984A-5B89BF373EB3}"/>
           </ac:spMkLst>
         </pc:spChg>
         <pc:spChg chg="add del">
@@ -341,7 +470,31 @@
           <ac:spMkLst>
             <pc:docMk/>
             <pc:sldMk cId="3195845532" sldId="257"/>
+            <ac:spMk id="20" creationId="{F0B39B7D-3AFD-41E9-807F-6543246B28A0}"/>
+          </ac:spMkLst>
+        </pc:spChg>
+        <pc:spChg chg="add del">
+          <ac:chgData name="子堯 林" userId="e016bb37-1c06-4e3b-830b-ac9b1feb09b3" providerId="ADAL" clId="{EF0640D9-2E2E-4987-8E32-D77700C7C8B4}" dt="2020-11-15T13:17:12.556" v="198" actId="478"/>
+          <ac:spMkLst>
+            <pc:docMk/>
+            <pc:sldMk cId="3195845532" sldId="257"/>
+            <ac:spMk id="21" creationId="{73F03DC7-D214-49AF-ABA9-40D055F4B50A}"/>
+          </ac:spMkLst>
+        </pc:spChg>
+        <pc:spChg chg="add del">
+          <ac:chgData name="子堯 林" userId="e016bb37-1c06-4e3b-830b-ac9b1feb09b3" providerId="ADAL" clId="{EF0640D9-2E2E-4987-8E32-D77700C7C8B4}" dt="2020-11-14T06:59:57.708" v="183"/>
+          <ac:spMkLst>
+            <pc:docMk/>
+            <pc:sldMk cId="3195845532" sldId="257"/>
             <ac:spMk id="21" creationId="{A4632FD5-25A9-4D01-9369-3AE948093132}"/>
+          </ac:spMkLst>
+        </pc:spChg>
+        <pc:spChg chg="add del">
+          <ac:chgData name="子堯 林" userId="e016bb37-1c06-4e3b-830b-ac9b1feb09b3" providerId="ADAL" clId="{EF0640D9-2E2E-4987-8E32-D77700C7C8B4}" dt="2020-11-15T13:17:12.556" v="198" actId="478"/>
+          <ac:spMkLst>
+            <pc:docMk/>
+            <pc:sldMk cId="3195845532" sldId="257"/>
+            <ac:spMk id="33" creationId="{0BEEF4E5-4B3B-49B8-BD68-C5553C2AAFD6}"/>
           </ac:spMkLst>
         </pc:spChg>
         <pc:spChg chg="add del">
@@ -361,11 +514,35 @@
           </ac:spMkLst>
         </pc:spChg>
         <pc:spChg chg="add del">
+          <ac:chgData name="子堯 林" userId="e016bb37-1c06-4e3b-830b-ac9b1feb09b3" providerId="ADAL" clId="{EF0640D9-2E2E-4987-8E32-D77700C7C8B4}" dt="2020-11-15T13:17:12.556" v="198" actId="478"/>
+          <ac:spMkLst>
+            <pc:docMk/>
+            <pc:sldMk cId="3195845532" sldId="257"/>
+            <ac:spMk id="34" creationId="{7AD0D2FD-2870-40CE-9376-C9C5E5C50AD4}"/>
+          </ac:spMkLst>
+        </pc:spChg>
+        <pc:spChg chg="add del">
+          <ac:chgData name="子堯 林" userId="e016bb37-1c06-4e3b-830b-ac9b1feb09b3" providerId="ADAL" clId="{EF0640D9-2E2E-4987-8E32-D77700C7C8B4}" dt="2020-11-15T13:17:12.556" v="198" actId="478"/>
+          <ac:spMkLst>
+            <pc:docMk/>
+            <pc:sldMk cId="3195845532" sldId="257"/>
+            <ac:spMk id="35" creationId="{06DD3D67-30CE-4A5E-9048-49000B211DF0}"/>
+          </ac:spMkLst>
+        </pc:spChg>
+        <pc:spChg chg="add del">
           <ac:chgData name="子堯 林" userId="e016bb37-1c06-4e3b-830b-ac9b1feb09b3" providerId="ADAL" clId="{EF0640D9-2E2E-4987-8E32-D77700C7C8B4}" dt="2020-11-14T06:59:57.708" v="183"/>
           <ac:spMkLst>
             <pc:docMk/>
             <pc:sldMk cId="3195845532" sldId="257"/>
             <ac:spMk id="35" creationId="{9F43A3B2-9E7F-4EC7-96AA-B5A440433558}"/>
+          </ac:spMkLst>
+        </pc:spChg>
+        <pc:spChg chg="add del">
+          <ac:chgData name="子堯 林" userId="e016bb37-1c06-4e3b-830b-ac9b1feb09b3" providerId="ADAL" clId="{EF0640D9-2E2E-4987-8E32-D77700C7C8B4}" dt="2020-11-15T13:17:12.556" v="198" actId="478"/>
+          <ac:spMkLst>
+            <pc:docMk/>
+            <pc:sldMk cId="3195845532" sldId="257"/>
+            <ac:spMk id="36" creationId="{B1F92C98-8E1F-4F79-AB17-587C4475B351}"/>
           </ac:spMkLst>
         </pc:spChg>
         <pc:spChg chg="add del">
@@ -385,6 +562,22 @@
           </ac:spMkLst>
         </pc:spChg>
         <pc:spChg chg="add del">
+          <ac:chgData name="子堯 林" userId="e016bb37-1c06-4e3b-830b-ac9b1feb09b3" providerId="ADAL" clId="{EF0640D9-2E2E-4987-8E32-D77700C7C8B4}" dt="2020-11-15T13:17:12.556" v="198" actId="478"/>
+          <ac:spMkLst>
+            <pc:docMk/>
+            <pc:sldMk cId="3195845532" sldId="257"/>
+            <ac:spMk id="37" creationId="{D9E05525-7DCF-41AB-8225-6A31D6531241}"/>
+          </ac:spMkLst>
+        </pc:spChg>
+        <pc:spChg chg="add del">
+          <ac:chgData name="子堯 林" userId="e016bb37-1c06-4e3b-830b-ac9b1feb09b3" providerId="ADAL" clId="{EF0640D9-2E2E-4987-8E32-D77700C7C8B4}" dt="2020-11-15T13:17:12.556" v="198" actId="478"/>
+          <ac:spMkLst>
+            <pc:docMk/>
+            <pc:sldMk cId="3195845532" sldId="257"/>
+            <ac:spMk id="38" creationId="{A611E74C-92B5-4518-8679-B6FAF34721DB}"/>
+          </ac:spMkLst>
+        </pc:spChg>
+        <pc:spChg chg="add del">
           <ac:chgData name="子堯 林" userId="e016bb37-1c06-4e3b-830b-ac9b1feb09b3" providerId="ADAL" clId="{EF0640D9-2E2E-4987-8E32-D77700C7C8B4}" dt="2020-11-14T06:59:57.708" v="183"/>
           <ac:spMkLst>
             <pc:docMk/>
@@ -401,11 +594,11 @@
           </ac:spMkLst>
         </pc:spChg>
         <pc:spChg chg="add del">
-          <ac:chgData name="子堯 林" userId="e016bb37-1c06-4e3b-830b-ac9b1feb09b3" providerId="ADAL" clId="{EF0640D9-2E2E-4987-8E32-D77700C7C8B4}" dt="2020-11-14T06:59:57.708" v="183"/>
+          <ac:chgData name="子堯 林" userId="e016bb37-1c06-4e3b-830b-ac9b1feb09b3" providerId="ADAL" clId="{EF0640D9-2E2E-4987-8E32-D77700C7C8B4}" dt="2020-11-15T13:17:12.556" v="198" actId="478"/>
           <ac:spMkLst>
             <pc:docMk/>
             <pc:sldMk cId="3195845532" sldId="257"/>
-            <ac:spMk id="41" creationId="{207733B7-D15C-442E-B3B2-4C4204888909}"/>
+            <ac:spMk id="39" creationId="{D1B35595-1FD2-47EB-AB1A-407C820A58ED}"/>
           </ac:spMkLst>
         </pc:spChg>
         <pc:spChg chg="add del">
@@ -413,7 +606,15 @@
           <ac:spMkLst>
             <pc:docMk/>
             <pc:sldMk cId="3195845532" sldId="257"/>
-            <ac:spMk id="42" creationId="{0C89E059-9AEB-4F2F-B7CA-D005A9ADB82A}"/>
+            <ac:spMk id="41" creationId="{207733B7-D15C-442E-B3B2-4C4204888909}"/>
+          </ac:spMkLst>
+        </pc:spChg>
+        <pc:spChg chg="add del">
+          <ac:chgData name="子堯 林" userId="e016bb37-1c06-4e3b-830b-ac9b1feb09b3" providerId="ADAL" clId="{EF0640D9-2E2E-4987-8E32-D77700C7C8B4}" dt="2020-11-15T13:17:12.556" v="198" actId="478"/>
+          <ac:spMkLst>
+            <pc:docMk/>
+            <pc:sldMk cId="3195845532" sldId="257"/>
+            <ac:spMk id="41" creationId="{D7B66D5F-EB3A-468F-8FA6-17EB2C498C61}"/>
           </ac:spMkLst>
         </pc:spChg>
         <pc:spChg chg="add del">
@@ -421,7 +622,15 @@
           <ac:spMkLst>
             <pc:docMk/>
             <pc:sldMk cId="3195845532" sldId="257"/>
-            <ac:spMk id="43" creationId="{75264AED-6ACD-46DE-AA1B-B9B0CC7F958A}"/>
+            <ac:spMk id="42" creationId="{0C89E059-9AEB-4F2F-B7CA-D005A9ADB82A}"/>
+          </ac:spMkLst>
+        </pc:spChg>
+        <pc:spChg chg="add del">
+          <ac:chgData name="子堯 林" userId="e016bb37-1c06-4e3b-830b-ac9b1feb09b3" providerId="ADAL" clId="{EF0640D9-2E2E-4987-8E32-D77700C7C8B4}" dt="2020-11-15T13:17:12.556" v="198" actId="478"/>
+          <ac:spMkLst>
+            <pc:docMk/>
+            <pc:sldMk cId="3195845532" sldId="257"/>
+            <ac:spMk id="42" creationId="{FEDBB4EC-6F9D-46D5-8B19-98DDDC385966}"/>
           </ac:spMkLst>
         </pc:spChg>
         <pc:spChg chg="add del">
@@ -429,7 +638,15 @@
           <ac:spMkLst>
             <pc:docMk/>
             <pc:sldMk cId="3195845532" sldId="257"/>
-            <ac:spMk id="44" creationId="{16873C1E-A3F4-4EB6-8024-82A0BDF05C0E}"/>
+            <ac:spMk id="43" creationId="{75264AED-6ACD-46DE-AA1B-B9B0CC7F958A}"/>
+          </ac:spMkLst>
+        </pc:spChg>
+        <pc:spChg chg="add del">
+          <ac:chgData name="子堯 林" userId="e016bb37-1c06-4e3b-830b-ac9b1feb09b3" providerId="ADAL" clId="{EF0640D9-2E2E-4987-8E32-D77700C7C8B4}" dt="2020-11-15T13:17:12.556" v="198" actId="478"/>
+          <ac:spMkLst>
+            <pc:docMk/>
+            <pc:sldMk cId="3195845532" sldId="257"/>
+            <ac:spMk id="43" creationId="{AD0321A2-0429-4F47-B09C-400FB59507F8}"/>
           </ac:spMkLst>
         </pc:spChg>
         <pc:spChg chg="add del">
@@ -437,7 +654,15 @@
           <ac:spMkLst>
             <pc:docMk/>
             <pc:sldMk cId="3195845532" sldId="257"/>
-            <ac:spMk id="45" creationId="{1D54C25B-A2EB-4EED-AC16-A640B112F3DC}"/>
+            <ac:spMk id="44" creationId="{16873C1E-A3F4-4EB6-8024-82A0BDF05C0E}"/>
+          </ac:spMkLst>
+        </pc:spChg>
+        <pc:spChg chg="add del">
+          <ac:chgData name="子堯 林" userId="e016bb37-1c06-4e3b-830b-ac9b1feb09b3" providerId="ADAL" clId="{EF0640D9-2E2E-4987-8E32-D77700C7C8B4}" dt="2020-11-15T13:17:12.556" v="198" actId="478"/>
+          <ac:spMkLst>
+            <pc:docMk/>
+            <pc:sldMk cId="3195845532" sldId="257"/>
+            <ac:spMk id="44" creationId="{2B3A690B-EF22-4F28-BFD7-01C019F7E5CA}"/>
           </ac:spMkLst>
         </pc:spChg>
         <pc:spChg chg="add del">
@@ -445,7 +670,15 @@
           <ac:spMkLst>
             <pc:docMk/>
             <pc:sldMk cId="3195845532" sldId="257"/>
-            <ac:spMk id="46" creationId="{5C0CD543-8FD0-417C-8ABB-6D8DB6B02D1F}"/>
+            <ac:spMk id="45" creationId="{1D54C25B-A2EB-4EED-AC16-A640B112F3DC}"/>
+          </ac:spMkLst>
+        </pc:spChg>
+        <pc:spChg chg="add del">
+          <ac:chgData name="子堯 林" userId="e016bb37-1c06-4e3b-830b-ac9b1feb09b3" providerId="ADAL" clId="{EF0640D9-2E2E-4987-8E32-D77700C7C8B4}" dt="2020-11-15T13:17:12.556" v="198" actId="478"/>
+          <ac:spMkLst>
+            <pc:docMk/>
+            <pc:sldMk cId="3195845532" sldId="257"/>
+            <ac:spMk id="45" creationId="{42C0210D-9C0C-4AFB-AF2C-D2604048FC72}"/>
           </ac:spMkLst>
         </pc:spChg>
         <pc:spChg chg="add del">
@@ -453,7 +686,447 @@
           <ac:spMkLst>
             <pc:docMk/>
             <pc:sldMk cId="3195845532" sldId="257"/>
+            <ac:spMk id="46" creationId="{5C0CD543-8FD0-417C-8ABB-6D8DB6B02D1F}"/>
+          </ac:spMkLst>
+        </pc:spChg>
+        <pc:spChg chg="add del">
+          <ac:chgData name="子堯 林" userId="e016bb37-1c06-4e3b-830b-ac9b1feb09b3" providerId="ADAL" clId="{EF0640D9-2E2E-4987-8E32-D77700C7C8B4}" dt="2020-11-15T13:17:12.556" v="198" actId="478"/>
+          <ac:spMkLst>
+            <pc:docMk/>
+            <pc:sldMk cId="3195845532" sldId="257"/>
+            <ac:spMk id="46" creationId="{B8AD3BA4-763E-41AD-B16C-B6BDDEA2C2A9}"/>
+          </ac:spMkLst>
+        </pc:spChg>
+        <pc:spChg chg="add del">
+          <ac:chgData name="子堯 林" userId="e016bb37-1c06-4e3b-830b-ac9b1feb09b3" providerId="ADAL" clId="{EF0640D9-2E2E-4987-8E32-D77700C7C8B4}" dt="2020-11-15T13:17:12.556" v="198" actId="478"/>
+          <ac:spMkLst>
+            <pc:docMk/>
+            <pc:sldMk cId="3195845532" sldId="257"/>
+            <ac:spMk id="47" creationId="{61F2DB2F-9EBE-4A7A-98EC-3ABC89366F22}"/>
+          </ac:spMkLst>
+        </pc:spChg>
+        <pc:spChg chg="add del">
+          <ac:chgData name="子堯 林" userId="e016bb37-1c06-4e3b-830b-ac9b1feb09b3" providerId="ADAL" clId="{EF0640D9-2E2E-4987-8E32-D77700C7C8B4}" dt="2020-11-14T06:59:57.708" v="183"/>
+          <ac:spMkLst>
+            <pc:docMk/>
+            <pc:sldMk cId="3195845532" sldId="257"/>
             <ac:spMk id="47" creationId="{D5585598-AC43-4BCE-8094-E7888EC36BD0}"/>
+          </ac:spMkLst>
+        </pc:spChg>
+        <pc:spChg chg="add del">
+          <ac:chgData name="子堯 林" userId="e016bb37-1c06-4e3b-830b-ac9b1feb09b3" providerId="ADAL" clId="{EF0640D9-2E2E-4987-8E32-D77700C7C8B4}" dt="2020-11-15T13:17:16.963" v="202"/>
+          <ac:spMkLst>
+            <pc:docMk/>
+            <pc:sldMk cId="3195845532" sldId="257"/>
+            <ac:spMk id="48" creationId="{4E60EC4A-D8BB-42D1-BE3F-3985F759AE2A}"/>
+          </ac:spMkLst>
+        </pc:spChg>
+        <pc:spChg chg="add del">
+          <ac:chgData name="子堯 林" userId="e016bb37-1c06-4e3b-830b-ac9b1feb09b3" providerId="ADAL" clId="{EF0640D9-2E2E-4987-8E32-D77700C7C8B4}" dt="2020-11-15T13:17:16.963" v="202"/>
+          <ac:spMkLst>
+            <pc:docMk/>
+            <pc:sldMk cId="3195845532" sldId="257"/>
+            <ac:spMk id="49" creationId="{0C1B2B3D-054C-48F6-81A6-27B00DAF60E3}"/>
+          </ac:spMkLst>
+        </pc:spChg>
+        <pc:spChg chg="add del">
+          <ac:chgData name="子堯 林" userId="e016bb37-1c06-4e3b-830b-ac9b1feb09b3" providerId="ADAL" clId="{EF0640D9-2E2E-4987-8E32-D77700C7C8B4}" dt="2020-11-15T13:17:16.963" v="202"/>
+          <ac:spMkLst>
+            <pc:docMk/>
+            <pc:sldMk cId="3195845532" sldId="257"/>
+            <ac:spMk id="50" creationId="{79D30572-757B-40C4-8E8E-D7002A6B9AF4}"/>
+          </ac:spMkLst>
+        </pc:spChg>
+        <pc:spChg chg="add del">
+          <ac:chgData name="子堯 林" userId="e016bb37-1c06-4e3b-830b-ac9b1feb09b3" providerId="ADAL" clId="{EF0640D9-2E2E-4987-8E32-D77700C7C8B4}" dt="2020-11-15T13:17:16.963" v="202"/>
+          <ac:spMkLst>
+            <pc:docMk/>
+            <pc:sldMk cId="3195845532" sldId="257"/>
+            <ac:spMk id="51" creationId="{835A0D35-363F-40AD-A24E-67988F6EF8D5}"/>
+          </ac:spMkLst>
+        </pc:spChg>
+        <pc:spChg chg="add del">
+          <ac:chgData name="子堯 林" userId="e016bb37-1c06-4e3b-830b-ac9b1feb09b3" providerId="ADAL" clId="{EF0640D9-2E2E-4987-8E32-D77700C7C8B4}" dt="2020-11-15T13:17:16.963" v="202"/>
+          <ac:spMkLst>
+            <pc:docMk/>
+            <pc:sldMk cId="3195845532" sldId="257"/>
+            <ac:spMk id="53" creationId="{E3711E00-89B5-4C58-97AE-75535072535F}"/>
+          </ac:spMkLst>
+        </pc:spChg>
+        <pc:spChg chg="add del">
+          <ac:chgData name="子堯 林" userId="e016bb37-1c06-4e3b-830b-ac9b1feb09b3" providerId="ADAL" clId="{EF0640D9-2E2E-4987-8E32-D77700C7C8B4}" dt="2020-11-15T13:17:16.963" v="202"/>
+          <ac:spMkLst>
+            <pc:docMk/>
+            <pc:sldMk cId="3195845532" sldId="257"/>
+            <ac:spMk id="54" creationId="{6EF708C3-8E2A-4128-9709-349A172BDE5F}"/>
+          </ac:spMkLst>
+        </pc:spChg>
+        <pc:spChg chg="add del">
+          <ac:chgData name="子堯 林" userId="e016bb37-1c06-4e3b-830b-ac9b1feb09b3" providerId="ADAL" clId="{EF0640D9-2E2E-4987-8E32-D77700C7C8B4}" dt="2020-11-15T13:17:16.963" v="202"/>
+          <ac:spMkLst>
+            <pc:docMk/>
+            <pc:sldMk cId="3195845532" sldId="257"/>
+            <ac:spMk id="55" creationId="{FB289E14-26C3-4AF8-B770-85E27F4A9CB4}"/>
+          </ac:spMkLst>
+        </pc:spChg>
+        <pc:spChg chg="add del">
+          <ac:chgData name="子堯 林" userId="e016bb37-1c06-4e3b-830b-ac9b1feb09b3" providerId="ADAL" clId="{EF0640D9-2E2E-4987-8E32-D77700C7C8B4}" dt="2020-11-15T13:17:16.963" v="202"/>
+          <ac:spMkLst>
+            <pc:docMk/>
+            <pc:sldMk cId="3195845532" sldId="257"/>
+            <ac:spMk id="56" creationId="{279660D2-B9C8-4D08-93F0-FE72EB7134B7}"/>
+          </ac:spMkLst>
+        </pc:spChg>
+        <pc:spChg chg="add del">
+          <ac:chgData name="子堯 林" userId="e016bb37-1c06-4e3b-830b-ac9b1feb09b3" providerId="ADAL" clId="{EF0640D9-2E2E-4987-8E32-D77700C7C8B4}" dt="2020-11-15T13:17:16.963" v="202"/>
+          <ac:spMkLst>
+            <pc:docMk/>
+            <pc:sldMk cId="3195845532" sldId="257"/>
+            <ac:spMk id="62" creationId="{3C417269-91A0-4FF5-904F-DAC63334C966}"/>
+          </ac:spMkLst>
+        </pc:spChg>
+        <pc:spChg chg="add del">
+          <ac:chgData name="子堯 林" userId="e016bb37-1c06-4e3b-830b-ac9b1feb09b3" providerId="ADAL" clId="{EF0640D9-2E2E-4987-8E32-D77700C7C8B4}" dt="2020-11-15T13:17:16.963" v="202"/>
+          <ac:spMkLst>
+            <pc:docMk/>
+            <pc:sldMk cId="3195845532" sldId="257"/>
+            <ac:spMk id="63" creationId="{C691AF93-C711-44B6-8C35-42293E14A6AC}"/>
+          </ac:spMkLst>
+        </pc:spChg>
+        <pc:spChg chg="add del">
+          <ac:chgData name="子堯 林" userId="e016bb37-1c06-4e3b-830b-ac9b1feb09b3" providerId="ADAL" clId="{EF0640D9-2E2E-4987-8E32-D77700C7C8B4}" dt="2020-11-15T13:17:16.963" v="202"/>
+          <ac:spMkLst>
+            <pc:docMk/>
+            <pc:sldMk cId="3195845532" sldId="257"/>
+            <ac:spMk id="64" creationId="{CCD4D20A-F480-47A0-9071-689129D946E2}"/>
+          </ac:spMkLst>
+        </pc:spChg>
+        <pc:spChg chg="add del">
+          <ac:chgData name="子堯 林" userId="e016bb37-1c06-4e3b-830b-ac9b1feb09b3" providerId="ADAL" clId="{EF0640D9-2E2E-4987-8E32-D77700C7C8B4}" dt="2020-11-15T13:17:16.963" v="202"/>
+          <ac:spMkLst>
+            <pc:docMk/>
+            <pc:sldMk cId="3195845532" sldId="257"/>
+            <ac:spMk id="65" creationId="{8C5CABDE-C719-4B3C-95BD-61FDA86F7A95}"/>
+          </ac:spMkLst>
+        </pc:spChg>
+        <pc:spChg chg="add del">
+          <ac:chgData name="子堯 林" userId="e016bb37-1c06-4e3b-830b-ac9b1feb09b3" providerId="ADAL" clId="{EF0640D9-2E2E-4987-8E32-D77700C7C8B4}" dt="2020-11-15T13:17:16.963" v="202"/>
+          <ac:spMkLst>
+            <pc:docMk/>
+            <pc:sldMk cId="3195845532" sldId="257"/>
+            <ac:spMk id="77" creationId="{E4CACDFE-2329-4BB4-B22D-72AC32B9014A}"/>
+          </ac:spMkLst>
+        </pc:spChg>
+        <pc:spChg chg="add del">
+          <ac:chgData name="子堯 林" userId="e016bb37-1c06-4e3b-830b-ac9b1feb09b3" providerId="ADAL" clId="{EF0640D9-2E2E-4987-8E32-D77700C7C8B4}" dt="2020-11-15T13:17:16.963" v="202"/>
+          <ac:spMkLst>
+            <pc:docMk/>
+            <pc:sldMk cId="3195845532" sldId="257"/>
+            <ac:spMk id="78" creationId="{059B0D74-39CE-4EC8-B903-3B42CAF724F9}"/>
+          </ac:spMkLst>
+        </pc:spChg>
+        <pc:spChg chg="add del">
+          <ac:chgData name="子堯 林" userId="e016bb37-1c06-4e3b-830b-ac9b1feb09b3" providerId="ADAL" clId="{EF0640D9-2E2E-4987-8E32-D77700C7C8B4}" dt="2020-11-15T13:17:16.963" v="202"/>
+          <ac:spMkLst>
+            <pc:docMk/>
+            <pc:sldMk cId="3195845532" sldId="257"/>
+            <ac:spMk id="79" creationId="{084FF86F-6A15-415F-B656-99146CD0926D}"/>
+          </ac:spMkLst>
+        </pc:spChg>
+        <pc:spChg chg="add del">
+          <ac:chgData name="子堯 林" userId="e016bb37-1c06-4e3b-830b-ac9b1feb09b3" providerId="ADAL" clId="{EF0640D9-2E2E-4987-8E32-D77700C7C8B4}" dt="2020-11-15T13:17:16.963" v="202"/>
+          <ac:spMkLst>
+            <pc:docMk/>
+            <pc:sldMk cId="3195845532" sldId="257"/>
+            <ac:spMk id="80" creationId="{0CCB7C54-A2D4-4608-9EF7-3862CA51ECC5}"/>
+          </ac:spMkLst>
+        </pc:spChg>
+        <pc:spChg chg="add del">
+          <ac:chgData name="子堯 林" userId="e016bb37-1c06-4e3b-830b-ac9b1feb09b3" providerId="ADAL" clId="{EF0640D9-2E2E-4987-8E32-D77700C7C8B4}" dt="2020-11-15T13:17:16.963" v="202"/>
+          <ac:spMkLst>
+            <pc:docMk/>
+            <pc:sldMk cId="3195845532" sldId="257"/>
+            <ac:spMk id="81" creationId="{93CFA538-CEAB-43CD-861B-7A8C83B4C28B}"/>
+          </ac:spMkLst>
+        </pc:spChg>
+        <pc:spChg chg="add del">
+          <ac:chgData name="子堯 林" userId="e016bb37-1c06-4e3b-830b-ac9b1feb09b3" providerId="ADAL" clId="{EF0640D9-2E2E-4987-8E32-D77700C7C8B4}" dt="2020-11-15T13:17:16.963" v="202"/>
+          <ac:spMkLst>
+            <pc:docMk/>
+            <pc:sldMk cId="3195845532" sldId="257"/>
+            <ac:spMk id="82" creationId="{20D46D28-48AD-431F-BB05-DC2746761A37}"/>
+          </ac:spMkLst>
+        </pc:spChg>
+        <pc:spChg chg="add del">
+          <ac:chgData name="子堯 林" userId="e016bb37-1c06-4e3b-830b-ac9b1feb09b3" providerId="ADAL" clId="{EF0640D9-2E2E-4987-8E32-D77700C7C8B4}" dt="2020-11-15T13:17:16.963" v="202"/>
+          <ac:spMkLst>
+            <pc:docMk/>
+            <pc:sldMk cId="3195845532" sldId="257"/>
+            <ac:spMk id="83" creationId="{9FD244A1-4E22-4D24-A7F5-27D1BE52815A}"/>
+          </ac:spMkLst>
+        </pc:spChg>
+        <pc:spChg chg="add del">
+          <ac:chgData name="子堯 林" userId="e016bb37-1c06-4e3b-830b-ac9b1feb09b3" providerId="ADAL" clId="{EF0640D9-2E2E-4987-8E32-D77700C7C8B4}" dt="2020-11-15T13:17:16.963" v="202"/>
+          <ac:spMkLst>
+            <pc:docMk/>
+            <pc:sldMk cId="3195845532" sldId="257"/>
+            <ac:spMk id="85" creationId="{2D954294-9A28-4394-8B2B-2C55C5F7343F}"/>
+          </ac:spMkLst>
+        </pc:spChg>
+        <pc:spChg chg="add del">
+          <ac:chgData name="子堯 林" userId="e016bb37-1c06-4e3b-830b-ac9b1feb09b3" providerId="ADAL" clId="{EF0640D9-2E2E-4987-8E32-D77700C7C8B4}" dt="2020-11-15T13:17:16.963" v="202"/>
+          <ac:spMkLst>
+            <pc:docMk/>
+            <pc:sldMk cId="3195845532" sldId="257"/>
+            <ac:spMk id="86" creationId="{8513D9AC-803C-4658-959F-865C91A48E5D}"/>
+          </ac:spMkLst>
+        </pc:spChg>
+        <pc:spChg chg="add del">
+          <ac:chgData name="子堯 林" userId="e016bb37-1c06-4e3b-830b-ac9b1feb09b3" providerId="ADAL" clId="{EF0640D9-2E2E-4987-8E32-D77700C7C8B4}" dt="2020-11-15T13:17:16.963" v="202"/>
+          <ac:spMkLst>
+            <pc:docMk/>
+            <pc:sldMk cId="3195845532" sldId="257"/>
+            <ac:spMk id="87" creationId="{DDD5BA9A-1DFB-4C6B-A71B-B5583F0A8FC0}"/>
+          </ac:spMkLst>
+        </pc:spChg>
+        <pc:spChg chg="add del">
+          <ac:chgData name="子堯 林" userId="e016bb37-1c06-4e3b-830b-ac9b1feb09b3" providerId="ADAL" clId="{EF0640D9-2E2E-4987-8E32-D77700C7C8B4}" dt="2020-11-15T13:17:16.963" v="202"/>
+          <ac:spMkLst>
+            <pc:docMk/>
+            <pc:sldMk cId="3195845532" sldId="257"/>
+            <ac:spMk id="88" creationId="{5C689769-719A-4F02-B1AF-39415D3049EC}"/>
+          </ac:spMkLst>
+        </pc:spChg>
+        <pc:spChg chg="add del">
+          <ac:chgData name="子堯 林" userId="e016bb37-1c06-4e3b-830b-ac9b1feb09b3" providerId="ADAL" clId="{EF0640D9-2E2E-4987-8E32-D77700C7C8B4}" dt="2020-11-15T13:17:16.963" v="202"/>
+          <ac:spMkLst>
+            <pc:docMk/>
+            <pc:sldMk cId="3195845532" sldId="257"/>
+            <ac:spMk id="89" creationId="{3E4BF2CC-D588-4A37-A0EF-79ABFADDEEA8}"/>
+          </ac:spMkLst>
+        </pc:spChg>
+        <pc:spChg chg="add del">
+          <ac:chgData name="子堯 林" userId="e016bb37-1c06-4e3b-830b-ac9b1feb09b3" providerId="ADAL" clId="{EF0640D9-2E2E-4987-8E32-D77700C7C8B4}" dt="2020-11-15T13:17:16.963" v="202"/>
+          <ac:spMkLst>
+            <pc:docMk/>
+            <pc:sldMk cId="3195845532" sldId="257"/>
+            <ac:spMk id="90" creationId="{42168AC4-338A-40A1-9AEB-F915CA1A8B9A}"/>
+          </ac:spMkLst>
+        </pc:spChg>
+        <pc:spChg chg="add del">
+          <ac:chgData name="子堯 林" userId="e016bb37-1c06-4e3b-830b-ac9b1feb09b3" providerId="ADAL" clId="{EF0640D9-2E2E-4987-8E32-D77700C7C8B4}" dt="2020-11-15T13:17:16.963" v="202"/>
+          <ac:spMkLst>
+            <pc:docMk/>
+            <pc:sldMk cId="3195845532" sldId="257"/>
+            <ac:spMk id="91" creationId="{457A0EB6-5AF4-4E1B-AB08-994618F4C52E}"/>
+          </ac:spMkLst>
+        </pc:spChg>
+        <pc:spChg chg="add del">
+          <ac:chgData name="子堯 林" userId="e016bb37-1c06-4e3b-830b-ac9b1feb09b3" providerId="ADAL" clId="{EF0640D9-2E2E-4987-8E32-D77700C7C8B4}" dt="2020-11-15T13:25:54.816" v="246"/>
+          <ac:spMkLst>
+            <pc:docMk/>
+            <pc:sldMk cId="3195845532" sldId="257"/>
+            <ac:spMk id="93" creationId="{CF888FD3-B403-406F-BED9-B19AE56FC4EA}"/>
+          </ac:spMkLst>
+        </pc:spChg>
+        <pc:spChg chg="add del">
+          <ac:chgData name="子堯 林" userId="e016bb37-1c06-4e3b-830b-ac9b1feb09b3" providerId="ADAL" clId="{EF0640D9-2E2E-4987-8E32-D77700C7C8B4}" dt="2020-11-15T13:25:54.816" v="246"/>
+          <ac:spMkLst>
+            <pc:docMk/>
+            <pc:sldMk cId="3195845532" sldId="257"/>
+            <ac:spMk id="94" creationId="{82D888AD-6259-477D-AE46-8421FD570975}"/>
+          </ac:spMkLst>
+        </pc:spChg>
+        <pc:spChg chg="add del">
+          <ac:chgData name="子堯 林" userId="e016bb37-1c06-4e3b-830b-ac9b1feb09b3" providerId="ADAL" clId="{EF0640D9-2E2E-4987-8E32-D77700C7C8B4}" dt="2020-11-15T13:25:54.816" v="246"/>
+          <ac:spMkLst>
+            <pc:docMk/>
+            <pc:sldMk cId="3195845532" sldId="257"/>
+            <ac:spMk id="95" creationId="{C84C3204-724F-4197-B48B-C2DCC4772A63}"/>
+          </ac:spMkLst>
+        </pc:spChg>
+        <pc:spChg chg="add del">
+          <ac:chgData name="子堯 林" userId="e016bb37-1c06-4e3b-830b-ac9b1feb09b3" providerId="ADAL" clId="{EF0640D9-2E2E-4987-8E32-D77700C7C8B4}" dt="2020-11-15T13:25:54.816" v="246"/>
+          <ac:spMkLst>
+            <pc:docMk/>
+            <pc:sldMk cId="3195845532" sldId="257"/>
+            <ac:spMk id="96" creationId="{38F3589E-BFFA-498B-BDFB-2A98C71AA074}"/>
+          </ac:spMkLst>
+        </pc:spChg>
+        <pc:spChg chg="add del">
+          <ac:chgData name="子堯 林" userId="e016bb37-1c06-4e3b-830b-ac9b1feb09b3" providerId="ADAL" clId="{EF0640D9-2E2E-4987-8E32-D77700C7C8B4}" dt="2020-11-15T13:25:54.816" v="246"/>
+          <ac:spMkLst>
+            <pc:docMk/>
+            <pc:sldMk cId="3195845532" sldId="257"/>
+            <ac:spMk id="98" creationId="{B3CAAFC4-60A5-4A83-B590-3EFDE5F04089}"/>
+          </ac:spMkLst>
+        </pc:spChg>
+        <pc:spChg chg="add del">
+          <ac:chgData name="子堯 林" userId="e016bb37-1c06-4e3b-830b-ac9b1feb09b3" providerId="ADAL" clId="{EF0640D9-2E2E-4987-8E32-D77700C7C8B4}" dt="2020-11-15T13:25:54.816" v="246"/>
+          <ac:spMkLst>
+            <pc:docMk/>
+            <pc:sldMk cId="3195845532" sldId="257"/>
+            <ac:spMk id="99" creationId="{0DA31452-E720-40ED-96F8-173D593C52A3}"/>
+          </ac:spMkLst>
+        </pc:spChg>
+        <pc:spChg chg="add del">
+          <ac:chgData name="子堯 林" userId="e016bb37-1c06-4e3b-830b-ac9b1feb09b3" providerId="ADAL" clId="{EF0640D9-2E2E-4987-8E32-D77700C7C8B4}" dt="2020-11-15T13:25:54.816" v="246"/>
+          <ac:spMkLst>
+            <pc:docMk/>
+            <pc:sldMk cId="3195845532" sldId="257"/>
+            <ac:spMk id="100" creationId="{342AD914-8218-42CC-B9CF-EF04031C383A}"/>
+          </ac:spMkLst>
+        </pc:spChg>
+        <pc:spChg chg="add del">
+          <ac:chgData name="子堯 林" userId="e016bb37-1c06-4e3b-830b-ac9b1feb09b3" providerId="ADAL" clId="{EF0640D9-2E2E-4987-8E32-D77700C7C8B4}" dt="2020-11-15T13:25:54.816" v="246"/>
+          <ac:spMkLst>
+            <pc:docMk/>
+            <pc:sldMk cId="3195845532" sldId="257"/>
+            <ac:spMk id="101" creationId="{81BBBC04-1AD2-4238-A155-D388C453C3A4}"/>
+          </ac:spMkLst>
+        </pc:spChg>
+        <pc:spChg chg="add del">
+          <ac:chgData name="子堯 林" userId="e016bb37-1c06-4e3b-830b-ac9b1feb09b3" providerId="ADAL" clId="{EF0640D9-2E2E-4987-8E32-D77700C7C8B4}" dt="2020-11-15T13:25:54.816" v="246"/>
+          <ac:spMkLst>
+            <pc:docMk/>
+            <pc:sldMk cId="3195845532" sldId="257"/>
+            <ac:spMk id="107" creationId="{2E16F915-69E6-482D-9C94-4B4065505E33}"/>
+          </ac:spMkLst>
+        </pc:spChg>
+        <pc:spChg chg="add del">
+          <ac:chgData name="子堯 林" userId="e016bb37-1c06-4e3b-830b-ac9b1feb09b3" providerId="ADAL" clId="{EF0640D9-2E2E-4987-8E32-D77700C7C8B4}" dt="2020-11-15T13:25:54.816" v="246"/>
+          <ac:spMkLst>
+            <pc:docMk/>
+            <pc:sldMk cId="3195845532" sldId="257"/>
+            <ac:spMk id="108" creationId="{DE654A8C-BC1B-4A42-B0BB-F982056A4B65}"/>
+          </ac:spMkLst>
+        </pc:spChg>
+        <pc:spChg chg="add del">
+          <ac:chgData name="子堯 林" userId="e016bb37-1c06-4e3b-830b-ac9b1feb09b3" providerId="ADAL" clId="{EF0640D9-2E2E-4987-8E32-D77700C7C8B4}" dt="2020-11-15T13:25:54.816" v="246"/>
+          <ac:spMkLst>
+            <pc:docMk/>
+            <pc:sldMk cId="3195845532" sldId="257"/>
+            <ac:spMk id="109" creationId="{D810A177-9EDA-4FE2-8412-3A440012E118}"/>
+          </ac:spMkLst>
+        </pc:spChg>
+        <pc:spChg chg="add del">
+          <ac:chgData name="子堯 林" userId="e016bb37-1c06-4e3b-830b-ac9b1feb09b3" providerId="ADAL" clId="{EF0640D9-2E2E-4987-8E32-D77700C7C8B4}" dt="2020-11-15T13:25:54.816" v="246"/>
+          <ac:spMkLst>
+            <pc:docMk/>
+            <pc:sldMk cId="3195845532" sldId="257"/>
+            <ac:spMk id="110" creationId="{4E5E27ED-EC4B-49E9-B582-4C411426F75A}"/>
+          </ac:spMkLst>
+        </pc:spChg>
+        <pc:spChg chg="add del">
+          <ac:chgData name="子堯 林" userId="e016bb37-1c06-4e3b-830b-ac9b1feb09b3" providerId="ADAL" clId="{EF0640D9-2E2E-4987-8E32-D77700C7C8B4}" dt="2020-11-15T13:25:54.816" v="246"/>
+          <ac:spMkLst>
+            <pc:docMk/>
+            <pc:sldMk cId="3195845532" sldId="257"/>
+            <ac:spMk id="122" creationId="{C343EF02-C3E1-427D-8A5D-8D91F928B985}"/>
+          </ac:spMkLst>
+        </pc:spChg>
+        <pc:spChg chg="add del">
+          <ac:chgData name="子堯 林" userId="e016bb37-1c06-4e3b-830b-ac9b1feb09b3" providerId="ADAL" clId="{EF0640D9-2E2E-4987-8E32-D77700C7C8B4}" dt="2020-11-15T13:25:54.816" v="246"/>
+          <ac:spMkLst>
+            <pc:docMk/>
+            <pc:sldMk cId="3195845532" sldId="257"/>
+            <ac:spMk id="123" creationId="{D0F1FC16-47E9-4CCB-8A33-8F0849251257}"/>
+          </ac:spMkLst>
+        </pc:spChg>
+        <pc:spChg chg="add del">
+          <ac:chgData name="子堯 林" userId="e016bb37-1c06-4e3b-830b-ac9b1feb09b3" providerId="ADAL" clId="{EF0640D9-2E2E-4987-8E32-D77700C7C8B4}" dt="2020-11-15T13:25:54.816" v="246"/>
+          <ac:spMkLst>
+            <pc:docMk/>
+            <pc:sldMk cId="3195845532" sldId="257"/>
+            <ac:spMk id="124" creationId="{0852C13A-03D7-42B2-8174-DF4020D3EAC8}"/>
+          </ac:spMkLst>
+        </pc:spChg>
+        <pc:spChg chg="add del">
+          <ac:chgData name="子堯 林" userId="e016bb37-1c06-4e3b-830b-ac9b1feb09b3" providerId="ADAL" clId="{EF0640D9-2E2E-4987-8E32-D77700C7C8B4}" dt="2020-11-15T13:25:54.816" v="246"/>
+          <ac:spMkLst>
+            <pc:docMk/>
+            <pc:sldMk cId="3195845532" sldId="257"/>
+            <ac:spMk id="125" creationId="{B2004548-5E5A-4418-93A9-D068F48294DE}"/>
+          </ac:spMkLst>
+        </pc:spChg>
+        <pc:spChg chg="add del">
+          <ac:chgData name="子堯 林" userId="e016bb37-1c06-4e3b-830b-ac9b1feb09b3" providerId="ADAL" clId="{EF0640D9-2E2E-4987-8E32-D77700C7C8B4}" dt="2020-11-15T13:25:54.816" v="246"/>
+          <ac:spMkLst>
+            <pc:docMk/>
+            <pc:sldMk cId="3195845532" sldId="257"/>
+            <ac:spMk id="126" creationId="{5148B78C-C5E3-4A75-A4B0-A10B7A5DF3F7}"/>
+          </ac:spMkLst>
+        </pc:spChg>
+        <pc:spChg chg="add del">
+          <ac:chgData name="子堯 林" userId="e016bb37-1c06-4e3b-830b-ac9b1feb09b3" providerId="ADAL" clId="{EF0640D9-2E2E-4987-8E32-D77700C7C8B4}" dt="2020-11-15T13:25:54.816" v="246"/>
+          <ac:spMkLst>
+            <pc:docMk/>
+            <pc:sldMk cId="3195845532" sldId="257"/>
+            <ac:spMk id="127" creationId="{B962D6FA-93A1-4CDA-AE48-5F1CBCDBB02D}"/>
+          </ac:spMkLst>
+        </pc:spChg>
+        <pc:spChg chg="add del">
+          <ac:chgData name="子堯 林" userId="e016bb37-1c06-4e3b-830b-ac9b1feb09b3" providerId="ADAL" clId="{EF0640D9-2E2E-4987-8E32-D77700C7C8B4}" dt="2020-11-15T13:25:54.816" v="246"/>
+          <ac:spMkLst>
+            <pc:docMk/>
+            <pc:sldMk cId="3195845532" sldId="257"/>
+            <ac:spMk id="128" creationId="{44334C90-2B68-4F85-9894-A0285BD6DF79}"/>
+          </ac:spMkLst>
+        </pc:spChg>
+        <pc:spChg chg="add del">
+          <ac:chgData name="子堯 林" userId="e016bb37-1c06-4e3b-830b-ac9b1feb09b3" providerId="ADAL" clId="{EF0640D9-2E2E-4987-8E32-D77700C7C8B4}" dt="2020-11-15T13:25:54.816" v="246"/>
+          <ac:spMkLst>
+            <pc:docMk/>
+            <pc:sldMk cId="3195845532" sldId="257"/>
+            <ac:spMk id="130" creationId="{C24680FB-F91C-43F8-9C87-19BEFD56DAAE}"/>
+          </ac:spMkLst>
+        </pc:spChg>
+        <pc:spChg chg="add del">
+          <ac:chgData name="子堯 林" userId="e016bb37-1c06-4e3b-830b-ac9b1feb09b3" providerId="ADAL" clId="{EF0640D9-2E2E-4987-8E32-D77700C7C8B4}" dt="2020-11-15T13:25:54.816" v="246"/>
+          <ac:spMkLst>
+            <pc:docMk/>
+            <pc:sldMk cId="3195845532" sldId="257"/>
+            <ac:spMk id="131" creationId="{1DE5A75A-C9DB-447E-B89F-0BC192281590}"/>
+          </ac:spMkLst>
+        </pc:spChg>
+        <pc:spChg chg="add del">
+          <ac:chgData name="子堯 林" userId="e016bb37-1c06-4e3b-830b-ac9b1feb09b3" providerId="ADAL" clId="{EF0640D9-2E2E-4987-8E32-D77700C7C8B4}" dt="2020-11-15T13:25:54.816" v="246"/>
+          <ac:spMkLst>
+            <pc:docMk/>
+            <pc:sldMk cId="3195845532" sldId="257"/>
+            <ac:spMk id="132" creationId="{DA81ECFB-DDE8-4D0F-A08F-CAF6D6E0B30F}"/>
+          </ac:spMkLst>
+        </pc:spChg>
+        <pc:spChg chg="add del">
+          <ac:chgData name="子堯 林" userId="e016bb37-1c06-4e3b-830b-ac9b1feb09b3" providerId="ADAL" clId="{EF0640D9-2E2E-4987-8E32-D77700C7C8B4}" dt="2020-11-15T13:25:54.816" v="246"/>
+          <ac:spMkLst>
+            <pc:docMk/>
+            <pc:sldMk cId="3195845532" sldId="257"/>
+            <ac:spMk id="133" creationId="{A375AEB8-DD67-452B-A8E4-A7DA76C632CD}"/>
+          </ac:spMkLst>
+        </pc:spChg>
+        <pc:spChg chg="add del">
+          <ac:chgData name="子堯 林" userId="e016bb37-1c06-4e3b-830b-ac9b1feb09b3" providerId="ADAL" clId="{EF0640D9-2E2E-4987-8E32-D77700C7C8B4}" dt="2020-11-15T13:25:54.816" v="246"/>
+          <ac:spMkLst>
+            <pc:docMk/>
+            <pc:sldMk cId="3195845532" sldId="257"/>
+            <ac:spMk id="134" creationId="{45E81619-1FD4-4D05-9F60-40C92C415810}"/>
+          </ac:spMkLst>
+        </pc:spChg>
+        <pc:spChg chg="add del">
+          <ac:chgData name="子堯 林" userId="e016bb37-1c06-4e3b-830b-ac9b1feb09b3" providerId="ADAL" clId="{EF0640D9-2E2E-4987-8E32-D77700C7C8B4}" dt="2020-11-15T13:25:54.816" v="246"/>
+          <ac:spMkLst>
+            <pc:docMk/>
+            <pc:sldMk cId="3195845532" sldId="257"/>
+            <ac:spMk id="135" creationId="{429DF03E-6791-42B6-9B4D-56C28F379887}"/>
+          </ac:spMkLst>
+        </pc:spChg>
+        <pc:spChg chg="add del">
+          <ac:chgData name="子堯 林" userId="e016bb37-1c06-4e3b-830b-ac9b1feb09b3" providerId="ADAL" clId="{EF0640D9-2E2E-4987-8E32-D77700C7C8B4}" dt="2020-11-15T13:25:54.816" v="246"/>
+          <ac:spMkLst>
+            <pc:docMk/>
+            <pc:sldMk cId="3195845532" sldId="257"/>
+            <ac:spMk id="136" creationId="{121C3995-501D-4A2D-BD39-9429FD438A68}"/>
           </ac:spMkLst>
         </pc:spChg>
         <pc:graphicFrameChg chg="add del">
@@ -464,8 +1137,40 @@
             <ac:graphicFrameMk id="24" creationId="{F21901C2-A1B8-415E-9D90-0817D587C41E}"/>
           </ac:graphicFrameMkLst>
         </pc:graphicFrameChg>
-        <pc:picChg chg="add mod modCrop">
-          <ac:chgData name="子堯 林" userId="e016bb37-1c06-4e3b-830b-ac9b1feb09b3" providerId="ADAL" clId="{EF0640D9-2E2E-4987-8E32-D77700C7C8B4}" dt="2020-11-14T07:00:10.511" v="185" actId="732"/>
+        <pc:graphicFrameChg chg="add del">
+          <ac:chgData name="子堯 林" userId="e016bb37-1c06-4e3b-830b-ac9b1feb09b3" providerId="ADAL" clId="{EF0640D9-2E2E-4987-8E32-D77700C7C8B4}" dt="2020-11-15T13:17:12.556" v="198" actId="478"/>
+          <ac:graphicFrameMkLst>
+            <pc:docMk/>
+            <pc:sldMk cId="3195845532" sldId="257"/>
+            <ac:graphicFrameMk id="24" creationId="{F83509C2-039D-4E91-B610-78C823B548B1}"/>
+          </ac:graphicFrameMkLst>
+        </pc:graphicFrameChg>
+        <pc:graphicFrameChg chg="add del">
+          <ac:chgData name="子堯 林" userId="e016bb37-1c06-4e3b-830b-ac9b1feb09b3" providerId="ADAL" clId="{EF0640D9-2E2E-4987-8E32-D77700C7C8B4}" dt="2020-11-15T13:17:16.963" v="202"/>
+          <ac:graphicFrameMkLst>
+            <pc:docMk/>
+            <pc:sldMk cId="3195845532" sldId="257"/>
+            <ac:graphicFrameMk id="68" creationId="{8B1ECA51-FC0E-493F-AD5B-902CA64F8F76}"/>
+          </ac:graphicFrameMkLst>
+        </pc:graphicFrameChg>
+        <pc:graphicFrameChg chg="add del">
+          <ac:chgData name="子堯 林" userId="e016bb37-1c06-4e3b-830b-ac9b1feb09b3" providerId="ADAL" clId="{EF0640D9-2E2E-4987-8E32-D77700C7C8B4}" dt="2020-11-15T13:25:54.816" v="246"/>
+          <ac:graphicFrameMkLst>
+            <pc:docMk/>
+            <pc:sldMk cId="3195845532" sldId="257"/>
+            <ac:graphicFrameMk id="113" creationId="{BCF3E48B-369D-4759-A116-069A148CD14B}"/>
+          </ac:graphicFrameMkLst>
+        </pc:graphicFrameChg>
+        <pc:picChg chg="add del">
+          <ac:chgData name="子堯 林" userId="e016bb37-1c06-4e3b-830b-ac9b1feb09b3" providerId="ADAL" clId="{EF0640D9-2E2E-4987-8E32-D77700C7C8B4}" dt="2020-11-15T13:17:07.382" v="197"/>
+          <ac:picMkLst>
+            <pc:docMk/>
+            <pc:sldMk cId="3195845532" sldId="257"/>
+            <ac:picMk id="2" creationId="{B6A3B085-5193-41ED-B41A-B9F71FFB0127}"/>
+          </ac:picMkLst>
+        </pc:picChg>
+        <pc:picChg chg="add del mod modCrop">
+          <ac:chgData name="子堯 林" userId="e016bb37-1c06-4e3b-830b-ac9b1feb09b3" providerId="ADAL" clId="{EF0640D9-2E2E-4987-8E32-D77700C7C8B4}" dt="2020-11-15T13:16:59.339" v="194" actId="478"/>
           <ac:picMkLst>
             <pc:docMk/>
             <pc:sldMk cId="3195845532" sldId="257"/>
@@ -480,6 +1185,30 @@
             <ac:picMk id="90" creationId="{5778893E-367C-4C72-B156-096CC7BFBB07}"/>
           </ac:picMkLst>
         </pc:picChg>
+        <pc:picChg chg="add del mod modCrop">
+          <ac:chgData name="子堯 林" userId="e016bb37-1c06-4e3b-830b-ac9b1feb09b3" providerId="ADAL" clId="{EF0640D9-2E2E-4987-8E32-D77700C7C8B4}" dt="2020-11-15T13:25:52.669" v="244" actId="478"/>
+          <ac:picMkLst>
+            <pc:docMk/>
+            <pc:sldMk cId="3195845532" sldId="257"/>
+            <ac:picMk id="92" creationId="{B006E777-579C-404A-A5C4-20F234CF2DC8}"/>
+          </ac:picMkLst>
+        </pc:picChg>
+        <pc:picChg chg="add mod modCrop">
+          <ac:chgData name="子堯 林" userId="e016bb37-1c06-4e3b-830b-ac9b1feb09b3" providerId="ADAL" clId="{EF0640D9-2E2E-4987-8E32-D77700C7C8B4}" dt="2020-11-15T13:26:20.926" v="253" actId="732"/>
+          <ac:picMkLst>
+            <pc:docMk/>
+            <pc:sldMk cId="3195845532" sldId="257"/>
+            <ac:picMk id="137" creationId="{DC878D2B-5DC4-42BC-976E-9BC2C11CB6A6}"/>
+          </ac:picMkLst>
+        </pc:picChg>
+        <pc:cxnChg chg="add del">
+          <ac:chgData name="子堯 林" userId="e016bb37-1c06-4e3b-830b-ac9b1feb09b3" providerId="ADAL" clId="{EF0640D9-2E2E-4987-8E32-D77700C7C8B4}" dt="2020-11-15T13:17:12.556" v="198" actId="478"/>
+          <ac:cxnSpMkLst>
+            <pc:docMk/>
+            <pc:sldMk cId="3195845532" sldId="257"/>
+            <ac:cxnSpMk id="8" creationId="{1380E1DF-561E-4EBC-AF3B-08D6F541D057}"/>
+          </ac:cxnSpMkLst>
+        </pc:cxnChg>
         <pc:cxnChg chg="add del">
           <ac:chgData name="子堯 林" userId="e016bb37-1c06-4e3b-830b-ac9b1feb09b3" providerId="ADAL" clId="{EF0640D9-2E2E-4987-8E32-D77700C7C8B4}" dt="2020-11-14T06:59:57.708" v="183"/>
           <ac:cxnSpMkLst>
@@ -497,11 +1226,19 @@
           </ac:cxnSpMkLst>
         </pc:cxnChg>
         <pc:cxnChg chg="add del">
-          <ac:chgData name="子堯 林" userId="e016bb37-1c06-4e3b-830b-ac9b1feb09b3" providerId="ADAL" clId="{EF0640D9-2E2E-4987-8E32-D77700C7C8B4}" dt="2020-11-14T06:59:57.708" v="183"/>
+          <ac:chgData name="子堯 林" userId="e016bb37-1c06-4e3b-830b-ac9b1feb09b3" providerId="ADAL" clId="{EF0640D9-2E2E-4987-8E32-D77700C7C8B4}" dt="2020-11-15T13:17:12.556" v="198" actId="478"/>
           <ac:cxnSpMkLst>
             <pc:docMk/>
             <pc:sldMk cId="3195845532" sldId="257"/>
-            <ac:cxnSpMk id="14" creationId="{DAE71D6C-4A4E-4FC2-A25F-15305DC35574}"/>
+            <ac:cxnSpMk id="13" creationId="{B1F47293-A867-4795-BB75-424415F8C0C7}"/>
+          </ac:cxnSpMkLst>
+        </pc:cxnChg>
+        <pc:cxnChg chg="add del">
+          <ac:chgData name="子堯 林" userId="e016bb37-1c06-4e3b-830b-ac9b1feb09b3" providerId="ADAL" clId="{EF0640D9-2E2E-4987-8E32-D77700C7C8B4}" dt="2020-11-15T13:17:12.556" v="198" actId="478"/>
+          <ac:cxnSpMkLst>
+            <pc:docMk/>
+            <pc:sldMk cId="3195845532" sldId="257"/>
+            <ac:cxnSpMk id="14" creationId="{317BE7B8-9E86-4CDC-B24B-F87E906ACF72}"/>
           </ac:cxnSpMkLst>
         </pc:cxnChg>
         <pc:cxnChg chg="add del">
@@ -509,7 +1246,31 @@
           <ac:cxnSpMkLst>
             <pc:docMk/>
             <pc:sldMk cId="3195845532" sldId="257"/>
+            <ac:cxnSpMk id="14" creationId="{DAE71D6C-4A4E-4FC2-A25F-15305DC35574}"/>
+          </ac:cxnSpMkLst>
+        </pc:cxnChg>
+        <pc:cxnChg chg="add del">
+          <ac:chgData name="子堯 林" userId="e016bb37-1c06-4e3b-830b-ac9b1feb09b3" providerId="ADAL" clId="{EF0640D9-2E2E-4987-8E32-D77700C7C8B4}" dt="2020-11-15T13:17:12.556" v="198" actId="478"/>
+          <ac:cxnSpMkLst>
+            <pc:docMk/>
+            <pc:sldMk cId="3195845532" sldId="257"/>
+            <ac:cxnSpMk id="15" creationId="{75166CB2-34E1-4FBF-83D4-4141EC4B457F}"/>
+          </ac:cxnSpMkLst>
+        </pc:cxnChg>
+        <pc:cxnChg chg="add del">
+          <ac:chgData name="子堯 林" userId="e016bb37-1c06-4e3b-830b-ac9b1feb09b3" providerId="ADAL" clId="{EF0640D9-2E2E-4987-8E32-D77700C7C8B4}" dt="2020-11-14T06:59:57.708" v="183"/>
+          <ac:cxnSpMkLst>
+            <pc:docMk/>
+            <pc:sldMk cId="3195845532" sldId="257"/>
             <ac:cxnSpMk id="15" creationId="{D24E197B-5661-4D3D-93C9-12EA48FA116C}"/>
+          </ac:cxnSpMkLst>
+        </pc:cxnChg>
+        <pc:cxnChg chg="add del">
+          <ac:chgData name="子堯 林" userId="e016bb37-1c06-4e3b-830b-ac9b1feb09b3" providerId="ADAL" clId="{EF0640D9-2E2E-4987-8E32-D77700C7C8B4}" dt="2020-11-15T13:17:12.556" v="198" actId="478"/>
+          <ac:cxnSpMkLst>
+            <pc:docMk/>
+            <pc:sldMk cId="3195845532" sldId="257"/>
+            <ac:cxnSpMk id="16" creationId="{4D24FD2E-EB3C-4FB5-A67D-ECA3EB241466}"/>
           </ac:cxnSpMkLst>
         </pc:cxnChg>
         <pc:cxnChg chg="add del">
@@ -529,11 +1290,35 @@
           </ac:cxnSpMkLst>
         </pc:cxnChg>
         <pc:cxnChg chg="add del">
+          <ac:chgData name="子堯 林" userId="e016bb37-1c06-4e3b-830b-ac9b1feb09b3" providerId="ADAL" clId="{EF0640D9-2E2E-4987-8E32-D77700C7C8B4}" dt="2020-11-15T13:17:12.556" v="198" actId="478"/>
+          <ac:cxnSpMkLst>
+            <pc:docMk/>
+            <pc:sldMk cId="3195845532" sldId="257"/>
+            <ac:cxnSpMk id="17" creationId="{D151DF87-F628-4530-93C9-446A9C2F4B01}"/>
+          </ac:cxnSpMkLst>
+        </pc:cxnChg>
+        <pc:cxnChg chg="add del">
           <ac:chgData name="子堯 林" userId="e016bb37-1c06-4e3b-830b-ac9b1feb09b3" providerId="ADAL" clId="{EF0640D9-2E2E-4987-8E32-D77700C7C8B4}" dt="2020-11-14T06:59:57.708" v="183"/>
           <ac:cxnSpMkLst>
             <pc:docMk/>
             <pc:sldMk cId="3195845532" sldId="257"/>
             <ac:cxnSpMk id="22" creationId="{014EEA63-193A-488C-A6D3-DBDD0A23D242}"/>
+          </ac:cxnSpMkLst>
+        </pc:cxnChg>
+        <pc:cxnChg chg="add del">
+          <ac:chgData name="子堯 林" userId="e016bb37-1c06-4e3b-830b-ac9b1feb09b3" providerId="ADAL" clId="{EF0640D9-2E2E-4987-8E32-D77700C7C8B4}" dt="2020-11-15T13:17:12.556" v="198" actId="478"/>
+          <ac:cxnSpMkLst>
+            <pc:docMk/>
+            <pc:sldMk cId="3195845532" sldId="257"/>
+            <ac:cxnSpMk id="22" creationId="{4CEA72D7-68BA-44D7-8AA8-C74847126ABA}"/>
+          </ac:cxnSpMkLst>
+        </pc:cxnChg>
+        <pc:cxnChg chg="add del">
+          <ac:chgData name="子堯 林" userId="e016bb37-1c06-4e3b-830b-ac9b1feb09b3" providerId="ADAL" clId="{EF0640D9-2E2E-4987-8E32-D77700C7C8B4}" dt="2020-11-15T13:17:12.556" v="198" actId="478"/>
+          <ac:cxnSpMkLst>
+            <pc:docMk/>
+            <pc:sldMk cId="3195845532" sldId="257"/>
+            <ac:cxnSpMk id="23" creationId="{293C17FF-48C7-40D8-B866-B0209D75E348}"/>
           </ac:cxnSpMkLst>
         </pc:cxnChg>
         <pc:cxnChg chg="add del">
@@ -553,11 +1338,11 @@
           </ac:cxnSpMkLst>
         </pc:cxnChg>
         <pc:cxnChg chg="add del">
-          <ac:chgData name="子堯 林" userId="e016bb37-1c06-4e3b-830b-ac9b1feb09b3" providerId="ADAL" clId="{EF0640D9-2E2E-4987-8E32-D77700C7C8B4}" dt="2020-11-14T06:59:57.708" v="183"/>
+          <ac:chgData name="子堯 林" userId="e016bb37-1c06-4e3b-830b-ac9b1feb09b3" providerId="ADAL" clId="{EF0640D9-2E2E-4987-8E32-D77700C7C8B4}" dt="2020-11-15T13:17:12.556" v="198" actId="478"/>
           <ac:cxnSpMkLst>
             <pc:docMk/>
             <pc:sldMk cId="3195845532" sldId="257"/>
-            <ac:cxnSpMk id="26" creationId="{33F96397-D181-42F4-B393-9ABD4FBFC723}"/>
+            <ac:cxnSpMk id="25" creationId="{FF5C9F3E-C99D-4F72-B0A9-8EDAF0FFF4A0}"/>
           </ac:cxnSpMkLst>
         </pc:cxnChg>
         <pc:cxnChg chg="add del">
@@ -565,7 +1350,23 @@
           <ac:cxnSpMkLst>
             <pc:docMk/>
             <pc:sldMk cId="3195845532" sldId="257"/>
-            <ac:cxnSpMk id="27" creationId="{AEA392EC-CA3A-44DB-B18B-6A08CCD0B8F7}"/>
+            <ac:cxnSpMk id="26" creationId="{33F96397-D181-42F4-B393-9ABD4FBFC723}"/>
+          </ac:cxnSpMkLst>
+        </pc:cxnChg>
+        <pc:cxnChg chg="add del mod">
+          <ac:chgData name="子堯 林" userId="e016bb37-1c06-4e3b-830b-ac9b1feb09b3" providerId="ADAL" clId="{EF0640D9-2E2E-4987-8E32-D77700C7C8B4}" dt="2020-11-15T13:17:12.556" v="198" actId="478"/>
+          <ac:cxnSpMkLst>
+            <pc:docMk/>
+            <pc:sldMk cId="3195845532" sldId="257"/>
+            <ac:cxnSpMk id="26" creationId="{F5853E9E-0B31-4E68-83AE-9318E088920D}"/>
+          </ac:cxnSpMkLst>
+        </pc:cxnChg>
+        <pc:cxnChg chg="add del">
+          <ac:chgData name="子堯 林" userId="e016bb37-1c06-4e3b-830b-ac9b1feb09b3" providerId="ADAL" clId="{EF0640D9-2E2E-4987-8E32-D77700C7C8B4}" dt="2020-11-15T13:17:12.556" v="198" actId="478"/>
+          <ac:cxnSpMkLst>
+            <pc:docMk/>
+            <pc:sldMk cId="3195845532" sldId="257"/>
+            <ac:cxnSpMk id="27" creationId="{A2EBA6EC-822F-4450-ADCA-2CCE310AA260}"/>
           </ac:cxnSpMkLst>
         </pc:cxnChg>
         <pc:cxnChg chg="add del">
@@ -573,7 +1374,15 @@
           <ac:cxnSpMkLst>
             <pc:docMk/>
             <pc:sldMk cId="3195845532" sldId="257"/>
-            <ac:cxnSpMk id="28" creationId="{F5E2B03C-3109-4D91-B889-CEDA4931BA7A}"/>
+            <ac:cxnSpMk id="27" creationId="{AEA392EC-CA3A-44DB-B18B-6A08CCD0B8F7}"/>
+          </ac:cxnSpMkLst>
+        </pc:cxnChg>
+        <pc:cxnChg chg="add del">
+          <ac:chgData name="子堯 林" userId="e016bb37-1c06-4e3b-830b-ac9b1feb09b3" providerId="ADAL" clId="{EF0640D9-2E2E-4987-8E32-D77700C7C8B4}" dt="2020-11-15T13:17:12.556" v="198" actId="478"/>
+          <ac:cxnSpMkLst>
+            <pc:docMk/>
+            <pc:sldMk cId="3195845532" sldId="257"/>
+            <ac:cxnSpMk id="28" creationId="{A444D041-330C-464C-9E2C-A64D292495F7}"/>
           </ac:cxnSpMkLst>
         </pc:cxnChg>
         <pc:cxnChg chg="add del">
@@ -581,7 +1390,15 @@
           <ac:cxnSpMkLst>
             <pc:docMk/>
             <pc:sldMk cId="3195845532" sldId="257"/>
-            <ac:cxnSpMk id="29" creationId="{B5079390-7D0D-4759-A315-AF77919B3509}"/>
+            <ac:cxnSpMk id="28" creationId="{F5E2B03C-3109-4D91-B889-CEDA4931BA7A}"/>
+          </ac:cxnSpMkLst>
+        </pc:cxnChg>
+        <pc:cxnChg chg="add del">
+          <ac:chgData name="子堯 林" userId="e016bb37-1c06-4e3b-830b-ac9b1feb09b3" providerId="ADAL" clId="{EF0640D9-2E2E-4987-8E32-D77700C7C8B4}" dt="2020-11-15T13:17:12.556" v="198" actId="478"/>
+          <ac:cxnSpMkLst>
+            <pc:docMk/>
+            <pc:sldMk cId="3195845532" sldId="257"/>
+            <ac:cxnSpMk id="29" creationId="{8B8E25DA-994D-459E-8460-181D5EEC87A6}"/>
           </ac:cxnSpMkLst>
         </pc:cxnChg>
         <pc:cxnChg chg="add del">
@@ -589,7 +1406,31 @@
           <ac:cxnSpMkLst>
             <pc:docMk/>
             <pc:sldMk cId="3195845532" sldId="257"/>
+            <ac:cxnSpMk id="29" creationId="{B5079390-7D0D-4759-A315-AF77919B3509}"/>
+          </ac:cxnSpMkLst>
+        </pc:cxnChg>
+        <pc:cxnChg chg="add del">
+          <ac:chgData name="子堯 林" userId="e016bb37-1c06-4e3b-830b-ac9b1feb09b3" providerId="ADAL" clId="{EF0640D9-2E2E-4987-8E32-D77700C7C8B4}" dt="2020-11-15T13:17:12.556" v="198" actId="478"/>
+          <ac:cxnSpMkLst>
+            <pc:docMk/>
+            <pc:sldMk cId="3195845532" sldId="257"/>
+            <ac:cxnSpMk id="30" creationId="{397DB441-0FCC-4AC6-AB80-AA339A045AB1}"/>
+          </ac:cxnSpMkLst>
+        </pc:cxnChg>
+        <pc:cxnChg chg="add del">
+          <ac:chgData name="子堯 林" userId="e016bb37-1c06-4e3b-830b-ac9b1feb09b3" providerId="ADAL" clId="{EF0640D9-2E2E-4987-8E32-D77700C7C8B4}" dt="2020-11-14T06:59:57.708" v="183"/>
+          <ac:cxnSpMkLst>
+            <pc:docMk/>
+            <pc:sldMk cId="3195845532" sldId="257"/>
             <ac:cxnSpMk id="30" creationId="{CFEDF737-2329-4D22-B3E9-05846FA7EF02}"/>
+          </ac:cxnSpMkLst>
+        </pc:cxnChg>
+        <pc:cxnChg chg="add del">
+          <ac:chgData name="子堯 林" userId="e016bb37-1c06-4e3b-830b-ac9b1feb09b3" providerId="ADAL" clId="{EF0640D9-2E2E-4987-8E32-D77700C7C8B4}" dt="2020-11-15T13:17:12.556" v="198" actId="478"/>
+          <ac:cxnSpMkLst>
+            <pc:docMk/>
+            <pc:sldMk cId="3195845532" sldId="257"/>
+            <ac:cxnSpMk id="31" creationId="{618531FD-0105-4579-84DB-0D6B1429E6C6}"/>
           </ac:cxnSpMkLst>
         </pc:cxnChg>
         <pc:cxnChg chg="add del">
@@ -608,12 +1449,300 @@
             <ac:cxnSpMk id="32" creationId="{1DFE2A30-7803-47DA-85CA-F6BF596B92FA}"/>
           </ac:cxnSpMkLst>
         </pc:cxnChg>
+        <pc:cxnChg chg="add del mod">
+          <ac:chgData name="子堯 林" userId="e016bb37-1c06-4e3b-830b-ac9b1feb09b3" providerId="ADAL" clId="{EF0640D9-2E2E-4987-8E32-D77700C7C8B4}" dt="2020-11-15T13:17:12.556" v="198" actId="478"/>
+          <ac:cxnSpMkLst>
+            <pc:docMk/>
+            <pc:sldMk cId="3195845532" sldId="257"/>
+            <ac:cxnSpMk id="32" creationId="{BF212BBE-3715-4A08-9069-BA76947D4E37}"/>
+          </ac:cxnSpMkLst>
+        </pc:cxnChg>
+        <pc:cxnChg chg="add del">
+          <ac:chgData name="子堯 林" userId="e016bb37-1c06-4e3b-830b-ac9b1feb09b3" providerId="ADAL" clId="{EF0640D9-2E2E-4987-8E32-D77700C7C8B4}" dt="2020-11-15T13:17:12.556" v="198" actId="478"/>
+          <ac:cxnSpMkLst>
+            <pc:docMk/>
+            <pc:sldMk cId="3195845532" sldId="257"/>
+            <ac:cxnSpMk id="40" creationId="{91D7FE7F-6073-4D63-B890-3155C3B58C1C}"/>
+          </ac:cxnSpMkLst>
+        </pc:cxnChg>
         <pc:cxnChg chg="add del">
           <ac:chgData name="子堯 林" userId="e016bb37-1c06-4e3b-830b-ac9b1feb09b3" providerId="ADAL" clId="{EF0640D9-2E2E-4987-8E32-D77700C7C8B4}" dt="2020-11-14T06:59:57.708" v="183"/>
           <ac:cxnSpMkLst>
             <pc:docMk/>
             <pc:sldMk cId="3195845532" sldId="257"/>
             <ac:cxnSpMk id="40" creationId="{FBD8001E-1FA6-4BDF-976A-5B8418E7F703}"/>
+          </ac:cxnSpMkLst>
+        </pc:cxnChg>
+        <pc:cxnChg chg="add del">
+          <ac:chgData name="子堯 林" userId="e016bb37-1c06-4e3b-830b-ac9b1feb09b3" providerId="ADAL" clId="{EF0640D9-2E2E-4987-8E32-D77700C7C8B4}" dt="2020-11-15T13:17:16.963" v="202"/>
+          <ac:cxnSpMkLst>
+            <pc:docMk/>
+            <pc:sldMk cId="3195845532" sldId="257"/>
+            <ac:cxnSpMk id="52" creationId="{F2D2C41F-4A82-48EC-B4D3-3E9F3828E25F}"/>
+          </ac:cxnSpMkLst>
+        </pc:cxnChg>
+        <pc:cxnChg chg="add del">
+          <ac:chgData name="子堯 林" userId="e016bb37-1c06-4e3b-830b-ac9b1feb09b3" providerId="ADAL" clId="{EF0640D9-2E2E-4987-8E32-D77700C7C8B4}" dt="2020-11-15T13:17:16.963" v="202"/>
+          <ac:cxnSpMkLst>
+            <pc:docMk/>
+            <pc:sldMk cId="3195845532" sldId="257"/>
+            <ac:cxnSpMk id="57" creationId="{90F3ADF2-9146-4D1C-9B15-FE1465E7528B}"/>
+          </ac:cxnSpMkLst>
+        </pc:cxnChg>
+        <pc:cxnChg chg="add del">
+          <ac:chgData name="子堯 林" userId="e016bb37-1c06-4e3b-830b-ac9b1feb09b3" providerId="ADAL" clId="{EF0640D9-2E2E-4987-8E32-D77700C7C8B4}" dt="2020-11-15T13:17:16.963" v="202"/>
+          <ac:cxnSpMkLst>
+            <pc:docMk/>
+            <pc:sldMk cId="3195845532" sldId="257"/>
+            <ac:cxnSpMk id="58" creationId="{5357EB49-EAC3-4355-BA9B-EA6FD9126934}"/>
+          </ac:cxnSpMkLst>
+        </pc:cxnChg>
+        <pc:cxnChg chg="add del">
+          <ac:chgData name="子堯 林" userId="e016bb37-1c06-4e3b-830b-ac9b1feb09b3" providerId="ADAL" clId="{EF0640D9-2E2E-4987-8E32-D77700C7C8B4}" dt="2020-11-15T13:17:16.963" v="202"/>
+          <ac:cxnSpMkLst>
+            <pc:docMk/>
+            <pc:sldMk cId="3195845532" sldId="257"/>
+            <ac:cxnSpMk id="59" creationId="{B3F39D84-D303-40B7-B1A0-6D6B65F8E16F}"/>
+          </ac:cxnSpMkLst>
+        </pc:cxnChg>
+        <pc:cxnChg chg="add del">
+          <ac:chgData name="子堯 林" userId="e016bb37-1c06-4e3b-830b-ac9b1feb09b3" providerId="ADAL" clId="{EF0640D9-2E2E-4987-8E32-D77700C7C8B4}" dt="2020-11-15T13:17:16.963" v="202"/>
+          <ac:cxnSpMkLst>
+            <pc:docMk/>
+            <pc:sldMk cId="3195845532" sldId="257"/>
+            <ac:cxnSpMk id="60" creationId="{F3271DE5-DFCD-473C-BDC9-4378595A372E}"/>
+          </ac:cxnSpMkLst>
+        </pc:cxnChg>
+        <pc:cxnChg chg="add del">
+          <ac:chgData name="子堯 林" userId="e016bb37-1c06-4e3b-830b-ac9b1feb09b3" providerId="ADAL" clId="{EF0640D9-2E2E-4987-8E32-D77700C7C8B4}" dt="2020-11-15T13:17:16.963" v="202"/>
+          <ac:cxnSpMkLst>
+            <pc:docMk/>
+            <pc:sldMk cId="3195845532" sldId="257"/>
+            <ac:cxnSpMk id="61" creationId="{FB2AB3BC-B61A-45E9-8367-110580F581EF}"/>
+          </ac:cxnSpMkLst>
+        </pc:cxnChg>
+        <pc:cxnChg chg="add del">
+          <ac:chgData name="子堯 林" userId="e016bb37-1c06-4e3b-830b-ac9b1feb09b3" providerId="ADAL" clId="{EF0640D9-2E2E-4987-8E32-D77700C7C8B4}" dt="2020-11-15T13:17:16.963" v="202"/>
+          <ac:cxnSpMkLst>
+            <pc:docMk/>
+            <pc:sldMk cId="3195845532" sldId="257"/>
+            <ac:cxnSpMk id="66" creationId="{F60C781E-F04C-430E-81CA-3867AAA6B1BE}"/>
+          </ac:cxnSpMkLst>
+        </pc:cxnChg>
+        <pc:cxnChg chg="add del">
+          <ac:chgData name="子堯 林" userId="e016bb37-1c06-4e3b-830b-ac9b1feb09b3" providerId="ADAL" clId="{EF0640D9-2E2E-4987-8E32-D77700C7C8B4}" dt="2020-11-15T13:17:16.963" v="202"/>
+          <ac:cxnSpMkLst>
+            <pc:docMk/>
+            <pc:sldMk cId="3195845532" sldId="257"/>
+            <ac:cxnSpMk id="67" creationId="{03C429A5-B494-4C59-B262-2857CF4FCD6E}"/>
+          </ac:cxnSpMkLst>
+        </pc:cxnChg>
+        <pc:cxnChg chg="add del">
+          <ac:chgData name="子堯 林" userId="e016bb37-1c06-4e3b-830b-ac9b1feb09b3" providerId="ADAL" clId="{EF0640D9-2E2E-4987-8E32-D77700C7C8B4}" dt="2020-11-15T13:17:16.963" v="202"/>
+          <ac:cxnSpMkLst>
+            <pc:docMk/>
+            <pc:sldMk cId="3195845532" sldId="257"/>
+            <ac:cxnSpMk id="69" creationId="{8EDE40C1-3140-4E82-8FC3-5B437B72A723}"/>
+          </ac:cxnSpMkLst>
+        </pc:cxnChg>
+        <pc:cxnChg chg="add del">
+          <ac:chgData name="子堯 林" userId="e016bb37-1c06-4e3b-830b-ac9b1feb09b3" providerId="ADAL" clId="{EF0640D9-2E2E-4987-8E32-D77700C7C8B4}" dt="2020-11-15T13:17:16.963" v="202"/>
+          <ac:cxnSpMkLst>
+            <pc:docMk/>
+            <pc:sldMk cId="3195845532" sldId="257"/>
+            <ac:cxnSpMk id="70" creationId="{03113EA7-07B3-4926-AF23-82AB29F5C63F}"/>
+          </ac:cxnSpMkLst>
+        </pc:cxnChg>
+        <pc:cxnChg chg="add del">
+          <ac:chgData name="子堯 林" userId="e016bb37-1c06-4e3b-830b-ac9b1feb09b3" providerId="ADAL" clId="{EF0640D9-2E2E-4987-8E32-D77700C7C8B4}" dt="2020-11-15T13:17:16.963" v="202"/>
+          <ac:cxnSpMkLst>
+            <pc:docMk/>
+            <pc:sldMk cId="3195845532" sldId="257"/>
+            <ac:cxnSpMk id="71" creationId="{A658ED83-6701-44CA-9440-F03EAD095B5B}"/>
+          </ac:cxnSpMkLst>
+        </pc:cxnChg>
+        <pc:cxnChg chg="add del">
+          <ac:chgData name="子堯 林" userId="e016bb37-1c06-4e3b-830b-ac9b1feb09b3" providerId="ADAL" clId="{EF0640D9-2E2E-4987-8E32-D77700C7C8B4}" dt="2020-11-15T13:17:16.963" v="202"/>
+          <ac:cxnSpMkLst>
+            <pc:docMk/>
+            <pc:sldMk cId="3195845532" sldId="257"/>
+            <ac:cxnSpMk id="72" creationId="{805B34C7-F68E-4D51-BF92-A8038EDBF0DB}"/>
+          </ac:cxnSpMkLst>
+        </pc:cxnChg>
+        <pc:cxnChg chg="add del">
+          <ac:chgData name="子堯 林" userId="e016bb37-1c06-4e3b-830b-ac9b1feb09b3" providerId="ADAL" clId="{EF0640D9-2E2E-4987-8E32-D77700C7C8B4}" dt="2020-11-15T13:17:16.963" v="202"/>
+          <ac:cxnSpMkLst>
+            <pc:docMk/>
+            <pc:sldMk cId="3195845532" sldId="257"/>
+            <ac:cxnSpMk id="73" creationId="{1D4783F3-3ABF-48A3-8EC0-C73514216267}"/>
+          </ac:cxnSpMkLst>
+        </pc:cxnChg>
+        <pc:cxnChg chg="add del">
+          <ac:chgData name="子堯 林" userId="e016bb37-1c06-4e3b-830b-ac9b1feb09b3" providerId="ADAL" clId="{EF0640D9-2E2E-4987-8E32-D77700C7C8B4}" dt="2020-11-15T13:17:16.963" v="202"/>
+          <ac:cxnSpMkLst>
+            <pc:docMk/>
+            <pc:sldMk cId="3195845532" sldId="257"/>
+            <ac:cxnSpMk id="74" creationId="{C0A6BD3F-9240-4891-B1D4-E8EF8D1D6DAE}"/>
+          </ac:cxnSpMkLst>
+        </pc:cxnChg>
+        <pc:cxnChg chg="add del">
+          <ac:chgData name="子堯 林" userId="e016bb37-1c06-4e3b-830b-ac9b1feb09b3" providerId="ADAL" clId="{EF0640D9-2E2E-4987-8E32-D77700C7C8B4}" dt="2020-11-15T13:17:16.963" v="202"/>
+          <ac:cxnSpMkLst>
+            <pc:docMk/>
+            <pc:sldMk cId="3195845532" sldId="257"/>
+            <ac:cxnSpMk id="75" creationId="{BB6DFD02-17BD-4E78-9D58-E25561EDAC08}"/>
+          </ac:cxnSpMkLst>
+        </pc:cxnChg>
+        <pc:cxnChg chg="add del">
+          <ac:chgData name="子堯 林" userId="e016bb37-1c06-4e3b-830b-ac9b1feb09b3" providerId="ADAL" clId="{EF0640D9-2E2E-4987-8E32-D77700C7C8B4}" dt="2020-11-15T13:17:16.963" v="202"/>
+          <ac:cxnSpMkLst>
+            <pc:docMk/>
+            <pc:sldMk cId="3195845532" sldId="257"/>
+            <ac:cxnSpMk id="76" creationId="{ED04B3CF-50DB-46B6-819B-5DFC70A70F6F}"/>
+          </ac:cxnSpMkLst>
+        </pc:cxnChg>
+        <pc:cxnChg chg="add del">
+          <ac:chgData name="子堯 林" userId="e016bb37-1c06-4e3b-830b-ac9b1feb09b3" providerId="ADAL" clId="{EF0640D9-2E2E-4987-8E32-D77700C7C8B4}" dt="2020-11-15T13:17:16.963" v="202"/>
+          <ac:cxnSpMkLst>
+            <pc:docMk/>
+            <pc:sldMk cId="3195845532" sldId="257"/>
+            <ac:cxnSpMk id="84" creationId="{D13AC1B5-9FAB-463D-8E9C-B9116D48F531}"/>
+          </ac:cxnSpMkLst>
+        </pc:cxnChg>
+        <pc:cxnChg chg="add del">
+          <ac:chgData name="子堯 林" userId="e016bb37-1c06-4e3b-830b-ac9b1feb09b3" providerId="ADAL" clId="{EF0640D9-2E2E-4987-8E32-D77700C7C8B4}" dt="2020-11-15T13:25:54.816" v="246"/>
+          <ac:cxnSpMkLst>
+            <pc:docMk/>
+            <pc:sldMk cId="3195845532" sldId="257"/>
+            <ac:cxnSpMk id="97" creationId="{113D110A-65AC-4671-8CC6-9C4A1D9262F7}"/>
+          </ac:cxnSpMkLst>
+        </pc:cxnChg>
+        <pc:cxnChg chg="add del">
+          <ac:chgData name="子堯 林" userId="e016bb37-1c06-4e3b-830b-ac9b1feb09b3" providerId="ADAL" clId="{EF0640D9-2E2E-4987-8E32-D77700C7C8B4}" dt="2020-11-15T13:25:54.816" v="246"/>
+          <ac:cxnSpMkLst>
+            <pc:docMk/>
+            <pc:sldMk cId="3195845532" sldId="257"/>
+            <ac:cxnSpMk id="102" creationId="{CC3A3C8F-4521-4491-8E0D-6157C5F9EB9B}"/>
+          </ac:cxnSpMkLst>
+        </pc:cxnChg>
+        <pc:cxnChg chg="add del">
+          <ac:chgData name="子堯 林" userId="e016bb37-1c06-4e3b-830b-ac9b1feb09b3" providerId="ADAL" clId="{EF0640D9-2E2E-4987-8E32-D77700C7C8B4}" dt="2020-11-15T13:25:54.816" v="246"/>
+          <ac:cxnSpMkLst>
+            <pc:docMk/>
+            <pc:sldMk cId="3195845532" sldId="257"/>
+            <ac:cxnSpMk id="103" creationId="{92EE191B-34E0-45D4-861E-C4A23D0685D3}"/>
+          </ac:cxnSpMkLst>
+        </pc:cxnChg>
+        <pc:cxnChg chg="add del">
+          <ac:chgData name="子堯 林" userId="e016bb37-1c06-4e3b-830b-ac9b1feb09b3" providerId="ADAL" clId="{EF0640D9-2E2E-4987-8E32-D77700C7C8B4}" dt="2020-11-15T13:25:54.816" v="246"/>
+          <ac:cxnSpMkLst>
+            <pc:docMk/>
+            <pc:sldMk cId="3195845532" sldId="257"/>
+            <ac:cxnSpMk id="104" creationId="{8185AF56-907D-4686-95C7-F9BFCBED657F}"/>
+          </ac:cxnSpMkLst>
+        </pc:cxnChg>
+        <pc:cxnChg chg="add del">
+          <ac:chgData name="子堯 林" userId="e016bb37-1c06-4e3b-830b-ac9b1feb09b3" providerId="ADAL" clId="{EF0640D9-2E2E-4987-8E32-D77700C7C8B4}" dt="2020-11-15T13:25:54.816" v="246"/>
+          <ac:cxnSpMkLst>
+            <pc:docMk/>
+            <pc:sldMk cId="3195845532" sldId="257"/>
+            <ac:cxnSpMk id="105" creationId="{77AA34EC-5BFE-4013-822C-E0C743C5E6CE}"/>
+          </ac:cxnSpMkLst>
+        </pc:cxnChg>
+        <pc:cxnChg chg="add del">
+          <ac:chgData name="子堯 林" userId="e016bb37-1c06-4e3b-830b-ac9b1feb09b3" providerId="ADAL" clId="{EF0640D9-2E2E-4987-8E32-D77700C7C8B4}" dt="2020-11-15T13:25:54.816" v="246"/>
+          <ac:cxnSpMkLst>
+            <pc:docMk/>
+            <pc:sldMk cId="3195845532" sldId="257"/>
+            <ac:cxnSpMk id="106" creationId="{467E7004-89AE-4BCF-A8DB-4C909EA7C621}"/>
+          </ac:cxnSpMkLst>
+        </pc:cxnChg>
+        <pc:cxnChg chg="add del">
+          <ac:chgData name="子堯 林" userId="e016bb37-1c06-4e3b-830b-ac9b1feb09b3" providerId="ADAL" clId="{EF0640D9-2E2E-4987-8E32-D77700C7C8B4}" dt="2020-11-15T13:25:54.816" v="246"/>
+          <ac:cxnSpMkLst>
+            <pc:docMk/>
+            <pc:sldMk cId="3195845532" sldId="257"/>
+            <ac:cxnSpMk id="111" creationId="{0B5EAF20-BD00-4BB2-A138-90EEDB5EDDAC}"/>
+          </ac:cxnSpMkLst>
+        </pc:cxnChg>
+        <pc:cxnChg chg="add del">
+          <ac:chgData name="子堯 林" userId="e016bb37-1c06-4e3b-830b-ac9b1feb09b3" providerId="ADAL" clId="{EF0640D9-2E2E-4987-8E32-D77700C7C8B4}" dt="2020-11-15T13:25:54.816" v="246"/>
+          <ac:cxnSpMkLst>
+            <pc:docMk/>
+            <pc:sldMk cId="3195845532" sldId="257"/>
+            <ac:cxnSpMk id="112" creationId="{55930736-40C4-4212-8844-CC92B2C79A38}"/>
+          </ac:cxnSpMkLst>
+        </pc:cxnChg>
+        <pc:cxnChg chg="add del">
+          <ac:chgData name="子堯 林" userId="e016bb37-1c06-4e3b-830b-ac9b1feb09b3" providerId="ADAL" clId="{EF0640D9-2E2E-4987-8E32-D77700C7C8B4}" dt="2020-11-15T13:25:54.816" v="246"/>
+          <ac:cxnSpMkLst>
+            <pc:docMk/>
+            <pc:sldMk cId="3195845532" sldId="257"/>
+            <ac:cxnSpMk id="114" creationId="{86AE0739-67D4-405B-AB8A-9C5F15949767}"/>
+          </ac:cxnSpMkLst>
+        </pc:cxnChg>
+        <pc:cxnChg chg="add del">
+          <ac:chgData name="子堯 林" userId="e016bb37-1c06-4e3b-830b-ac9b1feb09b3" providerId="ADAL" clId="{EF0640D9-2E2E-4987-8E32-D77700C7C8B4}" dt="2020-11-15T13:25:54.816" v="246"/>
+          <ac:cxnSpMkLst>
+            <pc:docMk/>
+            <pc:sldMk cId="3195845532" sldId="257"/>
+            <ac:cxnSpMk id="115" creationId="{31BE96B9-B571-4D5A-B5D2-61D1719ABF06}"/>
+          </ac:cxnSpMkLst>
+        </pc:cxnChg>
+        <pc:cxnChg chg="add del">
+          <ac:chgData name="子堯 林" userId="e016bb37-1c06-4e3b-830b-ac9b1feb09b3" providerId="ADAL" clId="{EF0640D9-2E2E-4987-8E32-D77700C7C8B4}" dt="2020-11-15T13:25:54.816" v="246"/>
+          <ac:cxnSpMkLst>
+            <pc:docMk/>
+            <pc:sldMk cId="3195845532" sldId="257"/>
+            <ac:cxnSpMk id="116" creationId="{37D54245-D8CD-42A7-B2A8-F206D4ADFC31}"/>
+          </ac:cxnSpMkLst>
+        </pc:cxnChg>
+        <pc:cxnChg chg="add del">
+          <ac:chgData name="子堯 林" userId="e016bb37-1c06-4e3b-830b-ac9b1feb09b3" providerId="ADAL" clId="{EF0640D9-2E2E-4987-8E32-D77700C7C8B4}" dt="2020-11-15T13:25:54.816" v="246"/>
+          <ac:cxnSpMkLst>
+            <pc:docMk/>
+            <pc:sldMk cId="3195845532" sldId="257"/>
+            <ac:cxnSpMk id="117" creationId="{468E75B0-C0CE-4847-8A04-090C88E1D4F3}"/>
+          </ac:cxnSpMkLst>
+        </pc:cxnChg>
+        <pc:cxnChg chg="add del">
+          <ac:chgData name="子堯 林" userId="e016bb37-1c06-4e3b-830b-ac9b1feb09b3" providerId="ADAL" clId="{EF0640D9-2E2E-4987-8E32-D77700C7C8B4}" dt="2020-11-15T13:25:54.816" v="246"/>
+          <ac:cxnSpMkLst>
+            <pc:docMk/>
+            <pc:sldMk cId="3195845532" sldId="257"/>
+            <ac:cxnSpMk id="118" creationId="{7BA23E3D-965D-45BA-9C7A-559173F0900F}"/>
+          </ac:cxnSpMkLst>
+        </pc:cxnChg>
+        <pc:cxnChg chg="add del">
+          <ac:chgData name="子堯 林" userId="e016bb37-1c06-4e3b-830b-ac9b1feb09b3" providerId="ADAL" clId="{EF0640D9-2E2E-4987-8E32-D77700C7C8B4}" dt="2020-11-15T13:25:54.816" v="246"/>
+          <ac:cxnSpMkLst>
+            <pc:docMk/>
+            <pc:sldMk cId="3195845532" sldId="257"/>
+            <ac:cxnSpMk id="119" creationId="{48FD0FB2-148E-4316-A78C-C191590FF6FF}"/>
+          </ac:cxnSpMkLst>
+        </pc:cxnChg>
+        <pc:cxnChg chg="add del">
+          <ac:chgData name="子堯 林" userId="e016bb37-1c06-4e3b-830b-ac9b1feb09b3" providerId="ADAL" clId="{EF0640D9-2E2E-4987-8E32-D77700C7C8B4}" dt="2020-11-15T13:25:54.816" v="246"/>
+          <ac:cxnSpMkLst>
+            <pc:docMk/>
+            <pc:sldMk cId="3195845532" sldId="257"/>
+            <ac:cxnSpMk id="120" creationId="{708E3637-E48E-4167-9D2C-0ADE62E45DC8}"/>
+          </ac:cxnSpMkLst>
+        </pc:cxnChg>
+        <pc:cxnChg chg="add del">
+          <ac:chgData name="子堯 林" userId="e016bb37-1c06-4e3b-830b-ac9b1feb09b3" providerId="ADAL" clId="{EF0640D9-2E2E-4987-8E32-D77700C7C8B4}" dt="2020-11-15T13:25:54.816" v="246"/>
+          <ac:cxnSpMkLst>
+            <pc:docMk/>
+            <pc:sldMk cId="3195845532" sldId="257"/>
+            <ac:cxnSpMk id="121" creationId="{C47B248F-ACF9-40E0-8E67-067EA23ED304}"/>
+          </ac:cxnSpMkLst>
+        </pc:cxnChg>
+        <pc:cxnChg chg="add del">
+          <ac:chgData name="子堯 林" userId="e016bb37-1c06-4e3b-830b-ac9b1feb09b3" providerId="ADAL" clId="{EF0640D9-2E2E-4987-8E32-D77700C7C8B4}" dt="2020-11-15T13:25:54.816" v="246"/>
+          <ac:cxnSpMkLst>
+            <pc:docMk/>
+            <pc:sldMk cId="3195845532" sldId="257"/>
+            <ac:cxnSpMk id="129" creationId="{5830C32C-DF6D-490B-96A4-2092612637C7}"/>
           </ac:cxnSpMkLst>
         </pc:cxnChg>
       </pc:sldChg>
@@ -629,6 +1758,28 @@
             <pc:docMk/>
             <pc:sldMk cId="2743683967" sldId="260"/>
             <ac:picMk id="2" creationId="{92E1A9F4-A50B-4B82-A663-C91A5A75436C}"/>
+          </ac:picMkLst>
+        </pc:picChg>
+      </pc:sldChg>
+      <pc:sldChg chg="add del">
+        <pc:chgData name="子堯 林" userId="e016bb37-1c06-4e3b-830b-ac9b1feb09b3" providerId="ADAL" clId="{EF0640D9-2E2E-4987-8E32-D77700C7C8B4}" dt="2020-11-15T13:25:10.366" v="236"/>
+        <pc:sldMkLst>
+          <pc:docMk/>
+          <pc:sldMk cId="1100985664" sldId="264"/>
+        </pc:sldMkLst>
+      </pc:sldChg>
+      <pc:sldChg chg="addSp modSp add">
+        <pc:chgData name="子堯 林" userId="e016bb37-1c06-4e3b-830b-ac9b1feb09b3" providerId="ADAL" clId="{EF0640D9-2E2E-4987-8E32-D77700C7C8B4}" dt="2020-11-15T13:35:31.144" v="258" actId="1076"/>
+        <pc:sldMkLst>
+          <pc:docMk/>
+          <pc:sldMk cId="4289924518" sldId="264"/>
+        </pc:sldMkLst>
+        <pc:picChg chg="add mod modCrop">
+          <ac:chgData name="子堯 林" userId="e016bb37-1c06-4e3b-830b-ac9b1feb09b3" providerId="ADAL" clId="{EF0640D9-2E2E-4987-8E32-D77700C7C8B4}" dt="2020-11-15T13:35:31.144" v="258" actId="1076"/>
+          <ac:picMkLst>
+            <pc:docMk/>
+            <pc:sldMk cId="4289924518" sldId="264"/>
+            <ac:picMk id="1026" creationId="{AC5E5A12-3EA2-4C95-AD5D-0B0486CE3314}"/>
           </ac:picMkLst>
         </pc:picChg>
       </pc:sldChg>
@@ -784,7 +1935,7 @@
           <a:p>
             <a:fld id="{1CD85C9A-5BBF-474C-B22E-C950F561911F}" type="datetimeFigureOut">
               <a:rPr lang="zh-TW" altLang="en-US" smtClean="0"/>
-              <a:t>2020/11/14</a:t>
+              <a:t>2020/11/15</a:t>
             </a:fld>
             <a:endParaRPr lang="zh-TW" altLang="en-US"/>
           </a:p>
@@ -982,7 +2133,7 @@
           <a:p>
             <a:fld id="{1CD85C9A-5BBF-474C-B22E-C950F561911F}" type="datetimeFigureOut">
               <a:rPr lang="zh-TW" altLang="en-US" smtClean="0"/>
-              <a:t>2020/11/14</a:t>
+              <a:t>2020/11/15</a:t>
             </a:fld>
             <a:endParaRPr lang="zh-TW" altLang="en-US"/>
           </a:p>
@@ -1190,7 +2341,7 @@
           <a:p>
             <a:fld id="{1CD85C9A-5BBF-474C-B22E-C950F561911F}" type="datetimeFigureOut">
               <a:rPr lang="zh-TW" altLang="en-US" smtClean="0"/>
-              <a:t>2020/11/14</a:t>
+              <a:t>2020/11/15</a:t>
             </a:fld>
             <a:endParaRPr lang="zh-TW" altLang="en-US"/>
           </a:p>
@@ -1388,7 +2539,7 @@
           <a:p>
             <a:fld id="{1CD85C9A-5BBF-474C-B22E-C950F561911F}" type="datetimeFigureOut">
               <a:rPr lang="zh-TW" altLang="en-US" smtClean="0"/>
-              <a:t>2020/11/14</a:t>
+              <a:t>2020/11/15</a:t>
             </a:fld>
             <a:endParaRPr lang="zh-TW" altLang="en-US"/>
           </a:p>
@@ -1663,7 +2814,7 @@
           <a:p>
             <a:fld id="{1CD85C9A-5BBF-474C-B22E-C950F561911F}" type="datetimeFigureOut">
               <a:rPr lang="zh-TW" altLang="en-US" smtClean="0"/>
-              <a:t>2020/11/14</a:t>
+              <a:t>2020/11/15</a:t>
             </a:fld>
             <a:endParaRPr lang="zh-TW" altLang="en-US"/>
           </a:p>
@@ -1928,7 +3079,7 @@
           <a:p>
             <a:fld id="{1CD85C9A-5BBF-474C-B22E-C950F561911F}" type="datetimeFigureOut">
               <a:rPr lang="zh-TW" altLang="en-US" smtClean="0"/>
-              <a:t>2020/11/14</a:t>
+              <a:t>2020/11/15</a:t>
             </a:fld>
             <a:endParaRPr lang="zh-TW" altLang="en-US"/>
           </a:p>
@@ -2340,7 +3491,7 @@
           <a:p>
             <a:fld id="{1CD85C9A-5BBF-474C-B22E-C950F561911F}" type="datetimeFigureOut">
               <a:rPr lang="zh-TW" altLang="en-US" smtClean="0"/>
-              <a:t>2020/11/14</a:t>
+              <a:t>2020/11/15</a:t>
             </a:fld>
             <a:endParaRPr lang="zh-TW" altLang="en-US"/>
           </a:p>
@@ -2481,7 +3632,7 @@
           <a:p>
             <a:fld id="{1CD85C9A-5BBF-474C-B22E-C950F561911F}" type="datetimeFigureOut">
               <a:rPr lang="zh-TW" altLang="en-US" smtClean="0"/>
-              <a:t>2020/11/14</a:t>
+              <a:t>2020/11/15</a:t>
             </a:fld>
             <a:endParaRPr lang="zh-TW" altLang="en-US"/>
           </a:p>
@@ -2594,7 +3745,7 @@
           <a:p>
             <a:fld id="{1CD85C9A-5BBF-474C-B22E-C950F561911F}" type="datetimeFigureOut">
               <a:rPr lang="zh-TW" altLang="en-US" smtClean="0"/>
-              <a:t>2020/11/14</a:t>
+              <a:t>2020/11/15</a:t>
             </a:fld>
             <a:endParaRPr lang="zh-TW" altLang="en-US"/>
           </a:p>
@@ -2905,7 +4056,7 @@
           <a:p>
             <a:fld id="{1CD85C9A-5BBF-474C-B22E-C950F561911F}" type="datetimeFigureOut">
               <a:rPr lang="zh-TW" altLang="en-US" smtClean="0"/>
-              <a:t>2020/11/14</a:t>
+              <a:t>2020/11/15</a:t>
             </a:fld>
             <a:endParaRPr lang="zh-TW" altLang="en-US"/>
           </a:p>
@@ -3193,7 +4344,7 @@
           <a:p>
             <a:fld id="{1CD85C9A-5BBF-474C-B22E-C950F561911F}" type="datetimeFigureOut">
               <a:rPr lang="zh-TW" altLang="en-US" smtClean="0"/>
-              <a:t>2020/11/14</a:t>
+              <a:t>2020/11/15</a:t>
             </a:fld>
             <a:endParaRPr lang="zh-TW" altLang="en-US"/>
           </a:p>
@@ -3434,7 +4585,7 @@
           <a:p>
             <a:fld id="{1CD85C9A-5BBF-474C-B22E-C950F561911F}" type="datetimeFigureOut">
               <a:rPr lang="zh-TW" altLang="en-US" smtClean="0"/>
-              <a:t>2020/11/14</a:t>
+              <a:t>2020/11/15</a:t>
             </a:fld>
             <a:endParaRPr lang="zh-TW" altLang="en-US"/>
           </a:p>
@@ -4098,7 +5249,7 @@
         <p:spPr>
           <a:xfrm>
             <a:off x="1567543" y="475376"/>
-            <a:ext cx="6986054" cy="461665"/>
+            <a:ext cx="6986054" cy="460800"/>
           </a:xfrm>
           <a:prstGeom prst="rect">
             <a:avLst/>
@@ -4127,22 +5278,22 @@
           </a:fontRef>
         </p:style>
         <p:txBody>
-          <a:bodyPr wrap="square" rtlCol="0">
+          <a:bodyPr wrap="square" rtlCol="0" anchor="ctr">
             <a:spAutoFit/>
           </a:bodyPr>
           <a:lstStyle/>
           <a:p>
             <a:r>
-              <a:rPr lang="en-US" altLang="zh-TW" sz="2400" b="1" dirty="0">
+              <a:rPr lang="en-US" altLang="zh-TW" sz="2000" b="1" dirty="0">
                 <a:solidFill>
                   <a:schemeClr val="tx1"/>
                 </a:solidFill>
                 <a:latin typeface="Lucida Sans" panose="020B0602030504020204" pitchFamily="34" charset="0"/>
                 <a:cs typeface="Times New Roman" panose="02020603050405020304" pitchFamily="18" charset="0"/>
               </a:rPr>
-              <a:t>Cultural Truth:</a:t>
+              <a:t>Under Cultural Truth:</a:t>
             </a:r>
-            <a:endParaRPr lang="zh-TW" altLang="en-US" sz="2400" b="1" dirty="0">
+            <a:endParaRPr lang="zh-TW" altLang="en-US" sz="2000" b="1" dirty="0">
               <a:solidFill>
                 <a:schemeClr val="tx1"/>
               </a:solidFill>
@@ -4167,7 +5318,7 @@
         <p:spPr>
           <a:xfrm>
             <a:off x="1567543" y="4121799"/>
-            <a:ext cx="6986041" cy="461665"/>
+            <a:ext cx="6986041" cy="460800"/>
           </a:xfrm>
           <a:prstGeom prst="rect">
             <a:avLst/>
@@ -4196,13 +5347,13 @@
           </a:fontRef>
         </p:style>
         <p:txBody>
-          <a:bodyPr wrap="square" rtlCol="0">
+          <a:bodyPr wrap="square" rtlCol="0" anchor="ctr">
             <a:spAutoFit/>
           </a:bodyPr>
           <a:lstStyle/>
           <a:p>
             <a:r>
-              <a:rPr lang="en-US" altLang="zh-TW" sz="2400" b="1" dirty="0">
+              <a:rPr lang="en-US" altLang="zh-TW" sz="2000" b="1" dirty="0">
                 <a:solidFill>
                   <a:schemeClr val="tx1"/>
                 </a:solidFill>
@@ -4211,7 +5362,7 @@
               </a:rPr>
               <a:t>Response:</a:t>
             </a:r>
-            <a:endParaRPr lang="zh-TW" altLang="en-US" sz="2400" b="1" dirty="0">
+            <a:endParaRPr lang="zh-TW" altLang="en-US" sz="2000" b="1" dirty="0">
               <a:solidFill>
                 <a:schemeClr val="tx1"/>
               </a:solidFill>
@@ -4236,7 +5387,7 @@
         <p:spPr>
           <a:xfrm>
             <a:off x="1567544" y="2866275"/>
-            <a:ext cx="6986048" cy="461665"/>
+            <a:ext cx="6986048" cy="460800"/>
           </a:xfrm>
           <a:prstGeom prst="rect">
             <a:avLst/>
@@ -4265,13 +5416,13 @@
           </a:fontRef>
         </p:style>
         <p:txBody>
-          <a:bodyPr wrap="square" rtlCol="0">
+          <a:bodyPr wrap="square" rtlCol="0" anchor="ctr">
             <a:spAutoFit/>
           </a:bodyPr>
           <a:lstStyle/>
           <a:p>
             <a:r>
-              <a:rPr lang="en-US" altLang="zh-TW" sz="2400" b="1" dirty="0">
+              <a:rPr lang="en-US" altLang="zh-TW" sz="2000" b="1" dirty="0">
                 <a:solidFill>
                   <a:schemeClr val="tx1"/>
                 </a:solidFill>
@@ -4280,7 +5431,7 @@
               </a:rPr>
               <a:t>Latent State:</a:t>
             </a:r>
-            <a:endParaRPr lang="zh-TW" altLang="en-US" sz="2400" b="1" dirty="0">
+            <a:endParaRPr lang="zh-TW" altLang="en-US" sz="2000" b="1" dirty="0">
               <a:solidFill>
                 <a:schemeClr val="tx1"/>
               </a:solidFill>
@@ -7894,8 +9045,8 @@
         </p:nvSpPr>
         <p:spPr>
           <a:xfrm>
-            <a:off x="4957707" y="1664651"/>
-            <a:ext cx="2278188" cy="400110"/>
+            <a:off x="4874814" y="1664651"/>
+            <a:ext cx="2436886" cy="400110"/>
           </a:xfrm>
           <a:prstGeom prst="rect">
             <a:avLst/>
@@ -7913,7 +9064,7 @@
                 <a:latin typeface="Lucida Sans" panose="020B0602030504020204" pitchFamily="34" charset="0"/>
                 <a:cs typeface="Times New Roman" panose="02020603050405020304" pitchFamily="18" charset="0"/>
               </a:rPr>
-              <a:t>Unknow &amp; Guess</a:t>
+              <a:t>Unknown &amp; Guess</a:t>
             </a:r>
             <a:endParaRPr lang="zh-TW" altLang="en-US" sz="2000" dirty="0">
               <a:latin typeface="Lucida Sans" panose="020B0602030504020204" pitchFamily="34" charset="0"/>
@@ -8556,10 +9707,10 @@
       </p:grpSpPr>
       <p:pic>
         <p:nvPicPr>
-          <p:cNvPr id="3" name="圖片 2">
+          <p:cNvPr id="137" name="圖片 136">
             <a:extLst>
               <a:ext uri="{FF2B5EF4-FFF2-40B4-BE49-F238E27FC236}">
-                <a16:creationId xmlns:a16="http://schemas.microsoft.com/office/drawing/2014/main" id="{207E03BA-589D-45D8-8EEF-93A1BA1E9824}"/>
+                <a16:creationId xmlns:a16="http://schemas.microsoft.com/office/drawing/2014/main" id="{DC878D2B-5DC4-42BC-976E-9BC2C11CB6A6}"/>
               </a:ext>
             </a:extLst>
           </p:cNvPr>
@@ -8570,13 +9721,13 @@
         </p:nvPicPr>
         <p:blipFill rotWithShape="1">
           <a:blip r:embed="rId2"/>
-          <a:srcRect b="1365"/>
+          <a:srcRect l="984" b="2571"/>
           <a:stretch/>
         </p:blipFill>
         <p:spPr>
           <a:xfrm>
-            <a:off x="2556965" y="1014775"/>
-            <a:ext cx="7078069" cy="4762570"/>
+            <a:off x="2781300" y="626411"/>
+            <a:ext cx="6978193" cy="4656789"/>
           </a:xfrm>
           <a:prstGeom prst="rect">
             <a:avLst/>
@@ -10559,6 +11710,81 @@
     <p:extLst>
       <p:ext uri="{BB962C8B-B14F-4D97-AF65-F5344CB8AC3E}">
         <p14:creationId xmlns:p14="http://schemas.microsoft.com/office/powerpoint/2010/main" val="2630218352"/>
+      </p:ext>
+    </p:extLst>
+  </p:cSld>
+  <p:clrMapOvr>
+    <a:masterClrMapping/>
+  </p:clrMapOvr>
+</p:sld>
+</file>
+
+<file path=ppt/slides/slide9.xml><?xml version="1.0" encoding="utf-8"?>
+<p:sld xmlns:a="http://schemas.openxmlformats.org/drawingml/2006/main" xmlns:r="http://schemas.openxmlformats.org/officeDocument/2006/relationships" xmlns:p="http://schemas.openxmlformats.org/presentationml/2006/main">
+  <p:cSld>
+    <p:spTree>
+      <p:nvGrpSpPr>
+        <p:cNvPr id="1" name=""/>
+        <p:cNvGrpSpPr/>
+        <p:nvPr/>
+      </p:nvGrpSpPr>
+      <p:grpSpPr>
+        <a:xfrm>
+          <a:off x="0" y="0"/>
+          <a:ext cx="0" cy="0"/>
+          <a:chOff x="0" y="0"/>
+          <a:chExt cx="0" cy="0"/>
+        </a:xfrm>
+      </p:grpSpPr>
+      <p:pic>
+        <p:nvPicPr>
+          <p:cNvPr id="1026" name="Picture 2" descr="https://static.rti.org.tw/assets/thumbnails/2020/11/09/a6ba1840d2f11ab4702c28e6e1473763.jpeg">
+            <a:extLst>
+              <a:ext uri="{FF2B5EF4-FFF2-40B4-BE49-F238E27FC236}">
+                <a16:creationId xmlns:a16="http://schemas.microsoft.com/office/drawing/2014/main" id="{AC5E5A12-3EA2-4C95-AD5D-0B0486CE3314}"/>
+              </a:ext>
+            </a:extLst>
+          </p:cNvPr>
+          <p:cNvPicPr>
+            <a:picLocks noChangeAspect="1" noChangeArrowheads="1"/>
+          </p:cNvPicPr>
+          <p:nvPr/>
+        </p:nvPicPr>
+        <p:blipFill rotWithShape="1">
+          <a:blip r:embed="rId2">
+            <a:extLst>
+              <a:ext uri="{28A0092B-C50C-407E-A947-70E740481C1C}">
+                <a14:useLocalDpi xmlns:a14="http://schemas.microsoft.com/office/drawing/2010/main" val="0"/>
+              </a:ext>
+            </a:extLst>
+          </a:blip>
+          <a:srcRect l="46614" t="27037" r="1372" b="31945"/>
+          <a:stretch/>
+        </p:blipFill>
+        <p:spPr bwMode="auto">
+          <a:xfrm>
+            <a:off x="4597400" y="1930400"/>
+            <a:ext cx="6254750" cy="2813050"/>
+          </a:xfrm>
+          <a:prstGeom prst="rect">
+            <a:avLst/>
+          </a:prstGeom>
+          <a:noFill/>
+          <a:extLst>
+            <a:ext uri="{909E8E84-426E-40DD-AFC4-6F175D3DCCD1}">
+              <a14:hiddenFill xmlns:a14="http://schemas.microsoft.com/office/drawing/2010/main">
+                <a:solidFill>
+                  <a:srgbClr val="FFFFFF"/>
+                </a:solidFill>
+              </a14:hiddenFill>
+            </a:ext>
+          </a:extLst>
+        </p:spPr>
+      </p:pic>
+    </p:spTree>
+    <p:extLst>
+      <p:ext uri="{BB962C8B-B14F-4D97-AF65-F5344CB8AC3E}">
+        <p14:creationId xmlns:p14="http://schemas.microsoft.com/office/powerpoint/2010/main" val="4289924518"/>
       </p:ext>
     </p:extLst>
   </p:cSld>
@@ -10915,6 +12141,15 @@
 </file>
 
 <file path=customXml/item2.xml><?xml version="1.0" encoding="utf-8"?>
+<?mso-contentType ?>
+<FormTemplates xmlns="http://schemas.microsoft.com/sharepoint/v3/contenttype/forms">
+  <Display>DocumentLibraryForm</Display>
+  <Edit>DocumentLibraryForm</Edit>
+  <New>DocumentLibraryForm</New>
+</FormTemplates>
+</file>
+
+<file path=customXml/item3.xml><?xml version="1.0" encoding="utf-8"?>
 <ct:contentTypeSchema xmlns:ct="http://schemas.microsoft.com/office/2006/metadata/contentType" xmlns:ma="http://schemas.microsoft.com/office/2006/metadata/properties/metaAttributes" ct:_="" ma:_="" ma:contentTypeName="Document" ma:contentTypeID="0x010100CCCBFC7B47FBC04C9FEC1449802C2CA2" ma:contentTypeVersion="33" ma:contentTypeDescription="Create a new document." ma:contentTypeScope="" ma:versionID="3b4b7f5fe73d072b1e47d6f191aed75e">
   <xsd:schema xmlns:xsd="http://www.w3.org/2001/XMLSchema" xmlns:xs="http://www.w3.org/2001/XMLSchema" xmlns:p="http://schemas.microsoft.com/office/2006/metadata/properties" xmlns:ns3="1c11fafd-21e2-4178-963c-24a936a58f92" xmlns:ns4="58929301-6a8e-4af1-a681-4bd8ecc4a34e" targetNamespace="http://schemas.microsoft.com/office/2006/metadata/properties" ma:root="true" ma:fieldsID="e273931e3f6e246ea5b7c4473946619c" ns3:_="" ns4:_="">
     <xsd:import namespace="1c11fafd-21e2-4178-963c-24a936a58f92"/>
@@ -11325,33 +12560,32 @@
 </ct:contentTypeSchema>
 </file>
 
-<file path=customXml/item3.xml><?xml version="1.0" encoding="utf-8"?>
-<?mso-contentType ?>
-<FormTemplates xmlns="http://schemas.microsoft.com/sharepoint/v3/contenttype/forms">
-  <Display>DocumentLibraryForm</Display>
-  <Edit>DocumentLibraryForm</Edit>
-  <New>DocumentLibraryForm</New>
-</FormTemplates>
-</file>
-
 <file path=customXml/itemProps1.xml><?xml version="1.0" encoding="utf-8"?>
 <ds:datastoreItem xmlns:ds="http://schemas.openxmlformats.org/officeDocument/2006/customXml" ds:itemID="{39D41E74-D420-4E0C-A77E-7334773642A8}">
   <ds:schemaRefs>
-    <ds:schemaRef ds:uri="http://www.w3.org/XML/1998/namespace"/>
-    <ds:schemaRef ds:uri="http://schemas.microsoft.com/office/2006/metadata/properties"/>
-    <ds:schemaRef ds:uri="58929301-6a8e-4af1-a681-4bd8ecc4a34e"/>
-    <ds:schemaRef ds:uri="http://schemas.microsoft.com/office/2006/documentManagement/types"/>
+    <ds:schemaRef ds:uri="http://schemas.microsoft.com/office/infopath/2007/PartnerControls"/>
     <ds:schemaRef ds:uri="http://purl.org/dc/terms/"/>
     <ds:schemaRef ds:uri="http://purl.org/dc/elements/1.1/"/>
-    <ds:schemaRef ds:uri="http://schemas.microsoft.com/office/infopath/2007/PartnerControls"/>
+    <ds:schemaRef ds:uri="http://purl.org/dc/dcmitype/"/>
+    <ds:schemaRef ds:uri="http://www.w3.org/XML/1998/namespace"/>
+    <ds:schemaRef ds:uri="http://schemas.microsoft.com/office/2006/documentManagement/types"/>
+    <ds:schemaRef ds:uri="58929301-6a8e-4af1-a681-4bd8ecc4a34e"/>
+    <ds:schemaRef ds:uri="1c11fafd-21e2-4178-963c-24a936a58f92"/>
     <ds:schemaRef ds:uri="http://schemas.openxmlformats.org/package/2006/metadata/core-properties"/>
-    <ds:schemaRef ds:uri="1c11fafd-21e2-4178-963c-24a936a58f92"/>
-    <ds:schemaRef ds:uri="http://purl.org/dc/dcmitype/"/>
+    <ds:schemaRef ds:uri="http://schemas.microsoft.com/office/2006/metadata/properties"/>
   </ds:schemaRefs>
 </ds:datastoreItem>
 </file>
 
 <file path=customXml/itemProps2.xml><?xml version="1.0" encoding="utf-8"?>
+<ds:datastoreItem xmlns:ds="http://schemas.openxmlformats.org/officeDocument/2006/customXml" ds:itemID="{A238E245-4188-459C-953F-E403BC2DF2C0}">
+  <ds:schemaRefs>
+    <ds:schemaRef ds:uri="http://schemas.microsoft.com/sharepoint/v3/contenttype/forms"/>
+  </ds:schemaRefs>
+</ds:datastoreItem>
+</file>
+
+<file path=customXml/itemProps3.xml><?xml version="1.0" encoding="utf-8"?>
 <ds:datastoreItem xmlns:ds="http://schemas.openxmlformats.org/officeDocument/2006/customXml" ds:itemID="{B39F43BF-5C63-4CA4-8480-332A16EF7877}">
   <ds:schemaRefs>
     <ds:schemaRef ds:uri="http://schemas.microsoft.com/office/2006/metadata/contentType"/>
@@ -11368,12 +12602,4 @@
     <ds:schemaRef ds:uri="http://schemas.microsoft.com/internal/obd"/>
   </ds:schemaRefs>
 </ds:datastoreItem>
-</file>
-
-<file path=customXml/itemProps3.xml><?xml version="1.0" encoding="utf-8"?>
-<ds:datastoreItem xmlns:ds="http://schemas.openxmlformats.org/officeDocument/2006/customXml" ds:itemID="{A238E245-4188-459C-953F-E403BC2DF2C0}">
-  <ds:schemaRefs>
-    <ds:schemaRef ds:uri="http://schemas.microsoft.com/sharepoint/v3/contenttype/forms"/>
-  </ds:schemaRefs>
-</ds:datastoreItem>
 </file>
--- a/figures/Tree.pptx
+++ b/figures/Tree.pptx
@@ -11,9 +11,12 @@
     <p:sldId id="258" r:id="rId8"/>
     <p:sldId id="260" r:id="rId9"/>
     <p:sldId id="261" r:id="rId10"/>
-    <p:sldId id="263" r:id="rId11"/>
-    <p:sldId id="262" r:id="rId12"/>
-    <p:sldId id="264" r:id="rId13"/>
+    <p:sldId id="266" r:id="rId11"/>
+    <p:sldId id="267" r:id="rId12"/>
+    <p:sldId id="265" r:id="rId13"/>
+    <p:sldId id="263" r:id="rId14"/>
+    <p:sldId id="262" r:id="rId15"/>
+    <p:sldId id="264" r:id="rId16"/>
   </p:sldIdLst>
   <p:sldSz cx="12192000" cy="6858000"/>
   <p:notesSz cx="6858000" cy="9144000"/>
@@ -134,7 +137,7 @@
 <file path=ppt/revisionInfo.xml><?xml version="1.0" encoding="utf-8"?>
 <p1510:revInfo xmlns:a="http://schemas.openxmlformats.org/drawingml/2006/main" xmlns:r="http://schemas.openxmlformats.org/officeDocument/2006/relationships" xmlns:p1510="http://schemas.microsoft.com/office/powerpoint/2015/10/main">
   <p1510:revLst>
-    <p1510:client id="{EF0640D9-2E2E-4987-8E32-D77700C7C8B4}" v="1900" dt="2020-11-15T13:35:31.144"/>
+    <p1510:client id="{EF0640D9-2E2E-4987-8E32-D77700C7C8B4}" v="1945" dt="2020-11-16T07:18:03.173"/>
   </p1510:revLst>
 </p1510:revInfo>
 </file>
@@ -1780,6 +1783,905 @@
             <pc:docMk/>
             <pc:sldMk cId="4289924518" sldId="264"/>
             <ac:picMk id="1026" creationId="{AC5E5A12-3EA2-4C95-AD5D-0B0486CE3314}"/>
+          </ac:picMkLst>
+        </pc:picChg>
+      </pc:sldChg>
+    </pc:docChg>
+  </pc:docChgLst>
+  <pc:docChgLst>
+    <pc:chgData name="林子堯" userId="e016bb37-1c06-4e3b-830b-ac9b1feb09b3" providerId="ADAL" clId="{EF0640D9-2E2E-4987-8E32-D77700C7C8B4}"/>
+    <pc:docChg chg="custSel modSld">
+      <pc:chgData name="林子堯" userId="e016bb37-1c06-4e3b-830b-ac9b1feb09b3" providerId="ADAL" clId="{EF0640D9-2E2E-4987-8E32-D77700C7C8B4}" dt="2020-11-16T07:18:03.173" v="44" actId="732"/>
+      <pc:docMkLst>
+        <pc:docMk/>
+      </pc:docMkLst>
+      <pc:sldChg chg="modSp">
+        <pc:chgData name="林子堯" userId="e016bb37-1c06-4e3b-830b-ac9b1feb09b3" providerId="ADAL" clId="{EF0640D9-2E2E-4987-8E32-D77700C7C8B4}" dt="2020-11-16T07:14:59.123" v="35" actId="1076"/>
+        <pc:sldMkLst>
+          <pc:docMk/>
+          <pc:sldMk cId="3520666477" sldId="256"/>
+        </pc:sldMkLst>
+        <pc:spChg chg="mod">
+          <ac:chgData name="林子堯" userId="e016bb37-1c06-4e3b-830b-ac9b1feb09b3" providerId="ADAL" clId="{EF0640D9-2E2E-4987-8E32-D77700C7C8B4}" dt="2020-11-16T07:13:37.125" v="7" actId="403"/>
+          <ac:spMkLst>
+            <pc:docMk/>
+            <pc:sldMk cId="3520666477" sldId="256"/>
+            <ac:spMk id="21" creationId="{DD862D91-E29A-4969-9278-B64E8033E387}"/>
+          </ac:spMkLst>
+        </pc:spChg>
+        <pc:spChg chg="mod">
+          <ac:chgData name="林子堯" userId="e016bb37-1c06-4e3b-830b-ac9b1feb09b3" providerId="ADAL" clId="{EF0640D9-2E2E-4987-8E32-D77700C7C8B4}" dt="2020-11-16T07:14:59.123" v="35" actId="1076"/>
+          <ac:spMkLst>
+            <pc:docMk/>
+            <pc:sldMk cId="3520666477" sldId="256"/>
+            <ac:spMk id="46" creationId="{8FCD3BB5-4489-4216-8CD1-A901F99AACC2}"/>
+          </ac:spMkLst>
+        </pc:spChg>
+        <pc:spChg chg="mod">
+          <ac:chgData name="林子堯" userId="e016bb37-1c06-4e3b-830b-ac9b1feb09b3" providerId="ADAL" clId="{EF0640D9-2E2E-4987-8E32-D77700C7C8B4}" dt="2020-11-16T07:13:14.545" v="6" actId="403"/>
+          <ac:spMkLst>
+            <pc:docMk/>
+            <pc:sldMk cId="3520666477" sldId="256"/>
+            <ac:spMk id="51" creationId="{7590C2CF-4435-47B4-9EFD-B6C2508CAE83}"/>
+          </ac:spMkLst>
+        </pc:spChg>
+        <pc:spChg chg="mod">
+          <ac:chgData name="林子堯" userId="e016bb37-1c06-4e3b-830b-ac9b1feb09b3" providerId="ADAL" clId="{EF0640D9-2E2E-4987-8E32-D77700C7C8B4}" dt="2020-11-16T07:13:47.072" v="8" actId="403"/>
+          <ac:spMkLst>
+            <pc:docMk/>
+            <pc:sldMk cId="3520666477" sldId="256"/>
+            <ac:spMk id="96" creationId="{3CA06ADD-F036-4306-BD4C-173CB78FC801}"/>
+          </ac:spMkLst>
+        </pc:spChg>
+      </pc:sldChg>
+      <pc:sldChg chg="addSp delSp modSp">
+        <pc:chgData name="林子堯" userId="e016bb37-1c06-4e3b-830b-ac9b1feb09b3" providerId="ADAL" clId="{EF0640D9-2E2E-4987-8E32-D77700C7C8B4}" dt="2020-11-16T07:18:03.173" v="44" actId="732"/>
+        <pc:sldMkLst>
+          <pc:docMk/>
+          <pc:sldMk cId="3195845532" sldId="257"/>
+        </pc:sldMkLst>
+        <pc:spChg chg="add del">
+          <ac:chgData name="林子堯" userId="e016bb37-1c06-4e3b-830b-ac9b1feb09b3" providerId="ADAL" clId="{EF0640D9-2E2E-4987-8E32-D77700C7C8B4}" dt="2020-11-16T07:15:10.195" v="40"/>
+          <ac:spMkLst>
+            <pc:docMk/>
+            <pc:sldMk cId="3195845532" sldId="257"/>
+            <ac:spMk id="3" creationId="{73BD82D9-8B9A-4806-A4AB-7CA9E4C1D0C8}"/>
+          </ac:spMkLst>
+        </pc:spChg>
+        <pc:spChg chg="add del">
+          <ac:chgData name="林子堯" userId="e016bb37-1c06-4e3b-830b-ac9b1feb09b3" providerId="ADAL" clId="{EF0640D9-2E2E-4987-8E32-D77700C7C8B4}" dt="2020-11-16T07:15:10.195" v="40"/>
+          <ac:spMkLst>
+            <pc:docMk/>
+            <pc:sldMk cId="3195845532" sldId="257"/>
+            <ac:spMk id="4" creationId="{ED8189F4-C40A-445A-9244-BD38A2E77E78}"/>
+          </ac:spMkLst>
+        </pc:spChg>
+        <pc:spChg chg="add del">
+          <ac:chgData name="林子堯" userId="e016bb37-1c06-4e3b-830b-ac9b1feb09b3" providerId="ADAL" clId="{EF0640D9-2E2E-4987-8E32-D77700C7C8B4}" dt="2020-11-16T07:15:10.195" v="40"/>
+          <ac:spMkLst>
+            <pc:docMk/>
+            <pc:sldMk cId="3195845532" sldId="257"/>
+            <ac:spMk id="5" creationId="{3FFCF4A5-AA6F-4E5F-8B10-0EB1BCBC17BB}"/>
+          </ac:spMkLst>
+        </pc:spChg>
+        <pc:spChg chg="add del">
+          <ac:chgData name="林子堯" userId="e016bb37-1c06-4e3b-830b-ac9b1feb09b3" providerId="ADAL" clId="{EF0640D9-2E2E-4987-8E32-D77700C7C8B4}" dt="2020-11-16T07:15:10.195" v="40"/>
+          <ac:spMkLst>
+            <pc:docMk/>
+            <pc:sldMk cId="3195845532" sldId="257"/>
+            <ac:spMk id="6" creationId="{51BBF822-F225-49B0-A942-F08676A4A33F}"/>
+          </ac:spMkLst>
+        </pc:spChg>
+        <pc:spChg chg="add del">
+          <ac:chgData name="林子堯" userId="e016bb37-1c06-4e3b-830b-ac9b1feb09b3" providerId="ADAL" clId="{EF0640D9-2E2E-4987-8E32-D77700C7C8B4}" dt="2020-11-16T07:15:10.195" v="40"/>
+          <ac:spMkLst>
+            <pc:docMk/>
+            <pc:sldMk cId="3195845532" sldId="257"/>
+            <ac:spMk id="8" creationId="{227EE307-2B0A-459C-9AFC-1DFC10721C9F}"/>
+          </ac:spMkLst>
+        </pc:spChg>
+        <pc:spChg chg="add del">
+          <ac:chgData name="林子堯" userId="e016bb37-1c06-4e3b-830b-ac9b1feb09b3" providerId="ADAL" clId="{EF0640D9-2E2E-4987-8E32-D77700C7C8B4}" dt="2020-11-16T07:15:10.195" v="40"/>
+          <ac:spMkLst>
+            <pc:docMk/>
+            <pc:sldMk cId="3195845532" sldId="257"/>
+            <ac:spMk id="9" creationId="{6FDA3219-4C71-4D13-95E3-4A63D93688FF}"/>
+          </ac:spMkLst>
+        </pc:spChg>
+        <pc:spChg chg="add del">
+          <ac:chgData name="林子堯" userId="e016bb37-1c06-4e3b-830b-ac9b1feb09b3" providerId="ADAL" clId="{EF0640D9-2E2E-4987-8E32-D77700C7C8B4}" dt="2020-11-16T07:15:10.195" v="40"/>
+          <ac:spMkLst>
+            <pc:docMk/>
+            <pc:sldMk cId="3195845532" sldId="257"/>
+            <ac:spMk id="10" creationId="{8F45CE05-9F77-45E4-B240-3ED4BEC8D7E4}"/>
+          </ac:spMkLst>
+        </pc:spChg>
+        <pc:spChg chg="add del">
+          <ac:chgData name="林子堯" userId="e016bb37-1c06-4e3b-830b-ac9b1feb09b3" providerId="ADAL" clId="{EF0640D9-2E2E-4987-8E32-D77700C7C8B4}" dt="2020-11-16T07:15:10.195" v="40"/>
+          <ac:spMkLst>
+            <pc:docMk/>
+            <pc:sldMk cId="3195845532" sldId="257"/>
+            <ac:spMk id="11" creationId="{CAC565DA-02AD-4B17-A18A-9F006634279B}"/>
+          </ac:spMkLst>
+        </pc:spChg>
+        <pc:spChg chg="add del">
+          <ac:chgData name="林子堯" userId="e016bb37-1c06-4e3b-830b-ac9b1feb09b3" providerId="ADAL" clId="{EF0640D9-2E2E-4987-8E32-D77700C7C8B4}" dt="2020-11-16T07:15:10.195" v="40"/>
+          <ac:spMkLst>
+            <pc:docMk/>
+            <pc:sldMk cId="3195845532" sldId="257"/>
+            <ac:spMk id="17" creationId="{51A2E714-5F71-4552-A1DA-C10D4F8F4A8D}"/>
+          </ac:spMkLst>
+        </pc:spChg>
+        <pc:spChg chg="add del">
+          <ac:chgData name="林子堯" userId="e016bb37-1c06-4e3b-830b-ac9b1feb09b3" providerId="ADAL" clId="{EF0640D9-2E2E-4987-8E32-D77700C7C8B4}" dt="2020-11-16T07:15:10.195" v="40"/>
+          <ac:spMkLst>
+            <pc:docMk/>
+            <pc:sldMk cId="3195845532" sldId="257"/>
+            <ac:spMk id="18" creationId="{E1F08CBF-3011-4445-A4AE-265791CAADD7}"/>
+          </ac:spMkLst>
+        </pc:spChg>
+        <pc:spChg chg="add del">
+          <ac:chgData name="林子堯" userId="e016bb37-1c06-4e3b-830b-ac9b1feb09b3" providerId="ADAL" clId="{EF0640D9-2E2E-4987-8E32-D77700C7C8B4}" dt="2020-11-16T07:15:10.195" v="40"/>
+          <ac:spMkLst>
+            <pc:docMk/>
+            <pc:sldMk cId="3195845532" sldId="257"/>
+            <ac:spMk id="19" creationId="{1BD07808-2BC6-4382-9548-BF5C8550593D}"/>
+          </ac:spMkLst>
+        </pc:spChg>
+        <pc:spChg chg="add del">
+          <ac:chgData name="林子堯" userId="e016bb37-1c06-4e3b-830b-ac9b1feb09b3" providerId="ADAL" clId="{EF0640D9-2E2E-4987-8E32-D77700C7C8B4}" dt="2020-11-16T07:15:10.195" v="40"/>
+          <ac:spMkLst>
+            <pc:docMk/>
+            <pc:sldMk cId="3195845532" sldId="257"/>
+            <ac:spMk id="20" creationId="{EED7E39B-30A1-463E-A225-5B3BC3095104}"/>
+          </ac:spMkLst>
+        </pc:spChg>
+        <pc:spChg chg="add del">
+          <ac:chgData name="林子堯" userId="e016bb37-1c06-4e3b-830b-ac9b1feb09b3" providerId="ADAL" clId="{EF0640D9-2E2E-4987-8E32-D77700C7C8B4}" dt="2020-11-16T07:15:10.195" v="40"/>
+          <ac:spMkLst>
+            <pc:docMk/>
+            <pc:sldMk cId="3195845532" sldId="257"/>
+            <ac:spMk id="32" creationId="{A79132A1-65EB-4CCA-9C6A-190091A65A7C}"/>
+          </ac:spMkLst>
+        </pc:spChg>
+        <pc:spChg chg="add del">
+          <ac:chgData name="林子堯" userId="e016bb37-1c06-4e3b-830b-ac9b1feb09b3" providerId="ADAL" clId="{EF0640D9-2E2E-4987-8E32-D77700C7C8B4}" dt="2020-11-16T07:15:10.195" v="40"/>
+          <ac:spMkLst>
+            <pc:docMk/>
+            <pc:sldMk cId="3195845532" sldId="257"/>
+            <ac:spMk id="33" creationId="{121B91C9-F065-4309-B0CA-DCEF3FDAF187}"/>
+          </ac:spMkLst>
+        </pc:spChg>
+        <pc:spChg chg="add del">
+          <ac:chgData name="林子堯" userId="e016bb37-1c06-4e3b-830b-ac9b1feb09b3" providerId="ADAL" clId="{EF0640D9-2E2E-4987-8E32-D77700C7C8B4}" dt="2020-11-16T07:15:10.195" v="40"/>
+          <ac:spMkLst>
+            <pc:docMk/>
+            <pc:sldMk cId="3195845532" sldId="257"/>
+            <ac:spMk id="34" creationId="{4262BF57-C0DE-4797-9B24-FC7A84B2A491}"/>
+          </ac:spMkLst>
+        </pc:spChg>
+        <pc:spChg chg="add del">
+          <ac:chgData name="林子堯" userId="e016bb37-1c06-4e3b-830b-ac9b1feb09b3" providerId="ADAL" clId="{EF0640D9-2E2E-4987-8E32-D77700C7C8B4}" dt="2020-11-16T07:15:10.195" v="40"/>
+          <ac:spMkLst>
+            <pc:docMk/>
+            <pc:sldMk cId="3195845532" sldId="257"/>
+            <ac:spMk id="35" creationId="{87A82306-C398-4241-A7C0-43E625F86950}"/>
+          </ac:spMkLst>
+        </pc:spChg>
+        <pc:spChg chg="add del">
+          <ac:chgData name="林子堯" userId="e016bb37-1c06-4e3b-830b-ac9b1feb09b3" providerId="ADAL" clId="{EF0640D9-2E2E-4987-8E32-D77700C7C8B4}" dt="2020-11-16T07:15:10.195" v="40"/>
+          <ac:spMkLst>
+            <pc:docMk/>
+            <pc:sldMk cId="3195845532" sldId="257"/>
+            <ac:spMk id="36" creationId="{15809C1D-E5D9-4393-82F7-A42ABE45AE7C}"/>
+          </ac:spMkLst>
+        </pc:spChg>
+        <pc:spChg chg="add del">
+          <ac:chgData name="林子堯" userId="e016bb37-1c06-4e3b-830b-ac9b1feb09b3" providerId="ADAL" clId="{EF0640D9-2E2E-4987-8E32-D77700C7C8B4}" dt="2020-11-16T07:15:10.195" v="40"/>
+          <ac:spMkLst>
+            <pc:docMk/>
+            <pc:sldMk cId="3195845532" sldId="257"/>
+            <ac:spMk id="37" creationId="{2EC20FCD-A070-4E31-83E1-F4D06B9F6AFC}"/>
+          </ac:spMkLst>
+        </pc:spChg>
+        <pc:spChg chg="add del">
+          <ac:chgData name="林子堯" userId="e016bb37-1c06-4e3b-830b-ac9b1feb09b3" providerId="ADAL" clId="{EF0640D9-2E2E-4987-8E32-D77700C7C8B4}" dt="2020-11-16T07:15:10.195" v="40"/>
+          <ac:spMkLst>
+            <pc:docMk/>
+            <pc:sldMk cId="3195845532" sldId="257"/>
+            <ac:spMk id="38" creationId="{78D007BE-A608-449C-91E9-6AA201D18C6C}"/>
+          </ac:spMkLst>
+        </pc:spChg>
+        <pc:spChg chg="add del">
+          <ac:chgData name="林子堯" userId="e016bb37-1c06-4e3b-830b-ac9b1feb09b3" providerId="ADAL" clId="{EF0640D9-2E2E-4987-8E32-D77700C7C8B4}" dt="2020-11-16T07:15:10.195" v="40"/>
+          <ac:spMkLst>
+            <pc:docMk/>
+            <pc:sldMk cId="3195845532" sldId="257"/>
+            <ac:spMk id="40" creationId="{9C463CC7-618F-45D3-9D04-AF9C19C2F4D0}"/>
+          </ac:spMkLst>
+        </pc:spChg>
+        <pc:spChg chg="add del">
+          <ac:chgData name="林子堯" userId="e016bb37-1c06-4e3b-830b-ac9b1feb09b3" providerId="ADAL" clId="{EF0640D9-2E2E-4987-8E32-D77700C7C8B4}" dt="2020-11-16T07:15:10.195" v="40"/>
+          <ac:spMkLst>
+            <pc:docMk/>
+            <pc:sldMk cId="3195845532" sldId="257"/>
+            <ac:spMk id="41" creationId="{FA1B0986-98BF-485C-81FE-969A261B988C}"/>
+          </ac:spMkLst>
+        </pc:spChg>
+        <pc:spChg chg="add del">
+          <ac:chgData name="林子堯" userId="e016bb37-1c06-4e3b-830b-ac9b1feb09b3" providerId="ADAL" clId="{EF0640D9-2E2E-4987-8E32-D77700C7C8B4}" dt="2020-11-16T07:15:10.195" v="40"/>
+          <ac:spMkLst>
+            <pc:docMk/>
+            <pc:sldMk cId="3195845532" sldId="257"/>
+            <ac:spMk id="42" creationId="{A95FC638-B7BB-44D7-840C-FF05ABB6FE7E}"/>
+          </ac:spMkLst>
+        </pc:spChg>
+        <pc:spChg chg="add del">
+          <ac:chgData name="林子堯" userId="e016bb37-1c06-4e3b-830b-ac9b1feb09b3" providerId="ADAL" clId="{EF0640D9-2E2E-4987-8E32-D77700C7C8B4}" dt="2020-11-16T07:15:10.195" v="40"/>
+          <ac:spMkLst>
+            <pc:docMk/>
+            <pc:sldMk cId="3195845532" sldId="257"/>
+            <ac:spMk id="43" creationId="{E2B157D1-EF6F-449B-AEF7-39E4821E2372}"/>
+          </ac:spMkLst>
+        </pc:spChg>
+        <pc:spChg chg="add del">
+          <ac:chgData name="林子堯" userId="e016bb37-1c06-4e3b-830b-ac9b1feb09b3" providerId="ADAL" clId="{EF0640D9-2E2E-4987-8E32-D77700C7C8B4}" dt="2020-11-16T07:15:10.195" v="40"/>
+          <ac:spMkLst>
+            <pc:docMk/>
+            <pc:sldMk cId="3195845532" sldId="257"/>
+            <ac:spMk id="44" creationId="{19F50845-A7B7-4BB6-B7F7-C36765EF5D96}"/>
+          </ac:spMkLst>
+        </pc:spChg>
+        <pc:spChg chg="add del">
+          <ac:chgData name="林子堯" userId="e016bb37-1c06-4e3b-830b-ac9b1feb09b3" providerId="ADAL" clId="{EF0640D9-2E2E-4987-8E32-D77700C7C8B4}" dt="2020-11-16T07:15:10.195" v="40"/>
+          <ac:spMkLst>
+            <pc:docMk/>
+            <pc:sldMk cId="3195845532" sldId="257"/>
+            <ac:spMk id="45" creationId="{6111F72F-0C45-4547-9314-55B20DBC5B3D}"/>
+          </ac:spMkLst>
+        </pc:spChg>
+        <pc:spChg chg="add del">
+          <ac:chgData name="林子堯" userId="e016bb37-1c06-4e3b-830b-ac9b1feb09b3" providerId="ADAL" clId="{EF0640D9-2E2E-4987-8E32-D77700C7C8B4}" dt="2020-11-16T07:15:10.195" v="40"/>
+          <ac:spMkLst>
+            <pc:docMk/>
+            <pc:sldMk cId="3195845532" sldId="257"/>
+            <ac:spMk id="46" creationId="{56286E06-A4C6-4F94-B8CF-26CFFEC5BF29}"/>
+          </ac:spMkLst>
+        </pc:spChg>
+        <pc:graphicFrameChg chg="add del">
+          <ac:chgData name="林子堯" userId="e016bb37-1c06-4e3b-830b-ac9b1feb09b3" providerId="ADAL" clId="{EF0640D9-2E2E-4987-8E32-D77700C7C8B4}" dt="2020-11-16T07:15:10.195" v="40"/>
+          <ac:graphicFrameMkLst>
+            <pc:docMk/>
+            <pc:sldMk cId="3195845532" sldId="257"/>
+            <ac:graphicFrameMk id="23" creationId="{905A5F1C-6745-44B8-953B-098BF7436BD2}"/>
+          </ac:graphicFrameMkLst>
+        </pc:graphicFrameChg>
+        <pc:picChg chg="add mod modCrop">
+          <ac:chgData name="林子堯" userId="e016bb37-1c06-4e3b-830b-ac9b1feb09b3" providerId="ADAL" clId="{EF0640D9-2E2E-4987-8E32-D77700C7C8B4}" dt="2020-11-16T07:18:03.173" v="44" actId="732"/>
+          <ac:picMkLst>
+            <pc:docMk/>
+            <pc:sldMk cId="3195845532" sldId="257"/>
+            <ac:picMk id="2" creationId="{2F5891F8-EE6E-4BDC-867B-C110706B290A}"/>
+          </ac:picMkLst>
+        </pc:picChg>
+        <pc:picChg chg="del">
+          <ac:chgData name="林子堯" userId="e016bb37-1c06-4e3b-830b-ac9b1feb09b3" providerId="ADAL" clId="{EF0640D9-2E2E-4987-8E32-D77700C7C8B4}" dt="2020-11-16T07:15:06.292" v="36" actId="478"/>
+          <ac:picMkLst>
+            <pc:docMk/>
+            <pc:sldMk cId="3195845532" sldId="257"/>
+            <ac:picMk id="137" creationId="{DC878D2B-5DC4-42BC-976E-9BC2C11CB6A6}"/>
+          </ac:picMkLst>
+        </pc:picChg>
+        <pc:cxnChg chg="add del">
+          <ac:chgData name="林子堯" userId="e016bb37-1c06-4e3b-830b-ac9b1feb09b3" providerId="ADAL" clId="{EF0640D9-2E2E-4987-8E32-D77700C7C8B4}" dt="2020-11-16T07:15:10.195" v="40"/>
+          <ac:cxnSpMkLst>
+            <pc:docMk/>
+            <pc:sldMk cId="3195845532" sldId="257"/>
+            <ac:cxnSpMk id="7" creationId="{EA88A774-E6F0-4F84-8FE6-3B1CC4BA1A78}"/>
+          </ac:cxnSpMkLst>
+        </pc:cxnChg>
+        <pc:cxnChg chg="add del">
+          <ac:chgData name="林子堯" userId="e016bb37-1c06-4e3b-830b-ac9b1feb09b3" providerId="ADAL" clId="{EF0640D9-2E2E-4987-8E32-D77700C7C8B4}" dt="2020-11-16T07:15:10.195" v="40"/>
+          <ac:cxnSpMkLst>
+            <pc:docMk/>
+            <pc:sldMk cId="3195845532" sldId="257"/>
+            <ac:cxnSpMk id="12" creationId="{F5AB022D-3143-4B4C-8335-288F483F7288}"/>
+          </ac:cxnSpMkLst>
+        </pc:cxnChg>
+        <pc:cxnChg chg="add del">
+          <ac:chgData name="林子堯" userId="e016bb37-1c06-4e3b-830b-ac9b1feb09b3" providerId="ADAL" clId="{EF0640D9-2E2E-4987-8E32-D77700C7C8B4}" dt="2020-11-16T07:15:10.195" v="40"/>
+          <ac:cxnSpMkLst>
+            <pc:docMk/>
+            <pc:sldMk cId="3195845532" sldId="257"/>
+            <ac:cxnSpMk id="13" creationId="{7E929302-58A0-4313-8051-29266916CB23}"/>
+          </ac:cxnSpMkLst>
+        </pc:cxnChg>
+        <pc:cxnChg chg="add del">
+          <ac:chgData name="林子堯" userId="e016bb37-1c06-4e3b-830b-ac9b1feb09b3" providerId="ADAL" clId="{EF0640D9-2E2E-4987-8E32-D77700C7C8B4}" dt="2020-11-16T07:15:10.195" v="40"/>
+          <ac:cxnSpMkLst>
+            <pc:docMk/>
+            <pc:sldMk cId="3195845532" sldId="257"/>
+            <ac:cxnSpMk id="14" creationId="{3175424A-BA3C-4E8C-A2CC-466805536CFA}"/>
+          </ac:cxnSpMkLst>
+        </pc:cxnChg>
+        <pc:cxnChg chg="add del">
+          <ac:chgData name="林子堯" userId="e016bb37-1c06-4e3b-830b-ac9b1feb09b3" providerId="ADAL" clId="{EF0640D9-2E2E-4987-8E32-D77700C7C8B4}" dt="2020-11-16T07:15:10.195" v="40"/>
+          <ac:cxnSpMkLst>
+            <pc:docMk/>
+            <pc:sldMk cId="3195845532" sldId="257"/>
+            <ac:cxnSpMk id="15" creationId="{4A29783E-6944-45D8-9D13-10526ACCA28C}"/>
+          </ac:cxnSpMkLst>
+        </pc:cxnChg>
+        <pc:cxnChg chg="add del">
+          <ac:chgData name="林子堯" userId="e016bb37-1c06-4e3b-830b-ac9b1feb09b3" providerId="ADAL" clId="{EF0640D9-2E2E-4987-8E32-D77700C7C8B4}" dt="2020-11-16T07:15:10.195" v="40"/>
+          <ac:cxnSpMkLst>
+            <pc:docMk/>
+            <pc:sldMk cId="3195845532" sldId="257"/>
+            <ac:cxnSpMk id="16" creationId="{5B697E21-D64E-4C44-80B8-841FDD7CA71C}"/>
+          </ac:cxnSpMkLst>
+        </pc:cxnChg>
+        <pc:cxnChg chg="add del">
+          <ac:chgData name="林子堯" userId="e016bb37-1c06-4e3b-830b-ac9b1feb09b3" providerId="ADAL" clId="{EF0640D9-2E2E-4987-8E32-D77700C7C8B4}" dt="2020-11-16T07:15:10.195" v="40"/>
+          <ac:cxnSpMkLst>
+            <pc:docMk/>
+            <pc:sldMk cId="3195845532" sldId="257"/>
+            <ac:cxnSpMk id="21" creationId="{AD27A0C0-B56E-48FE-8B7B-0EA5C3AE540E}"/>
+          </ac:cxnSpMkLst>
+        </pc:cxnChg>
+        <pc:cxnChg chg="add del">
+          <ac:chgData name="林子堯" userId="e016bb37-1c06-4e3b-830b-ac9b1feb09b3" providerId="ADAL" clId="{EF0640D9-2E2E-4987-8E32-D77700C7C8B4}" dt="2020-11-16T07:15:10.195" v="40"/>
+          <ac:cxnSpMkLst>
+            <pc:docMk/>
+            <pc:sldMk cId="3195845532" sldId="257"/>
+            <ac:cxnSpMk id="22" creationId="{E1416097-6F2D-4BB2-93E5-2977F75F8BBF}"/>
+          </ac:cxnSpMkLst>
+        </pc:cxnChg>
+        <pc:cxnChg chg="add del">
+          <ac:chgData name="林子堯" userId="e016bb37-1c06-4e3b-830b-ac9b1feb09b3" providerId="ADAL" clId="{EF0640D9-2E2E-4987-8E32-D77700C7C8B4}" dt="2020-11-16T07:15:10.195" v="40"/>
+          <ac:cxnSpMkLst>
+            <pc:docMk/>
+            <pc:sldMk cId="3195845532" sldId="257"/>
+            <ac:cxnSpMk id="24" creationId="{1BFD81A4-8E93-4169-AB39-7FACB3409967}"/>
+          </ac:cxnSpMkLst>
+        </pc:cxnChg>
+        <pc:cxnChg chg="add del">
+          <ac:chgData name="林子堯" userId="e016bb37-1c06-4e3b-830b-ac9b1feb09b3" providerId="ADAL" clId="{EF0640D9-2E2E-4987-8E32-D77700C7C8B4}" dt="2020-11-16T07:15:10.195" v="40"/>
+          <ac:cxnSpMkLst>
+            <pc:docMk/>
+            <pc:sldMk cId="3195845532" sldId="257"/>
+            <ac:cxnSpMk id="25" creationId="{10C7D02C-7BA3-4193-ADB6-92330267357A}"/>
+          </ac:cxnSpMkLst>
+        </pc:cxnChg>
+        <pc:cxnChg chg="add del">
+          <ac:chgData name="林子堯" userId="e016bb37-1c06-4e3b-830b-ac9b1feb09b3" providerId="ADAL" clId="{EF0640D9-2E2E-4987-8E32-D77700C7C8B4}" dt="2020-11-16T07:15:10.195" v="40"/>
+          <ac:cxnSpMkLst>
+            <pc:docMk/>
+            <pc:sldMk cId="3195845532" sldId="257"/>
+            <ac:cxnSpMk id="26" creationId="{C9C01A40-6D00-4CBF-A9CC-9D4A5BA8565F}"/>
+          </ac:cxnSpMkLst>
+        </pc:cxnChg>
+        <pc:cxnChg chg="add del">
+          <ac:chgData name="林子堯" userId="e016bb37-1c06-4e3b-830b-ac9b1feb09b3" providerId="ADAL" clId="{EF0640D9-2E2E-4987-8E32-D77700C7C8B4}" dt="2020-11-16T07:15:10.195" v="40"/>
+          <ac:cxnSpMkLst>
+            <pc:docMk/>
+            <pc:sldMk cId="3195845532" sldId="257"/>
+            <ac:cxnSpMk id="27" creationId="{75116A49-7B81-4265-B4B8-C55BA380DCC5}"/>
+          </ac:cxnSpMkLst>
+        </pc:cxnChg>
+        <pc:cxnChg chg="add del">
+          <ac:chgData name="林子堯" userId="e016bb37-1c06-4e3b-830b-ac9b1feb09b3" providerId="ADAL" clId="{EF0640D9-2E2E-4987-8E32-D77700C7C8B4}" dt="2020-11-16T07:15:10.195" v="40"/>
+          <ac:cxnSpMkLst>
+            <pc:docMk/>
+            <pc:sldMk cId="3195845532" sldId="257"/>
+            <ac:cxnSpMk id="28" creationId="{E3A234DE-33A2-4410-A123-1DE57E9C7362}"/>
+          </ac:cxnSpMkLst>
+        </pc:cxnChg>
+        <pc:cxnChg chg="add del">
+          <ac:chgData name="林子堯" userId="e016bb37-1c06-4e3b-830b-ac9b1feb09b3" providerId="ADAL" clId="{EF0640D9-2E2E-4987-8E32-D77700C7C8B4}" dt="2020-11-16T07:15:10.195" v="40"/>
+          <ac:cxnSpMkLst>
+            <pc:docMk/>
+            <pc:sldMk cId="3195845532" sldId="257"/>
+            <ac:cxnSpMk id="29" creationId="{7144854B-1BFE-4C8C-A47D-C17BE678E061}"/>
+          </ac:cxnSpMkLst>
+        </pc:cxnChg>
+        <pc:cxnChg chg="add del">
+          <ac:chgData name="林子堯" userId="e016bb37-1c06-4e3b-830b-ac9b1feb09b3" providerId="ADAL" clId="{EF0640D9-2E2E-4987-8E32-D77700C7C8B4}" dt="2020-11-16T07:15:10.195" v="40"/>
+          <ac:cxnSpMkLst>
+            <pc:docMk/>
+            <pc:sldMk cId="3195845532" sldId="257"/>
+            <ac:cxnSpMk id="30" creationId="{496C1300-2CD3-4B2D-8088-A973E4DC4EC2}"/>
+          </ac:cxnSpMkLst>
+        </pc:cxnChg>
+        <pc:cxnChg chg="add del">
+          <ac:chgData name="林子堯" userId="e016bb37-1c06-4e3b-830b-ac9b1feb09b3" providerId="ADAL" clId="{EF0640D9-2E2E-4987-8E32-D77700C7C8B4}" dt="2020-11-16T07:15:10.195" v="40"/>
+          <ac:cxnSpMkLst>
+            <pc:docMk/>
+            <pc:sldMk cId="3195845532" sldId="257"/>
+            <ac:cxnSpMk id="31" creationId="{8B847BC8-953F-4117-9EE6-5DBFB39544CA}"/>
+          </ac:cxnSpMkLst>
+        </pc:cxnChg>
+        <pc:cxnChg chg="add del">
+          <ac:chgData name="林子堯" userId="e016bb37-1c06-4e3b-830b-ac9b1feb09b3" providerId="ADAL" clId="{EF0640D9-2E2E-4987-8E32-D77700C7C8B4}" dt="2020-11-16T07:15:10.195" v="40"/>
+          <ac:cxnSpMkLst>
+            <pc:docMk/>
+            <pc:sldMk cId="3195845532" sldId="257"/>
+            <ac:cxnSpMk id="39" creationId="{6A85F700-3B24-4A32-B116-E6953552C28E}"/>
+          </ac:cxnSpMkLst>
+        </pc:cxnChg>
+      </pc:sldChg>
+    </pc:docChg>
+  </pc:docChgLst>
+  <pc:docChgLst>
+    <pc:chgData name="林子堯" userId="e016bb37-1c06-4e3b-830b-ac9b1feb09b3" providerId="ADAL" clId="{C446D0E7-2E72-4F88-9CDC-8AA1B0B53550}"/>
+    <pc:docChg chg="undo custSel addSld modSld">
+      <pc:chgData name="林子堯" userId="e016bb37-1c06-4e3b-830b-ac9b1feb09b3" providerId="ADAL" clId="{C446D0E7-2E72-4F88-9CDC-8AA1B0B53550}" dt="2020-11-16T03:44:48.860" v="162" actId="1076"/>
+      <pc:docMkLst>
+        <pc:docMk/>
+      </pc:docMkLst>
+      <pc:sldChg chg="addSp delSp modSp">
+        <pc:chgData name="林子堯" userId="e016bb37-1c06-4e3b-830b-ac9b1feb09b3" providerId="ADAL" clId="{C446D0E7-2E72-4F88-9CDC-8AA1B0B53550}" dt="2020-11-16T03:35:45.231" v="37" actId="164"/>
+        <pc:sldMkLst>
+          <pc:docMk/>
+          <pc:sldMk cId="2282122360" sldId="261"/>
+        </pc:sldMkLst>
+        <pc:grpChg chg="add mod">
+          <ac:chgData name="林子堯" userId="e016bb37-1c06-4e3b-830b-ac9b1feb09b3" providerId="ADAL" clId="{C446D0E7-2E72-4F88-9CDC-8AA1B0B53550}" dt="2020-11-16T03:35:45.231" v="37" actId="164"/>
+          <ac:grpSpMkLst>
+            <pc:docMk/>
+            <pc:sldMk cId="2282122360" sldId="261"/>
+            <ac:grpSpMk id="2" creationId="{E56B9D3A-6517-4D58-996C-043A1B1CB1D9}"/>
+          </ac:grpSpMkLst>
+        </pc:grpChg>
+        <pc:grpChg chg="del mod">
+          <ac:chgData name="林子堯" userId="e016bb37-1c06-4e3b-830b-ac9b1feb09b3" providerId="ADAL" clId="{C446D0E7-2E72-4F88-9CDC-8AA1B0B53550}" dt="2020-11-16T03:33:19.368" v="14" actId="478"/>
+          <ac:grpSpMkLst>
+            <pc:docMk/>
+            <pc:sldMk cId="2282122360" sldId="261"/>
+            <ac:grpSpMk id="9" creationId="{12C9CA27-9DE1-4506-AEE2-AB9EDDE58F96}"/>
+          </ac:grpSpMkLst>
+        </pc:grpChg>
+        <pc:grpChg chg="add mod">
+          <ac:chgData name="林子堯" userId="e016bb37-1c06-4e3b-830b-ac9b1feb09b3" providerId="ADAL" clId="{C446D0E7-2E72-4F88-9CDC-8AA1B0B53550}" dt="2020-11-16T03:35:45.231" v="37" actId="164"/>
+          <ac:grpSpMkLst>
+            <pc:docMk/>
+            <pc:sldMk cId="2282122360" sldId="261"/>
+            <ac:grpSpMk id="10" creationId="{74588983-64D1-4987-93C0-8BD3C720C271}"/>
+          </ac:grpSpMkLst>
+        </pc:grpChg>
+        <pc:picChg chg="mod ord">
+          <ac:chgData name="林子堯" userId="e016bb37-1c06-4e3b-830b-ac9b1feb09b3" providerId="ADAL" clId="{C446D0E7-2E72-4F88-9CDC-8AA1B0B53550}" dt="2020-11-16T03:35:45.231" v="37" actId="164"/>
+          <ac:picMkLst>
+            <pc:docMk/>
+            <pc:sldMk cId="2282122360" sldId="261"/>
+            <ac:picMk id="4" creationId="{E0275F74-28C3-4D80-A135-1F8982037737}"/>
+          </ac:picMkLst>
+        </pc:picChg>
+        <pc:picChg chg="mod">
+          <ac:chgData name="林子堯" userId="e016bb37-1c06-4e3b-830b-ac9b1feb09b3" providerId="ADAL" clId="{C446D0E7-2E72-4F88-9CDC-8AA1B0B53550}" dt="2020-11-16T03:35:45.231" v="37" actId="164"/>
+          <ac:picMkLst>
+            <pc:docMk/>
+            <pc:sldMk cId="2282122360" sldId="261"/>
+            <ac:picMk id="6" creationId="{34503489-285D-4B30-9B97-BF602EEAE7D3}"/>
+          </ac:picMkLst>
+        </pc:picChg>
+      </pc:sldChg>
+      <pc:sldChg chg="addSp delSp modSp">
+        <pc:chgData name="林子堯" userId="e016bb37-1c06-4e3b-830b-ac9b1feb09b3" providerId="ADAL" clId="{C446D0E7-2E72-4F88-9CDC-8AA1B0B53550}" dt="2020-11-16T03:44:48.860" v="162" actId="1076"/>
+        <pc:sldMkLst>
+          <pc:docMk/>
+          <pc:sldMk cId="2742104044" sldId="263"/>
+        </pc:sldMkLst>
+        <pc:grpChg chg="add del mod topLvl">
+          <ac:chgData name="林子堯" userId="e016bb37-1c06-4e3b-830b-ac9b1feb09b3" providerId="ADAL" clId="{C446D0E7-2E72-4F88-9CDC-8AA1B0B53550}" dt="2020-11-16T03:43:19.021" v="145" actId="165"/>
+          <ac:grpSpMkLst>
+            <pc:docMk/>
+            <pc:sldMk cId="2742104044" sldId="263"/>
+            <ac:grpSpMk id="2" creationId="{743ED90F-EA87-4B06-9E81-9A3D130E2D10}"/>
+          </ac:grpSpMkLst>
+        </pc:grpChg>
+        <pc:grpChg chg="add del mod">
+          <ac:chgData name="林子堯" userId="e016bb37-1c06-4e3b-830b-ac9b1feb09b3" providerId="ADAL" clId="{C446D0E7-2E72-4F88-9CDC-8AA1B0B53550}" dt="2020-11-16T03:42:33.598" v="140" actId="165"/>
+          <ac:grpSpMkLst>
+            <pc:docMk/>
+            <pc:sldMk cId="2742104044" sldId="263"/>
+            <ac:grpSpMk id="4" creationId="{74967731-962A-4B8D-A979-5C4859648C5D}"/>
+          </ac:grpSpMkLst>
+        </pc:grpChg>
+        <pc:grpChg chg="add mod">
+          <ac:chgData name="林子堯" userId="e016bb37-1c06-4e3b-830b-ac9b1feb09b3" providerId="ADAL" clId="{C446D0E7-2E72-4F88-9CDC-8AA1B0B53550}" dt="2020-11-16T03:44:28.549" v="153" actId="164"/>
+          <ac:grpSpMkLst>
+            <pc:docMk/>
+            <pc:sldMk cId="2742104044" sldId="263"/>
+            <ac:grpSpMk id="6" creationId="{CC3D4846-291E-494D-8553-F70EA087D8A4}"/>
+          </ac:grpSpMkLst>
+        </pc:grpChg>
+        <pc:grpChg chg="add mod">
+          <ac:chgData name="林子堯" userId="e016bb37-1c06-4e3b-830b-ac9b1feb09b3" providerId="ADAL" clId="{C446D0E7-2E72-4F88-9CDC-8AA1B0B53550}" dt="2020-11-16T03:44:29.773" v="154" actId="164"/>
+          <ac:grpSpMkLst>
+            <pc:docMk/>
+            <pc:sldMk cId="2742104044" sldId="263"/>
+            <ac:grpSpMk id="7" creationId="{6E411A00-7F4B-40BE-BFD6-EEE62ADDFF17}"/>
+          </ac:grpSpMkLst>
+        </pc:grpChg>
+        <pc:grpChg chg="add mod">
+          <ac:chgData name="林子堯" userId="e016bb37-1c06-4e3b-830b-ac9b1feb09b3" providerId="ADAL" clId="{C446D0E7-2E72-4F88-9CDC-8AA1B0B53550}" dt="2020-11-16T03:44:29.773" v="154" actId="164"/>
+          <ac:grpSpMkLst>
+            <pc:docMk/>
+            <pc:sldMk cId="2742104044" sldId="263"/>
+            <ac:grpSpMk id="8" creationId="{F4A47285-E2C2-4688-AF6C-1557D80EFCF1}"/>
+          </ac:grpSpMkLst>
+        </pc:grpChg>
+        <pc:grpChg chg="add del mod">
+          <ac:chgData name="林子堯" userId="e016bb37-1c06-4e3b-830b-ac9b1feb09b3" providerId="ADAL" clId="{C446D0E7-2E72-4F88-9CDC-8AA1B0B53550}" dt="2020-11-16T03:44:44.013" v="158"/>
+          <ac:grpSpMkLst>
+            <pc:docMk/>
+            <pc:sldMk cId="2742104044" sldId="263"/>
+            <ac:grpSpMk id="18" creationId="{0D00FE7F-2A14-4680-86C1-32C25020B547}"/>
+          </ac:grpSpMkLst>
+        </pc:grpChg>
+        <pc:grpChg chg="mod">
+          <ac:chgData name="林子堯" userId="e016bb37-1c06-4e3b-830b-ac9b1feb09b3" providerId="ADAL" clId="{C446D0E7-2E72-4F88-9CDC-8AA1B0B53550}" dt="2020-11-16T03:44:38.288" v="155"/>
+          <ac:grpSpMkLst>
+            <pc:docMk/>
+            <pc:sldMk cId="2742104044" sldId="263"/>
+            <ac:grpSpMk id="19" creationId="{8254A6AB-1492-4B3C-A90D-8047EADF0817}"/>
+          </ac:grpSpMkLst>
+        </pc:grpChg>
+        <pc:grpChg chg="mod topLvl">
+          <ac:chgData name="林子堯" userId="e016bb37-1c06-4e3b-830b-ac9b1feb09b3" providerId="ADAL" clId="{C446D0E7-2E72-4F88-9CDC-8AA1B0B53550}" dt="2020-11-16T03:43:26.278" v="147" actId="164"/>
+          <ac:grpSpMkLst>
+            <pc:docMk/>
+            <pc:sldMk cId="2742104044" sldId="263"/>
+            <ac:grpSpMk id="20" creationId="{6E2A5CF7-716C-44C9-BA6B-F9ED245B2644}"/>
+          </ac:grpSpMkLst>
+        </pc:grpChg>
+        <pc:grpChg chg="del mod topLvl">
+          <ac:chgData name="林子堯" userId="e016bb37-1c06-4e3b-830b-ac9b1feb09b3" providerId="ADAL" clId="{C446D0E7-2E72-4F88-9CDC-8AA1B0B53550}" dt="2020-11-16T03:43:21.445" v="146" actId="165"/>
+          <ac:grpSpMkLst>
+            <pc:docMk/>
+            <pc:sldMk cId="2742104044" sldId="263"/>
+            <ac:grpSpMk id="21" creationId="{3B128A92-23D7-4ABC-80EF-1E32E18E753E}"/>
+          </ac:grpSpMkLst>
+        </pc:grpChg>
+        <pc:grpChg chg="mod topLvl">
+          <ac:chgData name="林子堯" userId="e016bb37-1c06-4e3b-830b-ac9b1feb09b3" providerId="ADAL" clId="{C446D0E7-2E72-4F88-9CDC-8AA1B0B53550}" dt="2020-11-16T03:44:29.773" v="154" actId="164"/>
+          <ac:grpSpMkLst>
+            <pc:docMk/>
+            <pc:sldMk cId="2742104044" sldId="263"/>
+            <ac:grpSpMk id="22" creationId="{F1A45991-7416-4C66-B613-B2F5391EC2E2}"/>
+          </ac:grpSpMkLst>
+        </pc:grpChg>
+        <pc:grpChg chg="del mod">
+          <ac:chgData name="林子堯" userId="e016bb37-1c06-4e3b-830b-ac9b1feb09b3" providerId="ADAL" clId="{C446D0E7-2E72-4F88-9CDC-8AA1B0B53550}" dt="2020-11-16T03:41:58.671" v="131" actId="165"/>
+          <ac:grpSpMkLst>
+            <pc:docMk/>
+            <pc:sldMk cId="2742104044" sldId="263"/>
+            <ac:grpSpMk id="23" creationId="{A3255BFA-C9E7-4045-A4A6-740DC5338947}"/>
+          </ac:grpSpMkLst>
+        </pc:grpChg>
+        <pc:grpChg chg="mod">
+          <ac:chgData name="林子堯" userId="e016bb37-1c06-4e3b-830b-ac9b1feb09b3" providerId="ADAL" clId="{C446D0E7-2E72-4F88-9CDC-8AA1B0B53550}" dt="2020-11-16T03:44:38.288" v="155"/>
+          <ac:grpSpMkLst>
+            <pc:docMk/>
+            <pc:sldMk cId="2742104044" sldId="263"/>
+            <ac:grpSpMk id="24" creationId="{800412DE-1093-4E41-97F7-B7F04831B749}"/>
+          </ac:grpSpMkLst>
+        </pc:grpChg>
+        <pc:grpChg chg="mod">
+          <ac:chgData name="林子堯" userId="e016bb37-1c06-4e3b-830b-ac9b1feb09b3" providerId="ADAL" clId="{C446D0E7-2E72-4F88-9CDC-8AA1B0B53550}" dt="2020-11-16T03:44:38.288" v="155"/>
+          <ac:grpSpMkLst>
+            <pc:docMk/>
+            <pc:sldMk cId="2742104044" sldId="263"/>
+            <ac:grpSpMk id="26" creationId="{0D5EE4AD-108C-4069-BD6D-40E644A492E4}"/>
+          </ac:grpSpMkLst>
+        </pc:grpChg>
+        <pc:grpChg chg="mod">
+          <ac:chgData name="林子堯" userId="e016bb37-1c06-4e3b-830b-ac9b1feb09b3" providerId="ADAL" clId="{C446D0E7-2E72-4F88-9CDC-8AA1B0B53550}" dt="2020-11-16T03:44:38.288" v="155"/>
+          <ac:grpSpMkLst>
+            <pc:docMk/>
+            <pc:sldMk cId="2742104044" sldId="263"/>
+            <ac:grpSpMk id="27" creationId="{862FD2DB-64B2-483B-944C-DA5DD87E4CE9}"/>
+          </ac:grpSpMkLst>
+        </pc:grpChg>
+        <pc:grpChg chg="add del mod">
+          <ac:chgData name="林子堯" userId="e016bb37-1c06-4e3b-830b-ac9b1feb09b3" providerId="ADAL" clId="{C446D0E7-2E72-4F88-9CDC-8AA1B0B53550}" dt="2020-11-16T03:44:47.387" v="160"/>
+          <ac:grpSpMkLst>
+            <pc:docMk/>
+            <pc:sldMk cId="2742104044" sldId="263"/>
+            <ac:grpSpMk id="33" creationId="{0CD54CDD-BDCD-4366-89B5-17EAEDBB84F6}"/>
+          </ac:grpSpMkLst>
+        </pc:grpChg>
+        <pc:grpChg chg="mod">
+          <ac:chgData name="林子堯" userId="e016bb37-1c06-4e3b-830b-ac9b1feb09b3" providerId="ADAL" clId="{C446D0E7-2E72-4F88-9CDC-8AA1B0B53550}" dt="2020-11-16T03:44:45.319" v="159"/>
+          <ac:grpSpMkLst>
+            <pc:docMk/>
+            <pc:sldMk cId="2742104044" sldId="263"/>
+            <ac:grpSpMk id="34" creationId="{9C2463D9-4925-41BE-B66B-ADB3C6E2B8AF}"/>
+          </ac:grpSpMkLst>
+        </pc:grpChg>
+        <pc:grpChg chg="mod">
+          <ac:chgData name="林子堯" userId="e016bb37-1c06-4e3b-830b-ac9b1feb09b3" providerId="ADAL" clId="{C446D0E7-2E72-4F88-9CDC-8AA1B0B53550}" dt="2020-11-16T03:44:45.319" v="159"/>
+          <ac:grpSpMkLst>
+            <pc:docMk/>
+            <pc:sldMk cId="2742104044" sldId="263"/>
+            <ac:grpSpMk id="35" creationId="{20E873DC-976D-47E1-9612-9AD540711CD8}"/>
+          </ac:grpSpMkLst>
+        </pc:grpChg>
+        <pc:grpChg chg="mod">
+          <ac:chgData name="林子堯" userId="e016bb37-1c06-4e3b-830b-ac9b1feb09b3" providerId="ADAL" clId="{C446D0E7-2E72-4F88-9CDC-8AA1B0B53550}" dt="2020-11-16T03:44:45.319" v="159"/>
+          <ac:grpSpMkLst>
+            <pc:docMk/>
+            <pc:sldMk cId="2742104044" sldId="263"/>
+            <ac:grpSpMk id="37" creationId="{8952495C-48B8-41E6-AC77-67F85729C99D}"/>
+          </ac:grpSpMkLst>
+        </pc:grpChg>
+        <pc:grpChg chg="mod">
+          <ac:chgData name="林子堯" userId="e016bb37-1c06-4e3b-830b-ac9b1feb09b3" providerId="ADAL" clId="{C446D0E7-2E72-4F88-9CDC-8AA1B0B53550}" dt="2020-11-16T03:44:45.319" v="159"/>
+          <ac:grpSpMkLst>
+            <pc:docMk/>
+            <pc:sldMk cId="2742104044" sldId="263"/>
+            <ac:grpSpMk id="38" creationId="{67ECFBEC-D450-4E01-B809-9AB6A1C6FFA9}"/>
+          </ac:grpSpMkLst>
+        </pc:grpChg>
+        <pc:picChg chg="add mod">
+          <ac:chgData name="林子堯" userId="e016bb37-1c06-4e3b-830b-ac9b1feb09b3" providerId="ADAL" clId="{C446D0E7-2E72-4F88-9CDC-8AA1B0B53550}" dt="2020-11-16T03:44:48.860" v="162" actId="1076"/>
+          <ac:picMkLst>
+            <pc:docMk/>
+            <pc:sldMk cId="2742104044" sldId="263"/>
+            <ac:picMk id="9" creationId="{A52B1435-54FA-47EE-B088-DAB4CA6BDF99}"/>
+          </ac:picMkLst>
+        </pc:picChg>
+        <pc:picChg chg="add mod topLvl">
+          <ac:chgData name="林子堯" userId="e016bb37-1c06-4e3b-830b-ac9b1feb09b3" providerId="ADAL" clId="{C446D0E7-2E72-4F88-9CDC-8AA1B0B53550}" dt="2020-11-16T03:43:26.278" v="147" actId="164"/>
+          <ac:picMkLst>
+            <pc:docMk/>
+            <pc:sldMk cId="2742104044" sldId="263"/>
+            <ac:picMk id="11" creationId="{56EF393E-FBB4-4CA0-86C6-C80C6D67565B}"/>
+          </ac:picMkLst>
+        </pc:picChg>
+        <pc:picChg chg="mod topLvl">
+          <ac:chgData name="林子堯" userId="e016bb37-1c06-4e3b-830b-ac9b1feb09b3" providerId="ADAL" clId="{C446D0E7-2E72-4F88-9CDC-8AA1B0B53550}" dt="2020-11-16T03:44:28.549" v="153" actId="164"/>
+          <ac:picMkLst>
+            <pc:docMk/>
+            <pc:sldMk cId="2742104044" sldId="263"/>
+            <ac:picMk id="15" creationId="{CABB5FB5-8149-4F69-840E-F8C621E529D5}"/>
+          </ac:picMkLst>
+        </pc:picChg>
+      </pc:sldChg>
+      <pc:sldChg chg="addSp modSp add">
+        <pc:chgData name="林子堯" userId="e016bb37-1c06-4e3b-830b-ac9b1feb09b3" providerId="ADAL" clId="{C446D0E7-2E72-4F88-9CDC-8AA1B0B53550}" dt="2020-11-16T03:41:37.405" v="125" actId="732"/>
+        <pc:sldMkLst>
+          <pc:docMk/>
+          <pc:sldMk cId="1703594803" sldId="265"/>
+        </pc:sldMkLst>
+        <pc:grpChg chg="add mod">
+          <ac:chgData name="林子堯" userId="e016bb37-1c06-4e3b-830b-ac9b1feb09b3" providerId="ADAL" clId="{C446D0E7-2E72-4F88-9CDC-8AA1B0B53550}" dt="2020-11-16T03:35:23.855" v="33" actId="164"/>
+          <ac:grpSpMkLst>
+            <pc:docMk/>
+            <pc:sldMk cId="1703594803" sldId="265"/>
+            <ac:grpSpMk id="5" creationId="{36987F93-2F9D-4487-8167-EFB646EFE812}"/>
+          </ac:grpSpMkLst>
+        </pc:grpChg>
+        <pc:picChg chg="add mod ord modCrop">
+          <ac:chgData name="林子堯" userId="e016bb37-1c06-4e3b-830b-ac9b1feb09b3" providerId="ADAL" clId="{C446D0E7-2E72-4F88-9CDC-8AA1B0B53550}" dt="2020-11-16T03:35:23.855" v="33" actId="164"/>
+          <ac:picMkLst>
+            <pc:docMk/>
+            <pc:sldMk cId="1703594803" sldId="265"/>
+            <ac:picMk id="3" creationId="{14AA1FCD-4E2D-4FEB-99EE-47F9E404C567}"/>
+          </ac:picMkLst>
+        </pc:picChg>
+        <pc:picChg chg="add mod modCrop">
+          <ac:chgData name="林子堯" userId="e016bb37-1c06-4e3b-830b-ac9b1feb09b3" providerId="ADAL" clId="{C446D0E7-2E72-4F88-9CDC-8AA1B0B53550}" dt="2020-11-16T03:35:23.855" v="33" actId="164"/>
+          <ac:picMkLst>
+            <pc:docMk/>
+            <pc:sldMk cId="1703594803" sldId="265"/>
+            <ac:picMk id="4" creationId="{D1321562-B197-4D4A-BDC1-CB68D5CFE23B}"/>
+          </ac:picMkLst>
+        </pc:picChg>
+        <pc:picChg chg="add mod modCrop">
+          <ac:chgData name="林子堯" userId="e016bb37-1c06-4e3b-830b-ac9b1feb09b3" providerId="ADAL" clId="{C446D0E7-2E72-4F88-9CDC-8AA1B0B53550}" dt="2020-11-16T03:41:37.405" v="125" actId="732"/>
+          <ac:picMkLst>
+            <pc:docMk/>
+            <pc:sldMk cId="1703594803" sldId="265"/>
+            <ac:picMk id="6" creationId="{A239CE27-E1C7-49CF-AC6E-9DCD6FD5089B}"/>
+          </ac:picMkLst>
+        </pc:picChg>
+      </pc:sldChg>
+      <pc:sldChg chg="addSp delSp modSp add">
+        <pc:chgData name="林子堯" userId="e016bb37-1c06-4e3b-830b-ac9b1feb09b3" providerId="ADAL" clId="{C446D0E7-2E72-4F88-9CDC-8AA1B0B53550}" dt="2020-11-16T03:37:11.479" v="50" actId="732"/>
+        <pc:sldMkLst>
+          <pc:docMk/>
+          <pc:sldMk cId="1786552848" sldId="266"/>
+        </pc:sldMkLst>
+        <pc:grpChg chg="add del mod">
+          <ac:chgData name="林子堯" userId="e016bb37-1c06-4e3b-830b-ac9b1feb09b3" providerId="ADAL" clId="{C446D0E7-2E72-4F88-9CDC-8AA1B0B53550}" dt="2020-11-16T03:36:10.344" v="42"/>
+          <ac:grpSpMkLst>
+            <pc:docMk/>
+            <pc:sldMk cId="1786552848" sldId="266"/>
+            <ac:grpSpMk id="2" creationId="{841BEF18-629D-4361-9BCC-7A2AC3D554DA}"/>
+          </ac:grpSpMkLst>
+        </pc:grpChg>
+        <pc:grpChg chg="add del">
+          <ac:chgData name="林子堯" userId="e016bb37-1c06-4e3b-830b-ac9b1feb09b3" providerId="ADAL" clId="{C446D0E7-2E72-4F88-9CDC-8AA1B0B53550}" dt="2020-11-16T03:36:12.938" v="44"/>
+          <ac:grpSpMkLst>
+            <pc:docMk/>
+            <pc:sldMk cId="1786552848" sldId="266"/>
+            <ac:grpSpMk id="8" creationId="{5927EA52-D276-4B24-B29B-2ED2442C0277}"/>
+          </ac:grpSpMkLst>
+        </pc:grpChg>
+        <pc:picChg chg="add mod modCrop">
+          <ac:chgData name="林子堯" userId="e016bb37-1c06-4e3b-830b-ac9b1feb09b3" providerId="ADAL" clId="{C446D0E7-2E72-4F88-9CDC-8AA1B0B53550}" dt="2020-11-16T03:37:11.479" v="50" actId="732"/>
+          <ac:picMkLst>
+            <pc:docMk/>
+            <pc:sldMk cId="1786552848" sldId="266"/>
+            <ac:picMk id="14" creationId="{36758C4F-3350-4BB8-A49B-0414C8BA4F7D}"/>
+          </ac:picMkLst>
+        </pc:picChg>
+      </pc:sldChg>
+      <pc:sldChg chg="addSp delSp modSp add">
+        <pc:chgData name="林子堯" userId="e016bb37-1c06-4e3b-830b-ac9b1feb09b3" providerId="ADAL" clId="{C446D0E7-2E72-4F88-9CDC-8AA1B0B53550}" dt="2020-11-16T03:41:03.595" v="120" actId="1076"/>
+        <pc:sldMkLst>
+          <pc:docMk/>
+          <pc:sldMk cId="4237616290" sldId="267"/>
+        </pc:sldMkLst>
+        <pc:grpChg chg="add del mod">
+          <ac:chgData name="林子堯" userId="e016bb37-1c06-4e3b-830b-ac9b1feb09b3" providerId="ADAL" clId="{C446D0E7-2E72-4F88-9CDC-8AA1B0B53550}" dt="2020-11-16T03:38:03.711" v="59"/>
+          <ac:grpSpMkLst>
+            <pc:docMk/>
+            <pc:sldMk cId="4237616290" sldId="267"/>
+            <ac:grpSpMk id="4" creationId="{174CB021-02F4-4660-A815-43DC857CD08B}"/>
+          </ac:grpSpMkLst>
+        </pc:grpChg>
+        <pc:grpChg chg="add mod">
+          <ac:chgData name="林子堯" userId="e016bb37-1c06-4e3b-830b-ac9b1feb09b3" providerId="ADAL" clId="{C446D0E7-2E72-4F88-9CDC-8AA1B0B53550}" dt="2020-11-16T03:38:01.792" v="57" actId="164"/>
+          <ac:grpSpMkLst>
+            <pc:docMk/>
+            <pc:sldMk cId="4237616290" sldId="267"/>
+            <ac:grpSpMk id="7" creationId="{E7E7AEC8-36CE-43E2-BD66-E190B927FD46}"/>
+          </ac:grpSpMkLst>
+        </pc:grpChg>
+        <pc:grpChg chg="add del">
+          <ac:chgData name="林子堯" userId="e016bb37-1c06-4e3b-830b-ac9b1feb09b3" providerId="ADAL" clId="{C446D0E7-2E72-4F88-9CDC-8AA1B0B53550}" dt="2020-11-16T03:38:11.262" v="69"/>
+          <ac:grpSpMkLst>
+            <pc:docMk/>
+            <pc:sldMk cId="4237616290" sldId="267"/>
+            <ac:grpSpMk id="8" creationId="{C50A7AA2-0B4F-47A3-8936-C47640122D79}"/>
+          </ac:grpSpMkLst>
+        </pc:grpChg>
+        <pc:grpChg chg="add del mod">
+          <ac:chgData name="林子堯" userId="e016bb37-1c06-4e3b-830b-ac9b1feb09b3" providerId="ADAL" clId="{C446D0E7-2E72-4F88-9CDC-8AA1B0B53550}" dt="2020-11-16T03:38:10.935" v="68"/>
+          <ac:grpSpMkLst>
+            <pc:docMk/>
+            <pc:sldMk cId="4237616290" sldId="267"/>
+            <ac:grpSpMk id="11" creationId="{7A37CAFC-C7FD-4E2B-992A-CD360408FBAF}"/>
+          </ac:grpSpMkLst>
+        </pc:grpChg>
+        <pc:grpChg chg="add mod ord">
+          <ac:chgData name="林子堯" userId="e016bb37-1c06-4e3b-830b-ac9b1feb09b3" providerId="ADAL" clId="{C446D0E7-2E72-4F88-9CDC-8AA1B0B53550}" dt="2020-11-16T03:39:34.757" v="80" actId="164"/>
+          <ac:grpSpMkLst>
+            <pc:docMk/>
+            <pc:sldMk cId="4237616290" sldId="267"/>
+            <ac:grpSpMk id="16" creationId="{A0978EE0-DC92-4FDE-ABD8-E9B71CBAF36D}"/>
+          </ac:grpSpMkLst>
+        </pc:grpChg>
+        <pc:grpChg chg="add del mod">
+          <ac:chgData name="林子堯" userId="e016bb37-1c06-4e3b-830b-ac9b1feb09b3" providerId="ADAL" clId="{C446D0E7-2E72-4F88-9CDC-8AA1B0B53550}" dt="2020-11-16T03:40:41.024" v="113" actId="1076"/>
+          <ac:grpSpMkLst>
+            <pc:docMk/>
+            <pc:sldMk cId="4237616290" sldId="267"/>
+            <ac:grpSpMk id="21" creationId="{6483C1EA-8151-475E-9986-42767DAE4811}"/>
+          </ac:grpSpMkLst>
+        </pc:grpChg>
+        <pc:grpChg chg="add del mod">
+          <ac:chgData name="林子堯" userId="e016bb37-1c06-4e3b-830b-ac9b1feb09b3" providerId="ADAL" clId="{C446D0E7-2E72-4F88-9CDC-8AA1B0B53550}" dt="2020-11-16T03:40:13.647" v="96"/>
+          <ac:grpSpMkLst>
+            <pc:docMk/>
+            <pc:sldMk cId="4237616290" sldId="267"/>
+            <ac:grpSpMk id="24" creationId="{FF1A8C16-0D4A-4AA4-8908-6A78DF04CFA8}"/>
+          </ac:grpSpMkLst>
+        </pc:grpChg>
+        <pc:grpChg chg="mod">
+          <ac:chgData name="林子堯" userId="e016bb37-1c06-4e3b-830b-ac9b1feb09b3" providerId="ADAL" clId="{C446D0E7-2E72-4F88-9CDC-8AA1B0B53550}" dt="2020-11-16T03:39:56.146" v="83"/>
+          <ac:grpSpMkLst>
+            <pc:docMk/>
+            <pc:sldMk cId="4237616290" sldId="267"/>
+            <ac:grpSpMk id="26" creationId="{D350949E-272D-4010-B6A1-F69478278AF0}"/>
+          </ac:grpSpMkLst>
+        </pc:grpChg>
+        <pc:grpChg chg="add del mod">
+          <ac:chgData name="林子堯" userId="e016bb37-1c06-4e3b-830b-ac9b1feb09b3" providerId="ADAL" clId="{C446D0E7-2E72-4F88-9CDC-8AA1B0B53550}" dt="2020-11-16T03:40:34.263" v="108"/>
+          <ac:grpSpMkLst>
+            <pc:docMk/>
+            <pc:sldMk cId="4237616290" sldId="267"/>
+            <ac:grpSpMk id="29" creationId="{8DA1ADE7-C5D7-4472-A3A9-A2ADC5EAD5FE}"/>
+          </ac:grpSpMkLst>
+        </pc:grpChg>
+        <pc:grpChg chg="mod">
+          <ac:chgData name="林子堯" userId="e016bb37-1c06-4e3b-830b-ac9b1feb09b3" providerId="ADAL" clId="{C446D0E7-2E72-4F88-9CDC-8AA1B0B53550}" dt="2020-11-16T03:40:26.553" v="103"/>
+          <ac:grpSpMkLst>
+            <pc:docMk/>
+            <pc:sldMk cId="4237616290" sldId="267"/>
+            <ac:grpSpMk id="31" creationId="{EDB7A13F-497A-4C73-B607-4FC3366FDA63}"/>
+          </ac:grpSpMkLst>
+        </pc:grpChg>
+        <pc:grpChg chg="add del mod">
+          <ac:chgData name="林子堯" userId="e016bb37-1c06-4e3b-830b-ac9b1feb09b3" providerId="ADAL" clId="{C446D0E7-2E72-4F88-9CDC-8AA1B0B53550}" dt="2020-11-16T03:40:39.230" v="111" actId="478"/>
+          <ac:grpSpMkLst>
+            <pc:docMk/>
+            <pc:sldMk cId="4237616290" sldId="267"/>
+            <ac:grpSpMk id="34" creationId="{E96C6895-FDFF-4D0B-AB9D-4D879A6F35FF}"/>
+          </ac:grpSpMkLst>
+        </pc:grpChg>
+        <pc:grpChg chg="mod">
+          <ac:chgData name="林子堯" userId="e016bb37-1c06-4e3b-830b-ac9b1feb09b3" providerId="ADAL" clId="{C446D0E7-2E72-4F88-9CDC-8AA1B0B53550}" dt="2020-11-16T03:40:36.654" v="110" actId="571"/>
+          <ac:grpSpMkLst>
+            <pc:docMk/>
+            <pc:sldMk cId="4237616290" sldId="267"/>
+            <ac:grpSpMk id="36" creationId="{775DF9E3-C82E-470F-A04B-184D282C77CD}"/>
+          </ac:grpSpMkLst>
+        </pc:grpChg>
+        <pc:grpChg chg="add del mod">
+          <ac:chgData name="林子堯" userId="e016bb37-1c06-4e3b-830b-ac9b1feb09b3" providerId="ADAL" clId="{C446D0E7-2E72-4F88-9CDC-8AA1B0B53550}" dt="2020-11-16T03:40:46.792" v="115"/>
+          <ac:grpSpMkLst>
+            <pc:docMk/>
+            <pc:sldMk cId="4237616290" sldId="267"/>
+            <ac:grpSpMk id="39" creationId="{95AB8C64-71D6-4306-8CA4-92A0FFC2357B}"/>
+          </ac:grpSpMkLst>
+        </pc:grpChg>
+        <pc:grpChg chg="mod">
+          <ac:chgData name="林子堯" userId="e016bb37-1c06-4e3b-830b-ac9b1feb09b3" providerId="ADAL" clId="{C446D0E7-2E72-4F88-9CDC-8AA1B0B53550}" dt="2020-11-16T03:40:45.233" v="114"/>
+          <ac:grpSpMkLst>
+            <pc:docMk/>
+            <pc:sldMk cId="4237616290" sldId="267"/>
+            <ac:grpSpMk id="41" creationId="{3EAF2523-5CD9-4AC4-82FE-67FC6BA798A8}"/>
+          </ac:grpSpMkLst>
+        </pc:grpChg>
+        <pc:picChg chg="add del mod">
+          <ac:chgData name="林子堯" userId="e016bb37-1c06-4e3b-830b-ac9b1feb09b3" providerId="ADAL" clId="{C446D0E7-2E72-4F88-9CDC-8AA1B0B53550}" dt="2020-11-16T03:38:04.910" v="61"/>
+          <ac:picMkLst>
+            <pc:docMk/>
+            <pc:sldMk cId="4237616290" sldId="267"/>
+            <ac:picMk id="3" creationId="{43696B7E-51FB-4C9D-8D1E-FFB35BAC11BB}"/>
+          </ac:picMkLst>
+        </pc:picChg>
+        <pc:picChg chg="add del mod">
+          <ac:chgData name="林子堯" userId="e016bb37-1c06-4e3b-830b-ac9b1feb09b3" providerId="ADAL" clId="{C446D0E7-2E72-4F88-9CDC-8AA1B0B53550}" dt="2020-11-16T03:38:45.415" v="74" actId="478"/>
+          <ac:picMkLst>
+            <pc:docMk/>
+            <pc:sldMk cId="4237616290" sldId="267"/>
+            <ac:picMk id="15" creationId="{06437A31-FAF2-42BF-9C02-2A5E28169D62}"/>
+          </ac:picMkLst>
+        </pc:picChg>
+        <pc:picChg chg="add mod">
+          <ac:chgData name="林子堯" userId="e016bb37-1c06-4e3b-830b-ac9b1feb09b3" providerId="ADAL" clId="{C446D0E7-2E72-4F88-9CDC-8AA1B0B53550}" dt="2020-11-16T03:39:34.757" v="80" actId="164"/>
+          <ac:picMkLst>
+            <pc:docMk/>
+            <pc:sldMk cId="4237616290" sldId="267"/>
+            <ac:picMk id="20" creationId="{3097646B-9F62-41DC-B1B9-0C1CDABE4948}"/>
+          </ac:picMkLst>
+        </pc:picChg>
+        <pc:picChg chg="add del mod">
+          <ac:chgData name="林子堯" userId="e016bb37-1c06-4e3b-830b-ac9b1feb09b3" providerId="ADAL" clId="{C446D0E7-2E72-4F88-9CDC-8AA1B0B53550}" dt="2020-11-16T03:40:21.854" v="102"/>
+          <ac:picMkLst>
+            <pc:docMk/>
+            <pc:sldMk cId="4237616290" sldId="267"/>
+            <ac:picMk id="23" creationId="{E5A1AD73-6FC9-461E-B3E9-1DB14489D58E}"/>
+          </ac:picMkLst>
+        </pc:picChg>
+        <pc:picChg chg="mod">
+          <ac:chgData name="林子堯" userId="e016bb37-1c06-4e3b-830b-ac9b1feb09b3" providerId="ADAL" clId="{C446D0E7-2E72-4F88-9CDC-8AA1B0B53550}" dt="2020-11-16T03:40:10.664" v="90" actId="1076"/>
+          <ac:picMkLst>
+            <pc:docMk/>
+            <pc:sldMk cId="4237616290" sldId="267"/>
+            <ac:picMk id="25" creationId="{2F5F1852-60AB-402E-9DC9-344F3151E250}"/>
+          </ac:picMkLst>
+        </pc:picChg>
+        <pc:picChg chg="add mod">
+          <ac:chgData name="林子堯" userId="e016bb37-1c06-4e3b-830b-ac9b1feb09b3" providerId="ADAL" clId="{C446D0E7-2E72-4F88-9CDC-8AA1B0B53550}" dt="2020-11-16T03:41:03.595" v="120" actId="1076"/>
+          <ac:picMkLst>
+            <pc:docMk/>
+            <pc:sldMk cId="4237616290" sldId="267"/>
+            <ac:picMk id="44" creationId="{0A94782F-3EBA-442A-9ACD-2B94AE138320}"/>
           </ac:picMkLst>
         </pc:picChg>
       </pc:sldChg>
@@ -1935,7 +2837,7 @@
           <a:p>
             <a:fld id="{1CD85C9A-5BBF-474C-B22E-C950F561911F}" type="datetimeFigureOut">
               <a:rPr lang="zh-TW" altLang="en-US" smtClean="0"/>
-              <a:t>2020/11/15</a:t>
+              <a:t>2020/11/16</a:t>
             </a:fld>
             <a:endParaRPr lang="zh-TW" altLang="en-US"/>
           </a:p>
@@ -2133,7 +3035,7 @@
           <a:p>
             <a:fld id="{1CD85C9A-5BBF-474C-B22E-C950F561911F}" type="datetimeFigureOut">
               <a:rPr lang="zh-TW" altLang="en-US" smtClean="0"/>
-              <a:t>2020/11/15</a:t>
+              <a:t>2020/11/16</a:t>
             </a:fld>
             <a:endParaRPr lang="zh-TW" altLang="en-US"/>
           </a:p>
@@ -2341,7 +3243,7 @@
           <a:p>
             <a:fld id="{1CD85C9A-5BBF-474C-B22E-C950F561911F}" type="datetimeFigureOut">
               <a:rPr lang="zh-TW" altLang="en-US" smtClean="0"/>
-              <a:t>2020/11/15</a:t>
+              <a:t>2020/11/16</a:t>
             </a:fld>
             <a:endParaRPr lang="zh-TW" altLang="en-US"/>
           </a:p>
@@ -2539,7 +3441,7 @@
           <a:p>
             <a:fld id="{1CD85C9A-5BBF-474C-B22E-C950F561911F}" type="datetimeFigureOut">
               <a:rPr lang="zh-TW" altLang="en-US" smtClean="0"/>
-              <a:t>2020/11/15</a:t>
+              <a:t>2020/11/16</a:t>
             </a:fld>
             <a:endParaRPr lang="zh-TW" altLang="en-US"/>
           </a:p>
@@ -2814,7 +3716,7 @@
           <a:p>
             <a:fld id="{1CD85C9A-5BBF-474C-B22E-C950F561911F}" type="datetimeFigureOut">
               <a:rPr lang="zh-TW" altLang="en-US" smtClean="0"/>
-              <a:t>2020/11/15</a:t>
+              <a:t>2020/11/16</a:t>
             </a:fld>
             <a:endParaRPr lang="zh-TW" altLang="en-US"/>
           </a:p>
@@ -3079,7 +3981,7 @@
           <a:p>
             <a:fld id="{1CD85C9A-5BBF-474C-B22E-C950F561911F}" type="datetimeFigureOut">
               <a:rPr lang="zh-TW" altLang="en-US" smtClean="0"/>
-              <a:t>2020/11/15</a:t>
+              <a:t>2020/11/16</a:t>
             </a:fld>
             <a:endParaRPr lang="zh-TW" altLang="en-US"/>
           </a:p>
@@ -3491,7 +4393,7 @@
           <a:p>
             <a:fld id="{1CD85C9A-5BBF-474C-B22E-C950F561911F}" type="datetimeFigureOut">
               <a:rPr lang="zh-TW" altLang="en-US" smtClean="0"/>
-              <a:t>2020/11/15</a:t>
+              <a:t>2020/11/16</a:t>
             </a:fld>
             <a:endParaRPr lang="zh-TW" altLang="en-US"/>
           </a:p>
@@ -3632,7 +4534,7 @@
           <a:p>
             <a:fld id="{1CD85C9A-5BBF-474C-B22E-C950F561911F}" type="datetimeFigureOut">
               <a:rPr lang="zh-TW" altLang="en-US" smtClean="0"/>
-              <a:t>2020/11/15</a:t>
+              <a:t>2020/11/16</a:t>
             </a:fld>
             <a:endParaRPr lang="zh-TW" altLang="en-US"/>
           </a:p>
@@ -3745,7 +4647,7 @@
           <a:p>
             <a:fld id="{1CD85C9A-5BBF-474C-B22E-C950F561911F}" type="datetimeFigureOut">
               <a:rPr lang="zh-TW" altLang="en-US" smtClean="0"/>
-              <a:t>2020/11/15</a:t>
+              <a:t>2020/11/16</a:t>
             </a:fld>
             <a:endParaRPr lang="zh-TW" altLang="en-US"/>
           </a:p>
@@ -4056,7 +4958,7 @@
           <a:p>
             <a:fld id="{1CD85C9A-5BBF-474C-B22E-C950F561911F}" type="datetimeFigureOut">
               <a:rPr lang="zh-TW" altLang="en-US" smtClean="0"/>
-              <a:t>2020/11/15</a:t>
+              <a:t>2020/11/16</a:t>
             </a:fld>
             <a:endParaRPr lang="zh-TW" altLang="en-US"/>
           </a:p>
@@ -4344,7 +5246,7 @@
           <a:p>
             <a:fld id="{1CD85C9A-5BBF-474C-B22E-C950F561911F}" type="datetimeFigureOut">
               <a:rPr lang="zh-TW" altLang="en-US" smtClean="0"/>
-              <a:t>2020/11/15</a:t>
+              <a:t>2020/11/16</a:t>
             </a:fld>
             <a:endParaRPr lang="zh-TW" altLang="en-US"/>
           </a:p>
@@ -4585,7 +5487,7 @@
           <a:p>
             <a:fld id="{1CD85C9A-5BBF-474C-B22E-C950F561911F}" type="datetimeFigureOut">
               <a:rPr lang="zh-TW" altLang="en-US" smtClean="0"/>
-              <a:t>2020/11/15</a:t>
+              <a:t>2020/11/16</a:t>
             </a:fld>
             <a:endParaRPr lang="zh-TW" altLang="en-US"/>
           </a:p>
@@ -5217,6 +6119,521 @@
 </p:sld>
 </file>
 
+<file path=ppt/slides/slide10.xml><?xml version="1.0" encoding="utf-8"?>
+<p:sld xmlns:a="http://schemas.openxmlformats.org/drawingml/2006/main" xmlns:r="http://schemas.openxmlformats.org/officeDocument/2006/relationships" xmlns:p="http://schemas.openxmlformats.org/presentationml/2006/main">
+  <p:cSld>
+    <p:spTree>
+      <p:nvGrpSpPr>
+        <p:cNvPr id="1" name=""/>
+        <p:cNvGrpSpPr/>
+        <p:nvPr/>
+      </p:nvGrpSpPr>
+      <p:grpSpPr>
+        <a:xfrm>
+          <a:off x="0" y="0"/>
+          <a:ext cx="0" cy="0"/>
+          <a:chOff x="0" y="0"/>
+          <a:chExt cx="0" cy="0"/>
+        </a:xfrm>
+      </p:grpSpPr>
+      <p:grpSp>
+        <p:nvGrpSpPr>
+          <p:cNvPr id="8" name="群組 7">
+            <a:extLst>
+              <a:ext uri="{FF2B5EF4-FFF2-40B4-BE49-F238E27FC236}">
+                <a16:creationId xmlns:a16="http://schemas.microsoft.com/office/drawing/2014/main" id="{F4A47285-E2C2-4688-AF6C-1557D80EFCF1}"/>
+              </a:ext>
+            </a:extLst>
+          </p:cNvPr>
+          <p:cNvGrpSpPr/>
+          <p:nvPr/>
+        </p:nvGrpSpPr>
+        <p:grpSpPr>
+          <a:xfrm>
+            <a:off x="1434841" y="903437"/>
+            <a:ext cx="5891027" cy="2974604"/>
+            <a:chOff x="1434841" y="903437"/>
+            <a:chExt cx="5891027" cy="2974604"/>
+          </a:xfrm>
+        </p:grpSpPr>
+        <p:grpSp>
+          <p:nvGrpSpPr>
+            <p:cNvPr id="22" name="群組 21">
+              <a:extLst>
+                <a:ext uri="{FF2B5EF4-FFF2-40B4-BE49-F238E27FC236}">
+                  <a16:creationId xmlns:a16="http://schemas.microsoft.com/office/drawing/2014/main" id="{F1A45991-7416-4C66-B613-B2F5391EC2E2}"/>
+                </a:ext>
+              </a:extLst>
+            </p:cNvPr>
+            <p:cNvGrpSpPr/>
+            <p:nvPr/>
+          </p:nvGrpSpPr>
+          <p:grpSpPr>
+            <a:xfrm>
+              <a:off x="1434841" y="998439"/>
+              <a:ext cx="5891027" cy="2879602"/>
+              <a:chOff x="2844541" y="3304031"/>
+              <a:chExt cx="5891027" cy="2879602"/>
+            </a:xfrm>
+          </p:grpSpPr>
+          <p:pic>
+            <p:nvPicPr>
+              <p:cNvPr id="3" name="圖片 2">
+                <a:extLst>
+                  <a:ext uri="{FF2B5EF4-FFF2-40B4-BE49-F238E27FC236}">
+                    <a16:creationId xmlns:a16="http://schemas.microsoft.com/office/drawing/2014/main" id="{06CE0BB2-F232-409E-A88F-F5D2422EF125}"/>
+                  </a:ext>
+                </a:extLst>
+              </p:cNvPr>
+              <p:cNvPicPr>
+                <a:picLocks noChangeAspect="1"/>
+              </p:cNvPicPr>
+              <p:nvPr/>
+            </p:nvPicPr>
+            <p:blipFill rotWithShape="1">
+              <a:blip r:embed="rId2">
+                <a:extLst>
+                  <a:ext uri="{28A0092B-C50C-407E-A947-70E740481C1C}">
+                    <a14:useLocalDpi xmlns:a14="http://schemas.microsoft.com/office/drawing/2010/main" val="0"/>
+                  </a:ext>
+                </a:extLst>
+              </a:blip>
+              <a:srcRect l="12850" t="7377" r="29417"/>
+              <a:stretch/>
+            </p:blipFill>
+            <p:spPr>
+              <a:xfrm>
+                <a:off x="6096000" y="3304031"/>
+                <a:ext cx="2639568" cy="2879602"/>
+              </a:xfrm>
+              <a:prstGeom prst="rect">
+                <a:avLst/>
+              </a:prstGeom>
+            </p:spPr>
+          </p:pic>
+          <p:pic>
+            <p:nvPicPr>
+              <p:cNvPr id="5" name="圖片 4">
+                <a:extLst>
+                  <a:ext uri="{FF2B5EF4-FFF2-40B4-BE49-F238E27FC236}">
+                    <a16:creationId xmlns:a16="http://schemas.microsoft.com/office/drawing/2014/main" id="{248DA2A1-09EE-4A46-B5F4-16582EB4E19B}"/>
+                  </a:ext>
+                </a:extLst>
+              </p:cNvPr>
+              <p:cNvPicPr>
+                <a:picLocks noChangeAspect="1"/>
+              </p:cNvPicPr>
+              <p:nvPr/>
+            </p:nvPicPr>
+            <p:blipFill rotWithShape="1">
+              <a:blip r:embed="rId3">
+                <a:extLst>
+                  <a:ext uri="{28A0092B-C50C-407E-A947-70E740481C1C}">
+                    <a14:useLocalDpi xmlns:a14="http://schemas.microsoft.com/office/drawing/2010/main" val="0"/>
+                  </a:ext>
+                </a:extLst>
+              </a:blip>
+              <a:srcRect t="7378" r="28883"/>
+              <a:stretch/>
+            </p:blipFill>
+            <p:spPr>
+              <a:xfrm>
+                <a:off x="2844541" y="3304031"/>
+                <a:ext cx="3251459" cy="2879601"/>
+              </a:xfrm>
+              <a:prstGeom prst="rect">
+                <a:avLst/>
+              </a:prstGeom>
+            </p:spPr>
+          </p:pic>
+        </p:grpSp>
+        <p:grpSp>
+          <p:nvGrpSpPr>
+            <p:cNvPr id="7" name="群組 6">
+              <a:extLst>
+                <a:ext uri="{FF2B5EF4-FFF2-40B4-BE49-F238E27FC236}">
+                  <a16:creationId xmlns:a16="http://schemas.microsoft.com/office/drawing/2014/main" id="{6E411A00-7F4B-40BE-BFD6-EEE62ADDFF17}"/>
+                </a:ext>
+              </a:extLst>
+            </p:cNvPr>
+            <p:cNvGrpSpPr/>
+            <p:nvPr/>
+          </p:nvGrpSpPr>
+          <p:grpSpPr>
+            <a:xfrm>
+              <a:off x="2255358" y="903437"/>
+              <a:ext cx="4970880" cy="190002"/>
+              <a:chOff x="2255358" y="903437"/>
+              <a:chExt cx="4970880" cy="190002"/>
+            </a:xfrm>
+          </p:grpSpPr>
+          <p:pic>
+            <p:nvPicPr>
+              <p:cNvPr id="15" name="圖片 14">
+                <a:extLst>
+                  <a:ext uri="{FF2B5EF4-FFF2-40B4-BE49-F238E27FC236}">
+                    <a16:creationId xmlns:a16="http://schemas.microsoft.com/office/drawing/2014/main" id="{CABB5FB5-8149-4F69-840E-F8C621E529D5}"/>
+                  </a:ext>
+                </a:extLst>
+              </p:cNvPr>
+              <p:cNvPicPr>
+                <a:picLocks noChangeAspect="1"/>
+              </p:cNvPicPr>
+              <p:nvPr/>
+            </p:nvPicPr>
+            <p:blipFill rotWithShape="1">
+              <a:blip r:embed="rId4">
+                <a:extLst>
+                  <a:ext uri="{28A0092B-C50C-407E-A947-70E740481C1C}">
+                    <a14:useLocalDpi xmlns:a14="http://schemas.microsoft.com/office/drawing/2010/main" val="0"/>
+                  </a:ext>
+                </a:extLst>
+              </a:blip>
+              <a:srcRect l="35584" t="20020" r="30167" b="72137"/>
+              <a:stretch/>
+            </p:blipFill>
+            <p:spPr>
+              <a:xfrm>
+                <a:off x="4785930" y="903437"/>
+                <a:ext cx="2440308" cy="190002"/>
+              </a:xfrm>
+              <a:prstGeom prst="rect">
+                <a:avLst/>
+              </a:prstGeom>
+            </p:spPr>
+          </p:pic>
+          <p:grpSp>
+            <p:nvGrpSpPr>
+              <p:cNvPr id="6" name="群組 5">
+                <a:extLst>
+                  <a:ext uri="{FF2B5EF4-FFF2-40B4-BE49-F238E27FC236}">
+                    <a16:creationId xmlns:a16="http://schemas.microsoft.com/office/drawing/2014/main" id="{CC3D4846-291E-494D-8553-F70EA087D8A4}"/>
+                  </a:ext>
+                </a:extLst>
+              </p:cNvPr>
+              <p:cNvGrpSpPr/>
+              <p:nvPr/>
+            </p:nvGrpSpPr>
+            <p:grpSpPr>
+              <a:xfrm>
+                <a:off x="2255358" y="903437"/>
+                <a:ext cx="2200595" cy="190002"/>
+                <a:chOff x="2308698" y="903437"/>
+                <a:chExt cx="2200595" cy="190002"/>
+              </a:xfrm>
+            </p:grpSpPr>
+            <p:grpSp>
+              <p:nvGrpSpPr>
+                <p:cNvPr id="20" name="群組 19">
+                  <a:extLst>
+                    <a:ext uri="{FF2B5EF4-FFF2-40B4-BE49-F238E27FC236}">
+                      <a16:creationId xmlns:a16="http://schemas.microsoft.com/office/drawing/2014/main" id="{6E2A5CF7-716C-44C9-BA6B-F9ED245B2644}"/>
+                    </a:ext>
+                  </a:extLst>
+                </p:cNvPr>
+                <p:cNvGrpSpPr/>
+                <p:nvPr/>
+              </p:nvGrpSpPr>
+              <p:grpSpPr>
+                <a:xfrm>
+                  <a:off x="2598575" y="903437"/>
+                  <a:ext cx="1910718" cy="190002"/>
+                  <a:chOff x="4022722" y="2690605"/>
+                  <a:chExt cx="1910718" cy="190002"/>
+                </a:xfrm>
+              </p:grpSpPr>
+              <p:pic>
+                <p:nvPicPr>
+                  <p:cNvPr id="14" name="圖片 13">
+                    <a:extLst>
+                      <a:ext uri="{FF2B5EF4-FFF2-40B4-BE49-F238E27FC236}">
+                        <a16:creationId xmlns:a16="http://schemas.microsoft.com/office/drawing/2014/main" id="{614BFE43-578D-472B-BF62-13AD2100AC39}"/>
+                      </a:ext>
+                    </a:extLst>
+                  </p:cNvPr>
+                  <p:cNvPicPr>
+                    <a:picLocks noChangeAspect="1"/>
+                  </p:cNvPicPr>
+                  <p:nvPr/>
+                </p:nvPicPr>
+                <p:blipFill rotWithShape="1">
+                  <a:blip r:embed="rId4">
+                    <a:extLst>
+                      <a:ext uri="{28A0092B-C50C-407E-A947-70E740481C1C}">
+                        <a14:useLocalDpi xmlns:a14="http://schemas.microsoft.com/office/drawing/2010/main" val="0"/>
+                      </a:ext>
+                    </a:extLst>
+                  </a:blip>
+                  <a:srcRect l="46234" t="10662" r="30167" b="81495"/>
+                  <a:stretch/>
+                </p:blipFill>
+                <p:spPr>
+                  <a:xfrm>
+                    <a:off x="4251960" y="2690605"/>
+                    <a:ext cx="1681480" cy="190002"/>
+                  </a:xfrm>
+                  <a:prstGeom prst="rect">
+                    <a:avLst/>
+                  </a:prstGeom>
+                </p:spPr>
+              </p:pic>
+              <p:pic>
+                <p:nvPicPr>
+                  <p:cNvPr id="17" name="圖片 16">
+                    <a:extLst>
+                      <a:ext uri="{FF2B5EF4-FFF2-40B4-BE49-F238E27FC236}">
+                        <a16:creationId xmlns:a16="http://schemas.microsoft.com/office/drawing/2014/main" id="{73914CE7-2459-4C36-A4AC-81869F687490}"/>
+                      </a:ext>
+                    </a:extLst>
+                  </p:cNvPr>
+                  <p:cNvPicPr>
+                    <a:picLocks noChangeAspect="1"/>
+                  </p:cNvPicPr>
+                  <p:nvPr/>
+                </p:nvPicPr>
+                <p:blipFill rotWithShape="1">
+                  <a:blip r:embed="rId4">
+                    <a:extLst>
+                      <a:ext uri="{28A0092B-C50C-407E-A947-70E740481C1C}">
+                        <a14:useLocalDpi xmlns:a14="http://schemas.microsoft.com/office/drawing/2010/main" val="0"/>
+                      </a:ext>
+                    </a:extLst>
+                  </a:blip>
+                  <a:srcRect l="35584" t="10662" r="61493" b="81495"/>
+                  <a:stretch/>
+                </p:blipFill>
+                <p:spPr>
+                  <a:xfrm>
+                    <a:off x="4022722" y="2690605"/>
+                    <a:ext cx="208283" cy="190002"/>
+                  </a:xfrm>
+                  <a:prstGeom prst="rect">
+                    <a:avLst/>
+                  </a:prstGeom>
+                </p:spPr>
+              </p:pic>
+            </p:grpSp>
+            <p:pic>
+              <p:nvPicPr>
+                <p:cNvPr id="11" name="圖片 10">
+                  <a:extLst>
+                    <a:ext uri="{FF2B5EF4-FFF2-40B4-BE49-F238E27FC236}">
+                      <a16:creationId xmlns:a16="http://schemas.microsoft.com/office/drawing/2014/main" id="{56EF393E-FBB4-4CA0-86C6-C80C6D67565B}"/>
+                    </a:ext>
+                  </a:extLst>
+                </p:cNvPr>
+                <p:cNvPicPr>
+                  <a:picLocks noChangeAspect="1"/>
+                </p:cNvPicPr>
+                <p:nvPr/>
+              </p:nvPicPr>
+              <p:blipFill rotWithShape="1">
+                <a:blip r:embed="rId5">
+                  <a:extLst>
+                    <a:ext uri="{28A0092B-C50C-407E-A947-70E740481C1C}">
+                      <a14:useLocalDpi xmlns:a14="http://schemas.microsoft.com/office/drawing/2010/main" val="0"/>
+                    </a:ext>
+                  </a:extLst>
+                </a:blip>
+                <a:srcRect l="17789" t="6967" r="71128" b="87630"/>
+                <a:stretch/>
+              </p:blipFill>
+              <p:spPr>
+                <a:xfrm>
+                  <a:off x="2308698" y="914450"/>
+                  <a:ext cx="506730" cy="167975"/>
+                </a:xfrm>
+                <a:prstGeom prst="rect">
+                  <a:avLst/>
+                </a:prstGeom>
+              </p:spPr>
+            </p:pic>
+          </p:grpSp>
+        </p:grpSp>
+      </p:grpSp>
+      <p:pic>
+        <p:nvPicPr>
+          <p:cNvPr id="9" name="圖片 8">
+            <a:extLst>
+              <a:ext uri="{FF2B5EF4-FFF2-40B4-BE49-F238E27FC236}">
+                <a16:creationId xmlns:a16="http://schemas.microsoft.com/office/drawing/2014/main" id="{A52B1435-54FA-47EE-B088-DAB4CA6BDF99}"/>
+              </a:ext>
+            </a:extLst>
+          </p:cNvPr>
+          <p:cNvPicPr>
+            <a:picLocks noChangeAspect="1"/>
+          </p:cNvPicPr>
+          <p:nvPr/>
+        </p:nvPicPr>
+        <p:blipFill>
+          <a:blip r:embed="rId6"/>
+          <a:stretch>
+            <a:fillRect/>
+          </a:stretch>
+        </p:blipFill>
+        <p:spPr>
+          <a:xfrm>
+            <a:off x="4314188" y="2272917"/>
+            <a:ext cx="5895343" cy="2975106"/>
+          </a:xfrm>
+          <a:prstGeom prst="rect">
+            <a:avLst/>
+          </a:prstGeom>
+        </p:spPr>
+      </p:pic>
+    </p:spTree>
+    <p:extLst>
+      <p:ext uri="{BB962C8B-B14F-4D97-AF65-F5344CB8AC3E}">
+        <p14:creationId xmlns:p14="http://schemas.microsoft.com/office/powerpoint/2010/main" val="2742104044"/>
+      </p:ext>
+    </p:extLst>
+  </p:cSld>
+  <p:clrMapOvr>
+    <a:masterClrMapping/>
+  </p:clrMapOvr>
+</p:sld>
+</file>
+
+<file path=ppt/slides/slide11.xml><?xml version="1.0" encoding="utf-8"?>
+<p:sld xmlns:a="http://schemas.openxmlformats.org/drawingml/2006/main" xmlns:r="http://schemas.openxmlformats.org/officeDocument/2006/relationships" xmlns:p="http://schemas.openxmlformats.org/presentationml/2006/main">
+  <p:cSld>
+    <p:spTree>
+      <p:nvGrpSpPr>
+        <p:cNvPr id="1" name=""/>
+        <p:cNvGrpSpPr/>
+        <p:nvPr/>
+      </p:nvGrpSpPr>
+      <p:grpSpPr>
+        <a:xfrm>
+          <a:off x="0" y="0"/>
+          <a:ext cx="0" cy="0"/>
+          <a:chOff x="0" y="0"/>
+          <a:chExt cx="0" cy="0"/>
+        </a:xfrm>
+      </p:grpSpPr>
+      <p:pic>
+        <p:nvPicPr>
+          <p:cNvPr id="5" name="圖片 4">
+            <a:extLst>
+              <a:ext uri="{FF2B5EF4-FFF2-40B4-BE49-F238E27FC236}">
+                <a16:creationId xmlns:a16="http://schemas.microsoft.com/office/drawing/2014/main" id="{467FE76D-6F8A-45A7-9653-1D83F5A9D8E7}"/>
+              </a:ext>
+            </a:extLst>
+          </p:cNvPr>
+          <p:cNvPicPr>
+            <a:picLocks noChangeAspect="1"/>
+          </p:cNvPicPr>
+          <p:nvPr/>
+        </p:nvPicPr>
+        <p:blipFill rotWithShape="1">
+          <a:blip r:embed="rId2">
+            <a:extLst>
+              <a:ext uri="{28A0092B-C50C-407E-A947-70E740481C1C}">
+                <a14:useLocalDpi xmlns:a14="http://schemas.microsoft.com/office/drawing/2010/main" val="0"/>
+              </a:ext>
+            </a:extLst>
+          </a:blip>
+          <a:srcRect t="11500" b="4166"/>
+          <a:stretch/>
+        </p:blipFill>
+        <p:spPr>
+          <a:xfrm>
+            <a:off x="1383787" y="1469136"/>
+            <a:ext cx="4572009" cy="1542288"/>
+          </a:xfrm>
+          <a:prstGeom prst="rect">
+            <a:avLst/>
+          </a:prstGeom>
+        </p:spPr>
+      </p:pic>
+    </p:spTree>
+    <p:extLst>
+      <p:ext uri="{BB962C8B-B14F-4D97-AF65-F5344CB8AC3E}">
+        <p14:creationId xmlns:p14="http://schemas.microsoft.com/office/powerpoint/2010/main" val="2630218352"/>
+      </p:ext>
+    </p:extLst>
+  </p:cSld>
+  <p:clrMapOvr>
+    <a:masterClrMapping/>
+  </p:clrMapOvr>
+</p:sld>
+</file>
+
+<file path=ppt/slides/slide12.xml><?xml version="1.0" encoding="utf-8"?>
+<p:sld xmlns:a="http://schemas.openxmlformats.org/drawingml/2006/main" xmlns:r="http://schemas.openxmlformats.org/officeDocument/2006/relationships" xmlns:p="http://schemas.openxmlformats.org/presentationml/2006/main">
+  <p:cSld>
+    <p:spTree>
+      <p:nvGrpSpPr>
+        <p:cNvPr id="1" name=""/>
+        <p:cNvGrpSpPr/>
+        <p:nvPr/>
+      </p:nvGrpSpPr>
+      <p:grpSpPr>
+        <a:xfrm>
+          <a:off x="0" y="0"/>
+          <a:ext cx="0" cy="0"/>
+          <a:chOff x="0" y="0"/>
+          <a:chExt cx="0" cy="0"/>
+        </a:xfrm>
+      </p:grpSpPr>
+      <p:pic>
+        <p:nvPicPr>
+          <p:cNvPr id="1026" name="Picture 2" descr="https://static.rti.org.tw/assets/thumbnails/2020/11/09/a6ba1840d2f11ab4702c28e6e1473763.jpeg">
+            <a:extLst>
+              <a:ext uri="{FF2B5EF4-FFF2-40B4-BE49-F238E27FC236}">
+                <a16:creationId xmlns:a16="http://schemas.microsoft.com/office/drawing/2014/main" id="{AC5E5A12-3EA2-4C95-AD5D-0B0486CE3314}"/>
+              </a:ext>
+            </a:extLst>
+          </p:cNvPr>
+          <p:cNvPicPr>
+            <a:picLocks noChangeAspect="1" noChangeArrowheads="1"/>
+          </p:cNvPicPr>
+          <p:nvPr/>
+        </p:nvPicPr>
+        <p:blipFill rotWithShape="1">
+          <a:blip r:embed="rId2">
+            <a:extLst>
+              <a:ext uri="{28A0092B-C50C-407E-A947-70E740481C1C}">
+                <a14:useLocalDpi xmlns:a14="http://schemas.microsoft.com/office/drawing/2010/main" val="0"/>
+              </a:ext>
+            </a:extLst>
+          </a:blip>
+          <a:srcRect l="46614" t="27037" r="1372" b="31945"/>
+          <a:stretch/>
+        </p:blipFill>
+        <p:spPr bwMode="auto">
+          <a:xfrm>
+            <a:off x="4597400" y="1930400"/>
+            <a:ext cx="6254750" cy="2813050"/>
+          </a:xfrm>
+          <a:prstGeom prst="rect">
+            <a:avLst/>
+          </a:prstGeom>
+          <a:noFill/>
+          <a:extLst>
+            <a:ext uri="{909E8E84-426E-40DD-AFC4-6F175D3DCCD1}">
+              <a14:hiddenFill xmlns:a14="http://schemas.microsoft.com/office/drawing/2010/main">
+                <a:solidFill>
+                  <a:srgbClr val="FFFFFF"/>
+                </a:solidFill>
+              </a14:hiddenFill>
+            </a:ext>
+          </a:extLst>
+        </p:spPr>
+      </p:pic>
+    </p:spTree>
+    <p:extLst>
+      <p:ext uri="{BB962C8B-B14F-4D97-AF65-F5344CB8AC3E}">
+        <p14:creationId xmlns:p14="http://schemas.microsoft.com/office/powerpoint/2010/main" val="4289924518"/>
+      </p:ext>
+    </p:extLst>
+  </p:cSld>
+  <p:clrMapOvr>
+    <a:masterClrMapping/>
+  </p:clrMapOvr>
+</p:sld>
+</file>
+
 <file path=ppt/slides/slide2.xml><?xml version="1.0" encoding="utf-8"?>
 <p:sld xmlns:a="http://schemas.openxmlformats.org/drawingml/2006/main" xmlns:r="http://schemas.openxmlformats.org/officeDocument/2006/relationships" xmlns:p="http://schemas.openxmlformats.org/presentationml/2006/main">
   <p:cSld>
@@ -5248,8 +6665,8 @@
         </p:nvSpPr>
         <p:spPr>
           <a:xfrm>
-            <a:off x="1567543" y="475376"/>
-            <a:ext cx="6986054" cy="460800"/>
+            <a:off x="1567543" y="474944"/>
+            <a:ext cx="6986054" cy="461665"/>
           </a:xfrm>
           <a:prstGeom prst="rect">
             <a:avLst/>
@@ -5284,16 +6701,16 @@
           <a:lstStyle/>
           <a:p>
             <a:r>
-              <a:rPr lang="en-US" altLang="zh-TW" sz="2000" b="1" dirty="0">
+              <a:rPr lang="en-US" altLang="zh-TW" sz="2400" b="1" dirty="0">
                 <a:solidFill>
                   <a:schemeClr val="tx1"/>
                 </a:solidFill>
                 <a:latin typeface="Lucida Sans" panose="020B0602030504020204" pitchFamily="34" charset="0"/>
                 <a:cs typeface="Times New Roman" panose="02020603050405020304" pitchFamily="18" charset="0"/>
               </a:rPr>
-              <a:t>Under Cultural Truth:</a:t>
+              <a:t>Cultural Truth:</a:t>
             </a:r>
-            <a:endParaRPr lang="zh-TW" altLang="en-US" sz="2000" b="1" dirty="0">
+            <a:endParaRPr lang="zh-TW" altLang="en-US" sz="2400" b="1" dirty="0">
               <a:solidFill>
                 <a:schemeClr val="tx1"/>
               </a:solidFill>
@@ -5353,7 +6770,7 @@
           <a:lstStyle/>
           <a:p>
             <a:r>
-              <a:rPr lang="en-US" altLang="zh-TW" sz="2000" b="1" dirty="0">
+              <a:rPr lang="en-US" altLang="zh-TW" sz="2400" b="1" dirty="0">
                 <a:solidFill>
                   <a:schemeClr val="tx1"/>
                 </a:solidFill>
@@ -5362,7 +6779,7 @@
               </a:rPr>
               <a:t>Response:</a:t>
             </a:r>
-            <a:endParaRPr lang="zh-TW" altLang="en-US" sz="2000" b="1" dirty="0">
+            <a:endParaRPr lang="zh-TW" altLang="en-US" sz="2400" b="1" dirty="0">
               <a:solidFill>
                 <a:schemeClr val="tx1"/>
               </a:solidFill>
@@ -5422,7 +6839,7 @@
           <a:lstStyle/>
           <a:p>
             <a:r>
-              <a:rPr lang="en-US" altLang="zh-TW" sz="2000" b="1" dirty="0">
+              <a:rPr lang="en-US" altLang="zh-TW" sz="2400" b="1" dirty="0">
                 <a:solidFill>
                   <a:schemeClr val="tx1"/>
                 </a:solidFill>
@@ -5431,7 +6848,7 @@
               </a:rPr>
               <a:t>Latent State:</a:t>
             </a:r>
-            <a:endParaRPr lang="zh-TW" altLang="en-US" sz="2000" b="1" dirty="0">
+            <a:endParaRPr lang="zh-TW" altLang="en-US" sz="2400" b="1" dirty="0">
               <a:solidFill>
                 <a:schemeClr val="tx1"/>
               </a:solidFill>
@@ -9045,8 +10462,8 @@
         </p:nvSpPr>
         <p:spPr>
           <a:xfrm>
-            <a:off x="4874814" y="1664651"/>
-            <a:ext cx="2436886" cy="400110"/>
+            <a:off x="5279911" y="1664651"/>
+            <a:ext cx="1632178" cy="400110"/>
           </a:xfrm>
           <a:prstGeom prst="rect">
             <a:avLst/>
@@ -9059,12 +10476,13 @@
           </a:bodyPr>
           <a:lstStyle/>
           <a:p>
+            <a:pPr algn="ctr"/>
             <a:r>
               <a:rPr lang="en-US" altLang="zh-TW" sz="2000" dirty="0">
                 <a:latin typeface="Lucida Sans" panose="020B0602030504020204" pitchFamily="34" charset="0"/>
                 <a:cs typeface="Times New Roman" panose="02020603050405020304" pitchFamily="18" charset="0"/>
               </a:rPr>
-              <a:t>Unknown &amp; Guess</a:t>
+              <a:t>Don’t Know</a:t>
             </a:r>
             <a:endParaRPr lang="zh-TW" altLang="en-US" sz="2000" dirty="0">
               <a:latin typeface="Lucida Sans" panose="020B0602030504020204" pitchFamily="34" charset="0"/>
@@ -9707,10 +11125,10 @@
       </p:grpSpPr>
       <p:pic>
         <p:nvPicPr>
-          <p:cNvPr id="137" name="圖片 136">
+          <p:cNvPr id="2" name="圖片 1">
             <a:extLst>
               <a:ext uri="{FF2B5EF4-FFF2-40B4-BE49-F238E27FC236}">
-                <a16:creationId xmlns:a16="http://schemas.microsoft.com/office/drawing/2014/main" id="{DC878D2B-5DC4-42BC-976E-9BC2C11CB6A6}"/>
+                <a16:creationId xmlns:a16="http://schemas.microsoft.com/office/drawing/2014/main" id="{2F5891F8-EE6E-4BDC-867B-C110706B290A}"/>
               </a:ext>
             </a:extLst>
           </p:cNvPr>
@@ -9721,13 +11139,13 @@
         </p:nvPicPr>
         <p:blipFill rotWithShape="1">
           <a:blip r:embed="rId2"/>
-          <a:srcRect l="984" b="2571"/>
+          <a:srcRect l="1359" t="756" b="1947"/>
           <a:stretch/>
         </p:blipFill>
         <p:spPr>
           <a:xfrm>
-            <a:off x="2781300" y="626411"/>
-            <a:ext cx="6978193" cy="4656789"/>
+            <a:off x="2653145" y="1051286"/>
+            <a:ext cx="6981889" cy="4697936"/>
           </a:xfrm>
           <a:prstGeom prst="rect">
             <a:avLst/>
@@ -11157,10 +12575,10 @@
       </p:grpSpPr>
       <p:grpSp>
         <p:nvGrpSpPr>
-          <p:cNvPr id="9" name="群組 8">
+          <p:cNvPr id="2" name="群組 1">
             <a:extLst>
               <a:ext uri="{FF2B5EF4-FFF2-40B4-BE49-F238E27FC236}">
-                <a16:creationId xmlns:a16="http://schemas.microsoft.com/office/drawing/2014/main" id="{12C9CA27-9DE1-4506-AEE2-AB9EDDE58F96}"/>
+                <a16:creationId xmlns:a16="http://schemas.microsoft.com/office/drawing/2014/main" id="{E56B9D3A-6517-4D58-996C-043A1B1CB1D9}"/>
               </a:ext>
             </a:extLst>
           </p:cNvPr>
@@ -11169,18 +12587,18 @@
         </p:nvGrpSpPr>
         <p:grpSpPr>
           <a:xfrm>
-            <a:off x="3211605" y="1811216"/>
-            <a:ext cx="5968246" cy="3108966"/>
-            <a:chOff x="3211605" y="1811216"/>
-            <a:chExt cx="5968246" cy="3108966"/>
+            <a:off x="3328730" y="247506"/>
+            <a:ext cx="4572009" cy="4405280"/>
+            <a:chOff x="3328730" y="247506"/>
+            <a:chExt cx="4572009" cy="4405280"/>
           </a:xfrm>
         </p:grpSpPr>
         <p:pic>
           <p:nvPicPr>
-            <p:cNvPr id="5" name="圖片 4">
+            <p:cNvPr id="6" name="圖片 5">
               <a:extLst>
                 <a:ext uri="{FF2B5EF4-FFF2-40B4-BE49-F238E27FC236}">
-                  <a16:creationId xmlns:a16="http://schemas.microsoft.com/office/drawing/2014/main" id="{1AF8426B-E173-4D7F-8FD3-70100297F0DC}"/>
+                  <a16:creationId xmlns:a16="http://schemas.microsoft.com/office/drawing/2014/main" id="{34503489-285D-4B30-9B97-BF602EEAE7D3}"/>
                 </a:ext>
               </a:extLst>
             </p:cNvPr>
@@ -11189,7 +12607,7 @@
             </p:cNvPicPr>
             <p:nvPr/>
           </p:nvPicPr>
-          <p:blipFill>
+          <p:blipFill rotWithShape="1">
             <a:blip r:embed="rId2">
               <a:extLst>
                 <a:ext uri="{28A0092B-C50C-407E-A947-70E740481C1C}">
@@ -11197,14 +12615,13 @@
                 </a:ext>
               </a:extLst>
             </a:blip>
-            <a:stretch>
-              <a:fillRect/>
-            </a:stretch>
+            <a:srcRect t="14379"/>
+            <a:stretch/>
           </p:blipFill>
           <p:spPr>
             <a:xfrm>
-              <a:off x="3271409" y="1811216"/>
-              <a:ext cx="4572009" cy="3108966"/>
+              <a:off x="3328730" y="3086959"/>
+              <a:ext cx="4572009" cy="1565827"/>
             </a:xfrm>
             <a:prstGeom prst="rect">
               <a:avLst/>
@@ -11213,10 +12630,10 @@
         </p:pic>
         <p:pic>
           <p:nvPicPr>
-            <p:cNvPr id="7" name="圖片 6">
+            <p:cNvPr id="4" name="圖片 3">
               <a:extLst>
                 <a:ext uri="{FF2B5EF4-FFF2-40B4-BE49-F238E27FC236}">
-                  <a16:creationId xmlns:a16="http://schemas.microsoft.com/office/drawing/2014/main" id="{7AF43401-B468-4285-8D8E-3239450E4BC1}"/>
+                  <a16:creationId xmlns:a16="http://schemas.microsoft.com/office/drawing/2014/main" id="{E0275F74-28C3-4D80-A135-1F8982037737}"/>
                 </a:ext>
               </a:extLst>
             </p:cNvPr>
@@ -11233,125 +12650,111 @@
                 </a:ext>
               </a:extLst>
             </a:blip>
-            <a:srcRect l="12865" r="28674"/>
+            <a:srcRect t="5828" b="2841"/>
             <a:stretch/>
           </p:blipFill>
           <p:spPr>
             <a:xfrm>
-              <a:off x="6506987" y="1811216"/>
-              <a:ext cx="2672862" cy="3108966"/>
+              <a:off x="3328730" y="247506"/>
+              <a:ext cx="4572009" cy="2839453"/>
             </a:xfrm>
             <a:prstGeom prst="rect">
               <a:avLst/>
             </a:prstGeom>
           </p:spPr>
         </p:pic>
-        <p:pic>
-          <p:nvPicPr>
-            <p:cNvPr id="8" name="圖片 7">
+        <p:grpSp>
+          <p:nvGrpSpPr>
+            <p:cNvPr id="10" name="群組 9">
               <a:extLst>
                 <a:ext uri="{FF2B5EF4-FFF2-40B4-BE49-F238E27FC236}">
-                  <a16:creationId xmlns:a16="http://schemas.microsoft.com/office/drawing/2014/main" id="{AADA7FAA-074B-441A-9F39-873DC52D6453}"/>
+                  <a16:creationId xmlns:a16="http://schemas.microsoft.com/office/drawing/2014/main" id="{74588983-64D1-4987-93C0-8BD3C720C271}"/>
                 </a:ext>
               </a:extLst>
             </p:cNvPr>
-            <p:cNvPicPr>
-              <a:picLocks noChangeAspect="1"/>
-            </p:cNvPicPr>
+            <p:cNvGrpSpPr/>
             <p:nvPr/>
-          </p:nvPicPr>
-          <p:blipFill rotWithShape="1">
-            <a:blip r:embed="rId2">
-              <a:extLst>
-                <a:ext uri="{28A0092B-C50C-407E-A947-70E740481C1C}">
-                  <a14:useLocalDpi xmlns:a14="http://schemas.microsoft.com/office/drawing/2010/main" val="0"/>
-                </a:ext>
-              </a:extLst>
-            </a:blip>
-            <a:srcRect l="74674"/>
-            <a:stretch/>
-          </p:blipFill>
-          <p:spPr>
-            <a:xfrm rot="16200000">
-              <a:off x="6024067" y="-1001246"/>
-              <a:ext cx="343321" cy="5968246"/>
+          </p:nvGrpSpPr>
+          <p:grpSpPr>
+            <a:xfrm>
+              <a:off x="3874839" y="247506"/>
+              <a:ext cx="3973760" cy="212957"/>
+              <a:chOff x="1543119" y="2427224"/>
+              <a:chExt cx="3973760" cy="212957"/>
             </a:xfrm>
-            <a:prstGeom prst="rect">
-              <a:avLst/>
-            </a:prstGeom>
-          </p:spPr>
-        </p:pic>
+          </p:grpSpPr>
+          <p:pic>
+            <p:nvPicPr>
+              <p:cNvPr id="11" name="圖片 10">
+                <a:extLst>
+                  <a:ext uri="{FF2B5EF4-FFF2-40B4-BE49-F238E27FC236}">
+                    <a16:creationId xmlns:a16="http://schemas.microsoft.com/office/drawing/2014/main" id="{36FB5121-9BDF-4CA0-81E6-347DBB0FB629}"/>
+                  </a:ext>
+                </a:extLst>
+              </p:cNvPr>
+              <p:cNvPicPr>
+                <a:picLocks noChangeAspect="1"/>
+              </p:cNvPicPr>
+              <p:nvPr/>
+            </p:nvPicPr>
+            <p:blipFill rotWithShape="1">
+              <a:blip r:embed="rId3">
+                <a:extLst>
+                  <a:ext uri="{28A0092B-C50C-407E-A947-70E740481C1C}">
+                    <a14:useLocalDpi xmlns:a14="http://schemas.microsoft.com/office/drawing/2010/main" val="0"/>
+                  </a:ext>
+                </a:extLst>
+              </a:blip>
+              <a:srcRect l="56394" t="6102" r="1072" b="87048"/>
+              <a:stretch/>
+            </p:blipFill>
+            <p:spPr>
+              <a:xfrm>
+                <a:off x="3572256" y="2427224"/>
+                <a:ext cx="1944623" cy="212957"/>
+              </a:xfrm>
+              <a:prstGeom prst="rect">
+                <a:avLst/>
+              </a:prstGeom>
+            </p:spPr>
+          </p:pic>
+          <p:pic>
+            <p:nvPicPr>
+              <p:cNvPr id="12" name="圖片 11">
+                <a:extLst>
+                  <a:ext uri="{FF2B5EF4-FFF2-40B4-BE49-F238E27FC236}">
+                    <a16:creationId xmlns:a16="http://schemas.microsoft.com/office/drawing/2014/main" id="{21644929-7EA5-419A-A7D5-2F04C87FFBDC}"/>
+                  </a:ext>
+                </a:extLst>
+              </p:cNvPr>
+              <p:cNvPicPr>
+                <a:picLocks noChangeAspect="1"/>
+              </p:cNvPicPr>
+              <p:nvPr/>
+            </p:nvPicPr>
+            <p:blipFill rotWithShape="1">
+              <a:blip r:embed="rId4">
+                <a:extLst>
+                  <a:ext uri="{28A0092B-C50C-407E-A947-70E740481C1C}">
+                    <a14:useLocalDpi xmlns:a14="http://schemas.microsoft.com/office/drawing/2010/main" val="0"/>
+                  </a:ext>
+                </a:extLst>
+              </a:blip>
+              <a:srcRect l="12039" t="6967" r="46661" b="87630"/>
+              <a:stretch/>
+            </p:blipFill>
+            <p:spPr>
+              <a:xfrm>
+                <a:off x="1543119" y="2449714"/>
+                <a:ext cx="1888236" cy="167975"/>
+              </a:xfrm>
+              <a:prstGeom prst="rect">
+                <a:avLst/>
+              </a:prstGeom>
+            </p:spPr>
+          </p:pic>
+        </p:grpSp>
       </p:grpSp>
-      <p:pic>
-        <p:nvPicPr>
-          <p:cNvPr id="6" name="圖片 5">
-            <a:extLst>
-              <a:ext uri="{FF2B5EF4-FFF2-40B4-BE49-F238E27FC236}">
-                <a16:creationId xmlns:a16="http://schemas.microsoft.com/office/drawing/2014/main" id="{34503489-285D-4B30-9B97-BF602EEAE7D3}"/>
-              </a:ext>
-            </a:extLst>
-          </p:cNvPr>
-          <p:cNvPicPr>
-            <a:picLocks noChangeAspect="1"/>
-          </p:cNvPicPr>
-          <p:nvPr/>
-        </p:nvPicPr>
-        <p:blipFill rotWithShape="1">
-          <a:blip r:embed="rId4">
-            <a:extLst>
-              <a:ext uri="{28A0092B-C50C-407E-A947-70E740481C1C}">
-                <a14:useLocalDpi xmlns:a14="http://schemas.microsoft.com/office/drawing/2010/main" val="0"/>
-              </a:ext>
-            </a:extLst>
-          </a:blip>
-          <a:srcRect t="14379"/>
-          <a:stretch/>
-        </p:blipFill>
-        <p:spPr>
-          <a:xfrm>
-            <a:off x="3328730" y="3086959"/>
-            <a:ext cx="4572009" cy="1565827"/>
-          </a:xfrm>
-          <a:prstGeom prst="rect">
-            <a:avLst/>
-          </a:prstGeom>
-        </p:spPr>
-      </p:pic>
-      <p:pic>
-        <p:nvPicPr>
-          <p:cNvPr id="4" name="圖片 3">
-            <a:extLst>
-              <a:ext uri="{FF2B5EF4-FFF2-40B4-BE49-F238E27FC236}">
-                <a16:creationId xmlns:a16="http://schemas.microsoft.com/office/drawing/2014/main" id="{E0275F74-28C3-4D80-A135-1F8982037737}"/>
-              </a:ext>
-            </a:extLst>
-          </p:cNvPr>
-          <p:cNvPicPr>
-            <a:picLocks noChangeAspect="1"/>
-          </p:cNvPicPr>
-          <p:nvPr/>
-        </p:nvPicPr>
-        <p:blipFill rotWithShape="1">
-          <a:blip r:embed="rId5">
-            <a:extLst>
-              <a:ext uri="{28A0092B-C50C-407E-A947-70E740481C1C}">
-                <a14:useLocalDpi xmlns:a14="http://schemas.microsoft.com/office/drawing/2010/main" val="0"/>
-              </a:ext>
-            </a:extLst>
-          </a:blip>
-          <a:srcRect t="5828" b="2841"/>
-          <a:stretch/>
-        </p:blipFill>
-        <p:spPr>
-          <a:xfrm>
-            <a:off x="3328730" y="247506"/>
-            <a:ext cx="4572009" cy="2839453"/>
-          </a:xfrm>
-          <a:prstGeom prst="rect">
-            <a:avLst/>
-          </a:prstGeom>
-        </p:spPr>
-      </p:pic>
     </p:spTree>
     <p:extLst>
       <p:ext uri="{BB962C8B-B14F-4D97-AF65-F5344CB8AC3E}">
@@ -11382,269 +12785,40 @@
           <a:chExt cx="0" cy="0"/>
         </a:xfrm>
       </p:grpSpPr>
-      <p:grpSp>
-        <p:nvGrpSpPr>
-          <p:cNvPr id="23" name="群組 22">
+      <p:pic>
+        <p:nvPicPr>
+          <p:cNvPr id="14" name="圖片 13">
             <a:extLst>
               <a:ext uri="{FF2B5EF4-FFF2-40B4-BE49-F238E27FC236}">
-                <a16:creationId xmlns:a16="http://schemas.microsoft.com/office/drawing/2014/main" id="{A3255BFA-C9E7-4045-A4A6-740DC5338947}"/>
+                <a16:creationId xmlns:a16="http://schemas.microsoft.com/office/drawing/2014/main" id="{36758C4F-3350-4BB8-A49B-0414C8BA4F7D}"/>
               </a:ext>
             </a:extLst>
           </p:cNvPr>
-          <p:cNvGrpSpPr/>
+          <p:cNvPicPr>
+            <a:picLocks noChangeAspect="1"/>
+          </p:cNvPicPr>
           <p:nvPr/>
-        </p:nvGrpSpPr>
-        <p:grpSpPr>
+        </p:nvPicPr>
+        <p:blipFill>
+          <a:blip r:embed="rId2"/>
+          <a:stretch>
+            <a:fillRect/>
+          </a:stretch>
+        </p:blipFill>
+        <p:spPr>
           <a:xfrm>
-            <a:off x="2844541" y="3192513"/>
-            <a:ext cx="5891027" cy="2991120"/>
-            <a:chOff x="2844541" y="3192513"/>
-            <a:chExt cx="5891027" cy="2991120"/>
+            <a:off x="3327202" y="577913"/>
+            <a:ext cx="4572396" cy="4401693"/>
           </a:xfrm>
-        </p:grpSpPr>
-        <p:grpSp>
-          <p:nvGrpSpPr>
-            <p:cNvPr id="22" name="群組 21">
-              <a:extLst>
-                <a:ext uri="{FF2B5EF4-FFF2-40B4-BE49-F238E27FC236}">
-                  <a16:creationId xmlns:a16="http://schemas.microsoft.com/office/drawing/2014/main" id="{F1A45991-7416-4C66-B613-B2F5391EC2E2}"/>
-                </a:ext>
-              </a:extLst>
-            </p:cNvPr>
-            <p:cNvGrpSpPr/>
-            <p:nvPr/>
-          </p:nvGrpSpPr>
-          <p:grpSpPr>
-            <a:xfrm>
-              <a:off x="2844541" y="3304031"/>
-              <a:ext cx="5891027" cy="2879602"/>
-              <a:chOff x="2844541" y="3304031"/>
-              <a:chExt cx="5891027" cy="2879602"/>
-            </a:xfrm>
-          </p:grpSpPr>
-          <p:pic>
-            <p:nvPicPr>
-              <p:cNvPr id="3" name="圖片 2">
-                <a:extLst>
-                  <a:ext uri="{FF2B5EF4-FFF2-40B4-BE49-F238E27FC236}">
-                    <a16:creationId xmlns:a16="http://schemas.microsoft.com/office/drawing/2014/main" id="{06CE0BB2-F232-409E-A88F-F5D2422EF125}"/>
-                  </a:ext>
-                </a:extLst>
-              </p:cNvPr>
-              <p:cNvPicPr>
-                <a:picLocks noChangeAspect="1"/>
-              </p:cNvPicPr>
-              <p:nvPr/>
-            </p:nvPicPr>
-            <p:blipFill rotWithShape="1">
-              <a:blip r:embed="rId2">
-                <a:extLst>
-                  <a:ext uri="{28A0092B-C50C-407E-A947-70E740481C1C}">
-                    <a14:useLocalDpi xmlns:a14="http://schemas.microsoft.com/office/drawing/2010/main" val="0"/>
-                  </a:ext>
-                </a:extLst>
-              </a:blip>
-              <a:srcRect l="12850" t="7377" r="29417"/>
-              <a:stretch/>
-            </p:blipFill>
-            <p:spPr>
-              <a:xfrm>
-                <a:off x="6096000" y="3304031"/>
-                <a:ext cx="2639568" cy="2879602"/>
-              </a:xfrm>
-              <a:prstGeom prst="rect">
-                <a:avLst/>
-              </a:prstGeom>
-            </p:spPr>
-          </p:pic>
-          <p:pic>
-            <p:nvPicPr>
-              <p:cNvPr id="5" name="圖片 4">
-                <a:extLst>
-                  <a:ext uri="{FF2B5EF4-FFF2-40B4-BE49-F238E27FC236}">
-                    <a16:creationId xmlns:a16="http://schemas.microsoft.com/office/drawing/2014/main" id="{248DA2A1-09EE-4A46-B5F4-16582EB4E19B}"/>
-                  </a:ext>
-                </a:extLst>
-              </p:cNvPr>
-              <p:cNvPicPr>
-                <a:picLocks noChangeAspect="1"/>
-              </p:cNvPicPr>
-              <p:nvPr/>
-            </p:nvPicPr>
-            <p:blipFill rotWithShape="1">
-              <a:blip r:embed="rId3">
-                <a:extLst>
-                  <a:ext uri="{28A0092B-C50C-407E-A947-70E740481C1C}">
-                    <a14:useLocalDpi xmlns:a14="http://schemas.microsoft.com/office/drawing/2010/main" val="0"/>
-                  </a:ext>
-                </a:extLst>
-              </a:blip>
-              <a:srcRect t="7378" r="28883"/>
-              <a:stretch/>
-            </p:blipFill>
-            <p:spPr>
-              <a:xfrm>
-                <a:off x="2844541" y="3304031"/>
-                <a:ext cx="3251459" cy="2879601"/>
-              </a:xfrm>
-              <a:prstGeom prst="rect">
-                <a:avLst/>
-              </a:prstGeom>
-            </p:spPr>
-          </p:pic>
-        </p:grpSp>
-        <p:grpSp>
-          <p:nvGrpSpPr>
-            <p:cNvPr id="21" name="群組 20">
-              <a:extLst>
-                <a:ext uri="{FF2B5EF4-FFF2-40B4-BE49-F238E27FC236}">
-                  <a16:creationId xmlns:a16="http://schemas.microsoft.com/office/drawing/2014/main" id="{3B128A92-23D7-4ABC-80EF-1E32E18E753E}"/>
-                </a:ext>
-              </a:extLst>
-            </p:cNvPr>
-            <p:cNvGrpSpPr/>
-            <p:nvPr/>
-          </p:nvGrpSpPr>
-          <p:grpSpPr>
-            <a:xfrm>
-              <a:off x="3920487" y="3192513"/>
-              <a:ext cx="4351026" cy="190002"/>
-              <a:chOff x="3514912" y="3204705"/>
-              <a:chExt cx="4351026" cy="190002"/>
-            </a:xfrm>
-          </p:grpSpPr>
-          <p:pic>
-            <p:nvPicPr>
-              <p:cNvPr id="15" name="圖片 14">
-                <a:extLst>
-                  <a:ext uri="{FF2B5EF4-FFF2-40B4-BE49-F238E27FC236}">
-                    <a16:creationId xmlns:a16="http://schemas.microsoft.com/office/drawing/2014/main" id="{CABB5FB5-8149-4F69-840E-F8C621E529D5}"/>
-                  </a:ext>
-                </a:extLst>
-              </p:cNvPr>
-              <p:cNvPicPr>
-                <a:picLocks noChangeAspect="1"/>
-              </p:cNvPicPr>
-              <p:nvPr/>
-            </p:nvPicPr>
-            <p:blipFill rotWithShape="1">
-              <a:blip r:embed="rId4">
-                <a:extLst>
-                  <a:ext uri="{28A0092B-C50C-407E-A947-70E740481C1C}">
-                    <a14:useLocalDpi xmlns:a14="http://schemas.microsoft.com/office/drawing/2010/main" val="0"/>
-                  </a:ext>
-                </a:extLst>
-              </a:blip>
-              <a:srcRect l="35584" t="20020" r="30167" b="72137"/>
-              <a:stretch/>
-            </p:blipFill>
-            <p:spPr>
-              <a:xfrm>
-                <a:off x="5425630" y="3204705"/>
-                <a:ext cx="2440308" cy="190002"/>
-              </a:xfrm>
-              <a:prstGeom prst="rect">
-                <a:avLst/>
-              </a:prstGeom>
-            </p:spPr>
-          </p:pic>
-          <p:grpSp>
-            <p:nvGrpSpPr>
-              <p:cNvPr id="20" name="群組 19">
-                <a:extLst>
-                  <a:ext uri="{FF2B5EF4-FFF2-40B4-BE49-F238E27FC236}">
-                    <a16:creationId xmlns:a16="http://schemas.microsoft.com/office/drawing/2014/main" id="{6E2A5CF7-716C-44C9-BA6B-F9ED245B2644}"/>
-                  </a:ext>
-                </a:extLst>
-              </p:cNvPr>
-              <p:cNvGrpSpPr/>
-              <p:nvPr/>
-            </p:nvGrpSpPr>
-            <p:grpSpPr>
-              <a:xfrm>
-                <a:off x="3514912" y="3204705"/>
-                <a:ext cx="1910718" cy="190002"/>
-                <a:chOff x="4022722" y="2690605"/>
-                <a:chExt cx="1910718" cy="190002"/>
-              </a:xfrm>
-            </p:grpSpPr>
-            <p:pic>
-              <p:nvPicPr>
-                <p:cNvPr id="14" name="圖片 13">
-                  <a:extLst>
-                    <a:ext uri="{FF2B5EF4-FFF2-40B4-BE49-F238E27FC236}">
-                      <a16:creationId xmlns:a16="http://schemas.microsoft.com/office/drawing/2014/main" id="{614BFE43-578D-472B-BF62-13AD2100AC39}"/>
-                    </a:ext>
-                  </a:extLst>
-                </p:cNvPr>
-                <p:cNvPicPr>
-                  <a:picLocks noChangeAspect="1"/>
-                </p:cNvPicPr>
-                <p:nvPr/>
-              </p:nvPicPr>
-              <p:blipFill rotWithShape="1">
-                <a:blip r:embed="rId4">
-                  <a:extLst>
-                    <a:ext uri="{28A0092B-C50C-407E-A947-70E740481C1C}">
-                      <a14:useLocalDpi xmlns:a14="http://schemas.microsoft.com/office/drawing/2010/main" val="0"/>
-                    </a:ext>
-                  </a:extLst>
-                </a:blip>
-                <a:srcRect l="46234" t="10662" r="30167" b="81495"/>
-                <a:stretch/>
-              </p:blipFill>
-              <p:spPr>
-                <a:xfrm>
-                  <a:off x="4251960" y="2690605"/>
-                  <a:ext cx="1681480" cy="190002"/>
-                </a:xfrm>
-                <a:prstGeom prst="rect">
-                  <a:avLst/>
-                </a:prstGeom>
-              </p:spPr>
-            </p:pic>
-            <p:pic>
-              <p:nvPicPr>
-                <p:cNvPr id="17" name="圖片 16">
-                  <a:extLst>
-                    <a:ext uri="{FF2B5EF4-FFF2-40B4-BE49-F238E27FC236}">
-                      <a16:creationId xmlns:a16="http://schemas.microsoft.com/office/drawing/2014/main" id="{73914CE7-2459-4C36-A4AC-81869F687490}"/>
-                    </a:ext>
-                  </a:extLst>
-                </p:cNvPr>
-                <p:cNvPicPr>
-                  <a:picLocks noChangeAspect="1"/>
-                </p:cNvPicPr>
-                <p:nvPr/>
-              </p:nvPicPr>
-              <p:blipFill rotWithShape="1">
-                <a:blip r:embed="rId4">
-                  <a:extLst>
-                    <a:ext uri="{28A0092B-C50C-407E-A947-70E740481C1C}">
-                      <a14:useLocalDpi xmlns:a14="http://schemas.microsoft.com/office/drawing/2010/main" val="0"/>
-                    </a:ext>
-                  </a:extLst>
-                </a:blip>
-                <a:srcRect l="35584" t="10662" r="61493" b="81495"/>
-                <a:stretch/>
-              </p:blipFill>
-              <p:spPr>
-                <a:xfrm>
-                  <a:off x="4022722" y="2690605"/>
-                  <a:ext cx="208283" cy="190002"/>
-                </a:xfrm>
-                <a:prstGeom prst="rect">
-                  <a:avLst/>
-                </a:prstGeom>
-              </p:spPr>
-            </p:pic>
-          </p:grpSp>
-        </p:grpSp>
-      </p:grpSp>
+          <a:prstGeom prst="rect">
+            <a:avLst/>
+          </a:prstGeom>
+        </p:spPr>
+      </p:pic>
     </p:spTree>
     <p:extLst>
       <p:ext uri="{BB962C8B-B14F-4D97-AF65-F5344CB8AC3E}">
-        <p14:creationId xmlns:p14="http://schemas.microsoft.com/office/powerpoint/2010/main" val="2742104044"/>
+        <p14:creationId xmlns:p14="http://schemas.microsoft.com/office/powerpoint/2010/main" val="1786552848"/>
       </p:ext>
     </p:extLst>
   </p:cSld>
@@ -11671,12 +12845,160 @@
           <a:chExt cx="0" cy="0"/>
         </a:xfrm>
       </p:grpSpPr>
+      <p:grpSp>
+        <p:nvGrpSpPr>
+          <p:cNvPr id="21" name="群組 20">
+            <a:extLst>
+              <a:ext uri="{FF2B5EF4-FFF2-40B4-BE49-F238E27FC236}">
+                <a16:creationId xmlns:a16="http://schemas.microsoft.com/office/drawing/2014/main" id="{6483C1EA-8151-475E-9986-42767DAE4811}"/>
+              </a:ext>
+            </a:extLst>
+          </p:cNvPr>
+          <p:cNvGrpSpPr/>
+          <p:nvPr/>
+        </p:nvGrpSpPr>
+        <p:grpSpPr>
+          <a:xfrm>
+            <a:off x="187955" y="142237"/>
+            <a:ext cx="4572009" cy="3108966"/>
+            <a:chOff x="563875" y="1483357"/>
+            <a:chExt cx="4572009" cy="3108966"/>
+          </a:xfrm>
+        </p:grpSpPr>
+        <p:pic>
+          <p:nvPicPr>
+            <p:cNvPr id="20" name="圖片 19">
+              <a:extLst>
+                <a:ext uri="{FF2B5EF4-FFF2-40B4-BE49-F238E27FC236}">
+                  <a16:creationId xmlns:a16="http://schemas.microsoft.com/office/drawing/2014/main" id="{3097646B-9F62-41DC-B1B9-0C1CDABE4948}"/>
+                </a:ext>
+              </a:extLst>
+            </p:cNvPr>
+            <p:cNvPicPr>
+              <a:picLocks noChangeAspect="1"/>
+            </p:cNvPicPr>
+            <p:nvPr/>
+          </p:nvPicPr>
+          <p:blipFill>
+            <a:blip r:embed="rId2">
+              <a:extLst>
+                <a:ext uri="{28A0092B-C50C-407E-A947-70E740481C1C}">
+                  <a14:useLocalDpi xmlns:a14="http://schemas.microsoft.com/office/drawing/2010/main" val="0"/>
+                </a:ext>
+              </a:extLst>
+            </a:blip>
+            <a:stretch>
+              <a:fillRect/>
+            </a:stretch>
+          </p:blipFill>
+          <p:spPr>
+            <a:xfrm>
+              <a:off x="563875" y="1483357"/>
+              <a:ext cx="4572009" cy="3108966"/>
+            </a:xfrm>
+            <a:prstGeom prst="rect">
+              <a:avLst/>
+            </a:prstGeom>
+          </p:spPr>
+        </p:pic>
+        <p:grpSp>
+          <p:nvGrpSpPr>
+            <p:cNvPr id="16" name="群組 15">
+              <a:extLst>
+                <a:ext uri="{FF2B5EF4-FFF2-40B4-BE49-F238E27FC236}">
+                  <a16:creationId xmlns:a16="http://schemas.microsoft.com/office/drawing/2014/main" id="{A0978EE0-DC92-4FDE-ABD8-E9B71CBAF36D}"/>
+                </a:ext>
+              </a:extLst>
+            </p:cNvPr>
+            <p:cNvGrpSpPr/>
+            <p:nvPr/>
+          </p:nvGrpSpPr>
+          <p:grpSpPr>
+            <a:xfrm>
+              <a:off x="1121484" y="1690624"/>
+              <a:ext cx="3973760" cy="212957"/>
+              <a:chOff x="1543119" y="2427224"/>
+              <a:chExt cx="3973760" cy="212957"/>
+            </a:xfrm>
+          </p:grpSpPr>
+          <p:pic>
+            <p:nvPicPr>
+              <p:cNvPr id="17" name="圖片 16">
+                <a:extLst>
+                  <a:ext uri="{FF2B5EF4-FFF2-40B4-BE49-F238E27FC236}">
+                    <a16:creationId xmlns:a16="http://schemas.microsoft.com/office/drawing/2014/main" id="{4A3EF0D1-1729-464F-B1FA-89DBADEBDC06}"/>
+                  </a:ext>
+                </a:extLst>
+              </p:cNvPr>
+              <p:cNvPicPr>
+                <a:picLocks noChangeAspect="1"/>
+              </p:cNvPicPr>
+              <p:nvPr/>
+            </p:nvPicPr>
+            <p:blipFill rotWithShape="1">
+              <a:blip r:embed="rId3">
+                <a:extLst>
+                  <a:ext uri="{28A0092B-C50C-407E-A947-70E740481C1C}">
+                    <a14:useLocalDpi xmlns:a14="http://schemas.microsoft.com/office/drawing/2010/main" val="0"/>
+                  </a:ext>
+                </a:extLst>
+              </a:blip>
+              <a:srcRect l="56394" t="6102" r="1072" b="87048"/>
+              <a:stretch/>
+            </p:blipFill>
+            <p:spPr>
+              <a:xfrm>
+                <a:off x="3572256" y="2427224"/>
+                <a:ext cx="1944623" cy="212957"/>
+              </a:xfrm>
+              <a:prstGeom prst="rect">
+                <a:avLst/>
+              </a:prstGeom>
+            </p:spPr>
+          </p:pic>
+          <p:pic>
+            <p:nvPicPr>
+              <p:cNvPr id="18" name="圖片 17">
+                <a:extLst>
+                  <a:ext uri="{FF2B5EF4-FFF2-40B4-BE49-F238E27FC236}">
+                    <a16:creationId xmlns:a16="http://schemas.microsoft.com/office/drawing/2014/main" id="{508E9812-7F60-4925-9FE6-798A7837F45A}"/>
+                  </a:ext>
+                </a:extLst>
+              </p:cNvPr>
+              <p:cNvPicPr>
+                <a:picLocks noChangeAspect="1"/>
+              </p:cNvPicPr>
+              <p:nvPr/>
+            </p:nvPicPr>
+            <p:blipFill rotWithShape="1">
+              <a:blip r:embed="rId4">
+                <a:extLst>
+                  <a:ext uri="{28A0092B-C50C-407E-A947-70E740481C1C}">
+                    <a14:useLocalDpi xmlns:a14="http://schemas.microsoft.com/office/drawing/2010/main" val="0"/>
+                  </a:ext>
+                </a:extLst>
+              </a:blip>
+              <a:srcRect l="12039" t="6967" r="46661" b="87630"/>
+              <a:stretch/>
+            </p:blipFill>
+            <p:spPr>
+              <a:xfrm>
+                <a:off x="1543119" y="2449714"/>
+                <a:ext cx="1888236" cy="167975"/>
+              </a:xfrm>
+              <a:prstGeom prst="rect">
+                <a:avLst/>
+              </a:prstGeom>
+            </p:spPr>
+          </p:pic>
+        </p:grpSp>
+      </p:grpSp>
       <p:pic>
         <p:nvPicPr>
-          <p:cNvPr id="5" name="圖片 4">
+          <p:cNvPr id="44" name="圖片 43">
             <a:extLst>
               <a:ext uri="{FF2B5EF4-FFF2-40B4-BE49-F238E27FC236}">
-                <a16:creationId xmlns:a16="http://schemas.microsoft.com/office/drawing/2014/main" id="{467FE76D-6F8A-45A7-9653-1D83F5A9D8E7}"/>
+                <a16:creationId xmlns:a16="http://schemas.microsoft.com/office/drawing/2014/main" id="{0A94782F-3EBA-442A-9ACD-2B94AE138320}"/>
               </a:ext>
             </a:extLst>
           </p:cNvPr>
@@ -11685,21 +13007,16 @@
           </p:cNvPicPr>
           <p:nvPr/>
         </p:nvPicPr>
-        <p:blipFill rotWithShape="1">
-          <a:blip r:embed="rId2">
-            <a:extLst>
-              <a:ext uri="{28A0092B-C50C-407E-A947-70E740481C1C}">
-                <a14:useLocalDpi xmlns:a14="http://schemas.microsoft.com/office/drawing/2010/main" val="0"/>
-              </a:ext>
-            </a:extLst>
-          </a:blip>
-          <a:srcRect t="11500" b="4166"/>
-          <a:stretch/>
+        <p:blipFill>
+          <a:blip r:embed="rId5"/>
+          <a:stretch>
+            <a:fillRect/>
+          </a:stretch>
         </p:blipFill>
         <p:spPr>
           <a:xfrm>
-            <a:off x="1383787" y="1469136"/>
-            <a:ext cx="4572009" cy="1542288"/>
+            <a:off x="4719324" y="218305"/>
+            <a:ext cx="4572396" cy="3109229"/>
           </a:xfrm>
           <a:prstGeom prst="rect">
             <a:avLst/>
@@ -11709,7 +13026,7 @@
     </p:spTree>
     <p:extLst>
       <p:ext uri="{BB962C8B-B14F-4D97-AF65-F5344CB8AC3E}">
-        <p14:creationId xmlns:p14="http://schemas.microsoft.com/office/powerpoint/2010/main" val="2630218352"/>
+        <p14:creationId xmlns:p14="http://schemas.microsoft.com/office/powerpoint/2010/main" val="4237616290"/>
       </p:ext>
     </p:extLst>
   </p:cSld>
@@ -11736,55 +13053,136 @@
           <a:chExt cx="0" cy="0"/>
         </a:xfrm>
       </p:grpSpPr>
+      <p:grpSp>
+        <p:nvGrpSpPr>
+          <p:cNvPr id="5" name="群組 4">
+            <a:extLst>
+              <a:ext uri="{FF2B5EF4-FFF2-40B4-BE49-F238E27FC236}">
+                <a16:creationId xmlns:a16="http://schemas.microsoft.com/office/drawing/2014/main" id="{36987F93-2F9D-4487-8167-EFB646EFE812}"/>
+              </a:ext>
+            </a:extLst>
+          </p:cNvPr>
+          <p:cNvGrpSpPr/>
+          <p:nvPr/>
+        </p:nvGrpSpPr>
+        <p:grpSpPr>
+          <a:xfrm>
+            <a:off x="1543119" y="2427224"/>
+            <a:ext cx="3973760" cy="212957"/>
+            <a:chOff x="1543119" y="2427224"/>
+            <a:chExt cx="3973760" cy="212957"/>
+          </a:xfrm>
+        </p:grpSpPr>
+        <p:pic>
+          <p:nvPicPr>
+            <p:cNvPr id="4" name="圖片 3">
+              <a:extLst>
+                <a:ext uri="{FF2B5EF4-FFF2-40B4-BE49-F238E27FC236}">
+                  <a16:creationId xmlns:a16="http://schemas.microsoft.com/office/drawing/2014/main" id="{D1321562-B197-4D4A-BDC1-CB68D5CFE23B}"/>
+                </a:ext>
+              </a:extLst>
+            </p:cNvPr>
+            <p:cNvPicPr>
+              <a:picLocks noChangeAspect="1"/>
+            </p:cNvPicPr>
+            <p:nvPr/>
+          </p:nvPicPr>
+          <p:blipFill rotWithShape="1">
+            <a:blip r:embed="rId2">
+              <a:extLst>
+                <a:ext uri="{28A0092B-C50C-407E-A947-70E740481C1C}">
+                  <a14:useLocalDpi xmlns:a14="http://schemas.microsoft.com/office/drawing/2010/main" val="0"/>
+                </a:ext>
+              </a:extLst>
+            </a:blip>
+            <a:srcRect l="56394" t="6102" r="1072" b="87048"/>
+            <a:stretch/>
+          </p:blipFill>
+          <p:spPr>
+            <a:xfrm>
+              <a:off x="3572256" y="2427224"/>
+              <a:ext cx="1944623" cy="212957"/>
+            </a:xfrm>
+            <a:prstGeom prst="rect">
+              <a:avLst/>
+            </a:prstGeom>
+          </p:spPr>
+        </p:pic>
+        <p:pic>
+          <p:nvPicPr>
+            <p:cNvPr id="3" name="圖片 2">
+              <a:extLst>
+                <a:ext uri="{FF2B5EF4-FFF2-40B4-BE49-F238E27FC236}">
+                  <a16:creationId xmlns:a16="http://schemas.microsoft.com/office/drawing/2014/main" id="{14AA1FCD-4E2D-4FEB-99EE-47F9E404C567}"/>
+                </a:ext>
+              </a:extLst>
+            </p:cNvPr>
+            <p:cNvPicPr>
+              <a:picLocks noChangeAspect="1"/>
+            </p:cNvPicPr>
+            <p:nvPr/>
+          </p:nvPicPr>
+          <p:blipFill rotWithShape="1">
+            <a:blip r:embed="rId3">
+              <a:extLst>
+                <a:ext uri="{28A0092B-C50C-407E-A947-70E740481C1C}">
+                  <a14:useLocalDpi xmlns:a14="http://schemas.microsoft.com/office/drawing/2010/main" val="0"/>
+                </a:ext>
+              </a:extLst>
+            </a:blip>
+            <a:srcRect l="12039" t="6967" r="46661" b="87630"/>
+            <a:stretch/>
+          </p:blipFill>
+          <p:spPr>
+            <a:xfrm>
+              <a:off x="1543119" y="2449714"/>
+              <a:ext cx="1888236" cy="167975"/>
+            </a:xfrm>
+            <a:prstGeom prst="rect">
+              <a:avLst/>
+            </a:prstGeom>
+          </p:spPr>
+        </p:pic>
+      </p:grpSp>
       <p:pic>
         <p:nvPicPr>
-          <p:cNvPr id="1026" name="Picture 2" descr="https://static.rti.org.tw/assets/thumbnails/2020/11/09/a6ba1840d2f11ab4702c28e6e1473763.jpeg">
+          <p:cNvPr id="6" name="圖片 5">
             <a:extLst>
               <a:ext uri="{FF2B5EF4-FFF2-40B4-BE49-F238E27FC236}">
-                <a16:creationId xmlns:a16="http://schemas.microsoft.com/office/drawing/2014/main" id="{AC5E5A12-3EA2-4C95-AD5D-0B0486CE3314}"/>
+                <a16:creationId xmlns:a16="http://schemas.microsoft.com/office/drawing/2014/main" id="{A239CE27-E1C7-49CF-AC6E-9DCD6FD5089B}"/>
               </a:ext>
             </a:extLst>
           </p:cNvPr>
           <p:cNvPicPr>
-            <a:picLocks noChangeAspect="1" noChangeArrowheads="1"/>
+            <a:picLocks noChangeAspect="1"/>
           </p:cNvPicPr>
           <p:nvPr/>
         </p:nvPicPr>
         <p:blipFill rotWithShape="1">
-          <a:blip r:embed="rId2">
+          <a:blip r:embed="rId3">
             <a:extLst>
               <a:ext uri="{28A0092B-C50C-407E-A947-70E740481C1C}">
                 <a14:useLocalDpi xmlns:a14="http://schemas.microsoft.com/office/drawing/2010/main" val="0"/>
               </a:ext>
             </a:extLst>
           </a:blip>
-          <a:srcRect l="46614" t="27037" r="1372" b="31945"/>
+          <a:srcRect l="17789" t="6967" r="71128" b="87630"/>
           <a:stretch/>
         </p:blipFill>
-        <p:spPr bwMode="auto">
+        <p:spPr>
           <a:xfrm>
-            <a:off x="4597400" y="1930400"/>
-            <a:ext cx="6254750" cy="2813050"/>
+            <a:off x="1946910" y="1413394"/>
+            <a:ext cx="506730" cy="167975"/>
           </a:xfrm>
           <a:prstGeom prst="rect">
             <a:avLst/>
           </a:prstGeom>
-          <a:noFill/>
-          <a:extLst>
-            <a:ext uri="{909E8E84-426E-40DD-AFC4-6F175D3DCCD1}">
-              <a14:hiddenFill xmlns:a14="http://schemas.microsoft.com/office/drawing/2010/main">
-                <a:solidFill>
-                  <a:srgbClr val="FFFFFF"/>
-                </a:solidFill>
-              </a14:hiddenFill>
-            </a:ext>
-          </a:extLst>
         </p:spPr>
       </p:pic>
     </p:spTree>
     <p:extLst>
       <p:ext uri="{BB962C8B-B14F-4D97-AF65-F5344CB8AC3E}">
-        <p14:creationId xmlns:p14="http://schemas.microsoft.com/office/powerpoint/2010/main" val="4289924518"/>
+        <p14:creationId xmlns:p14="http://schemas.microsoft.com/office/powerpoint/2010/main" val="1703594803"/>
       </p:ext>
     </p:extLst>
   </p:cSld>
@@ -12563,16 +13961,16 @@
 <file path=customXml/itemProps1.xml><?xml version="1.0" encoding="utf-8"?>
 <ds:datastoreItem xmlns:ds="http://schemas.openxmlformats.org/officeDocument/2006/customXml" ds:itemID="{39D41E74-D420-4E0C-A77E-7334773642A8}">
   <ds:schemaRefs>
-    <ds:schemaRef ds:uri="http://schemas.microsoft.com/office/infopath/2007/PartnerControls"/>
-    <ds:schemaRef ds:uri="http://purl.org/dc/terms/"/>
     <ds:schemaRef ds:uri="http://purl.org/dc/elements/1.1/"/>
-    <ds:schemaRef ds:uri="http://purl.org/dc/dcmitype/"/>
     <ds:schemaRef ds:uri="http://www.w3.org/XML/1998/namespace"/>
-    <ds:schemaRef ds:uri="http://schemas.microsoft.com/office/2006/documentManagement/types"/>
     <ds:schemaRef ds:uri="58929301-6a8e-4af1-a681-4bd8ecc4a34e"/>
     <ds:schemaRef ds:uri="1c11fafd-21e2-4178-963c-24a936a58f92"/>
+    <ds:schemaRef ds:uri="http://purl.org/dc/dcmitype/"/>
+    <ds:schemaRef ds:uri="http://schemas.microsoft.com/office/2006/metadata/properties"/>
+    <ds:schemaRef ds:uri="http://purl.org/dc/terms/"/>
+    <ds:schemaRef ds:uri="http://schemas.microsoft.com/office/2006/documentManagement/types"/>
+    <ds:schemaRef ds:uri="http://schemas.microsoft.com/office/infopath/2007/PartnerControls"/>
     <ds:schemaRef ds:uri="http://schemas.openxmlformats.org/package/2006/metadata/core-properties"/>
-    <ds:schemaRef ds:uri="http://schemas.microsoft.com/office/2006/metadata/properties"/>
   </ds:schemaRefs>
 </ds:datastoreItem>
 </file>
